--- a/WEB TECHNOLOGY LAB.pptx
+++ b/WEB TECHNOLOGY LAB.pptx
@@ -6,34 +6,39 @@
   </p:sldMasterIdLst>
   <p:sldIdLst>
     <p:sldId id="256" r:id="rId2"/>
-    <p:sldId id="257" r:id="rId3"/>
-    <p:sldId id="258" r:id="rId4"/>
-    <p:sldId id="263" r:id="rId5"/>
-    <p:sldId id="267" r:id="rId6"/>
-    <p:sldId id="264" r:id="rId7"/>
-    <p:sldId id="260" r:id="rId8"/>
-    <p:sldId id="265" r:id="rId9"/>
-    <p:sldId id="266" r:id="rId10"/>
-    <p:sldId id="259" r:id="rId11"/>
-    <p:sldId id="261" r:id="rId12"/>
-    <p:sldId id="262" r:id="rId13"/>
-    <p:sldId id="268" r:id="rId14"/>
-    <p:sldId id="269" r:id="rId15"/>
-    <p:sldId id="270" r:id="rId16"/>
-    <p:sldId id="271" r:id="rId17"/>
-    <p:sldId id="272" r:id="rId18"/>
-    <p:sldId id="273" r:id="rId19"/>
-    <p:sldId id="283" r:id="rId20"/>
-    <p:sldId id="274" r:id="rId21"/>
-    <p:sldId id="275" r:id="rId22"/>
-    <p:sldId id="276" r:id="rId23"/>
-    <p:sldId id="277" r:id="rId24"/>
-    <p:sldId id="279" r:id="rId25"/>
-    <p:sldId id="278" r:id="rId26"/>
-    <p:sldId id="284" r:id="rId27"/>
-    <p:sldId id="280" r:id="rId28"/>
-    <p:sldId id="281" r:id="rId29"/>
-    <p:sldId id="282" r:id="rId30"/>
+    <p:sldId id="286" r:id="rId3"/>
+    <p:sldId id="291" r:id="rId4"/>
+    <p:sldId id="287" r:id="rId5"/>
+    <p:sldId id="258" r:id="rId6"/>
+    <p:sldId id="288" r:id="rId7"/>
+    <p:sldId id="257" r:id="rId8"/>
+    <p:sldId id="289" r:id="rId9"/>
+    <p:sldId id="290" r:id="rId10"/>
+    <p:sldId id="263" r:id="rId11"/>
+    <p:sldId id="267" r:id="rId12"/>
+    <p:sldId id="264" r:id="rId13"/>
+    <p:sldId id="260" r:id="rId14"/>
+    <p:sldId id="265" r:id="rId15"/>
+    <p:sldId id="266" r:id="rId16"/>
+    <p:sldId id="259" r:id="rId17"/>
+    <p:sldId id="261" r:id="rId18"/>
+    <p:sldId id="262" r:id="rId19"/>
+    <p:sldId id="268" r:id="rId20"/>
+    <p:sldId id="269" r:id="rId21"/>
+    <p:sldId id="270" r:id="rId22"/>
+    <p:sldId id="271" r:id="rId23"/>
+    <p:sldId id="272" r:id="rId24"/>
+    <p:sldId id="273" r:id="rId25"/>
+    <p:sldId id="283" r:id="rId26"/>
+    <p:sldId id="274" r:id="rId27"/>
+    <p:sldId id="275" r:id="rId28"/>
+    <p:sldId id="276" r:id="rId29"/>
+    <p:sldId id="277" r:id="rId30"/>
+    <p:sldId id="279" r:id="rId31"/>
+    <p:sldId id="278" r:id="rId32"/>
+    <p:sldId id="284" r:id="rId33"/>
+    <p:sldId id="280" r:id="rId34"/>
+    <p:sldId id="281" r:id="rId35"/>
   </p:sldIdLst>
   <p:sldSz cx="12192000" cy="6858000"/>
   <p:notesSz cx="6858000" cy="9144000"/>
@@ -289,7 +294,7 @@
           <a:p>
             <a:fld id="{19ED5223-EB94-4E81-9B74-7C7F32A3352C}" type="datetimeFigureOut">
               <a:rPr lang="en-IN" smtClean="0"/>
-              <a:t>22-09-2024</a:t>
+              <a:t>01-12-2024</a:t>
             </a:fld>
             <a:endParaRPr lang="en-IN"/>
           </a:p>
@@ -489,7 +494,7 @@
           <a:p>
             <a:fld id="{19ED5223-EB94-4E81-9B74-7C7F32A3352C}" type="datetimeFigureOut">
               <a:rPr lang="en-IN" smtClean="0"/>
-              <a:t>22-09-2024</a:t>
+              <a:t>01-12-2024</a:t>
             </a:fld>
             <a:endParaRPr lang="en-IN"/>
           </a:p>
@@ -699,7 +704,7 @@
           <a:p>
             <a:fld id="{19ED5223-EB94-4E81-9B74-7C7F32A3352C}" type="datetimeFigureOut">
               <a:rPr lang="en-IN" smtClean="0"/>
-              <a:t>22-09-2024</a:t>
+              <a:t>01-12-2024</a:t>
             </a:fld>
             <a:endParaRPr lang="en-IN"/>
           </a:p>
@@ -899,7 +904,7 @@
           <a:p>
             <a:fld id="{19ED5223-EB94-4E81-9B74-7C7F32A3352C}" type="datetimeFigureOut">
               <a:rPr lang="en-IN" smtClean="0"/>
-              <a:t>22-09-2024</a:t>
+              <a:t>01-12-2024</a:t>
             </a:fld>
             <a:endParaRPr lang="en-IN"/>
           </a:p>
@@ -1175,7 +1180,7 @@
           <a:p>
             <a:fld id="{19ED5223-EB94-4E81-9B74-7C7F32A3352C}" type="datetimeFigureOut">
               <a:rPr lang="en-IN" smtClean="0"/>
-              <a:t>22-09-2024</a:t>
+              <a:t>01-12-2024</a:t>
             </a:fld>
             <a:endParaRPr lang="en-IN"/>
           </a:p>
@@ -1443,7 +1448,7 @@
           <a:p>
             <a:fld id="{19ED5223-EB94-4E81-9B74-7C7F32A3352C}" type="datetimeFigureOut">
               <a:rPr lang="en-IN" smtClean="0"/>
-              <a:t>22-09-2024</a:t>
+              <a:t>01-12-2024</a:t>
             </a:fld>
             <a:endParaRPr lang="en-IN"/>
           </a:p>
@@ -1858,7 +1863,7 @@
           <a:p>
             <a:fld id="{19ED5223-EB94-4E81-9B74-7C7F32A3352C}" type="datetimeFigureOut">
               <a:rPr lang="en-IN" smtClean="0"/>
-              <a:t>22-09-2024</a:t>
+              <a:t>01-12-2024</a:t>
             </a:fld>
             <a:endParaRPr lang="en-IN"/>
           </a:p>
@@ -2000,7 +2005,7 @@
           <a:p>
             <a:fld id="{19ED5223-EB94-4E81-9B74-7C7F32A3352C}" type="datetimeFigureOut">
               <a:rPr lang="en-IN" smtClean="0"/>
-              <a:t>22-09-2024</a:t>
+              <a:t>01-12-2024</a:t>
             </a:fld>
             <a:endParaRPr lang="en-IN"/>
           </a:p>
@@ -2113,7 +2118,7 @@
           <a:p>
             <a:fld id="{19ED5223-EB94-4E81-9B74-7C7F32A3352C}" type="datetimeFigureOut">
               <a:rPr lang="en-IN" smtClean="0"/>
-              <a:t>22-09-2024</a:t>
+              <a:t>01-12-2024</a:t>
             </a:fld>
             <a:endParaRPr lang="en-IN"/>
           </a:p>
@@ -2426,7 +2431,7 @@
           <a:p>
             <a:fld id="{19ED5223-EB94-4E81-9B74-7C7F32A3352C}" type="datetimeFigureOut">
               <a:rPr lang="en-IN" smtClean="0"/>
-              <a:t>22-09-2024</a:t>
+              <a:t>01-12-2024</a:t>
             </a:fld>
             <a:endParaRPr lang="en-IN"/>
           </a:p>
@@ -2715,7 +2720,7 @@
           <a:p>
             <a:fld id="{19ED5223-EB94-4E81-9B74-7C7F32A3352C}" type="datetimeFigureOut">
               <a:rPr lang="en-IN" smtClean="0"/>
-              <a:t>22-09-2024</a:t>
+              <a:t>01-12-2024</a:t>
             </a:fld>
             <a:endParaRPr lang="en-IN"/>
           </a:p>
@@ -2958,7 +2963,7 @@
           <a:p>
             <a:fld id="{19ED5223-EB94-4E81-9B74-7C7F32A3352C}" type="datetimeFigureOut">
               <a:rPr lang="en-IN" smtClean="0"/>
-              <a:t>22-09-2024</a:t>
+              <a:t>01-12-2024</a:t>
             </a:fld>
             <a:endParaRPr lang="en-IN"/>
           </a:p>
@@ -3426,10 +3431,7 @@
           <a:bodyPr/>
           <a:lstStyle/>
           <a:p>
-            <a:r>
-              <a:rPr lang="en-IN" dirty="0"/>
-              <a:t>S1 BCA </a:t>
-            </a:r>
+            <a:endParaRPr lang="en-IN" dirty="0"/>
           </a:p>
         </p:txBody>
       </p:sp>
@@ -3465,6 +3467,1544 @@
       </p:grpSpPr>
       <p:sp>
         <p:nvSpPr>
+          <p:cNvPr id="4" name="TextBox 3">
+            <a:extLst>
+              <a:ext uri="{FF2B5EF4-FFF2-40B4-BE49-F238E27FC236}">
+                <a16:creationId xmlns:a16="http://schemas.microsoft.com/office/drawing/2014/main" id="{CDB5553A-255D-69A2-F154-A9EC5ECEE6A2}"/>
+              </a:ext>
+            </a:extLst>
+          </p:cNvPr>
+          <p:cNvSpPr txBox="1"/>
+          <p:nvPr/>
+        </p:nvSpPr>
+        <p:spPr>
+          <a:xfrm>
+            <a:off x="442450" y="344580"/>
+            <a:ext cx="11228440" cy="4570482"/>
+          </a:xfrm>
+          <a:prstGeom prst="rect">
+            <a:avLst/>
+          </a:prstGeom>
+          <a:noFill/>
+        </p:spPr>
+        <p:txBody>
+          <a:bodyPr wrap="square">
+            <a:spAutoFit/>
+          </a:bodyPr>
+          <a:lstStyle/>
+          <a:p>
+            <a:r>
+              <a:rPr lang="en-US" sz="2800" b="1" dirty="0"/>
+              <a:t>FORM</a:t>
+            </a:r>
+          </a:p>
+          <a:p>
+            <a:endParaRPr lang="en-US" sz="1100" b="1" dirty="0"/>
+          </a:p>
+          <a:p>
+            <a:r>
+              <a:rPr lang="en-US" sz="2800" dirty="0"/>
+              <a:t>The &lt;form&gt; element is a container for different types of input elements, such as: text fields, checkboxes, radio buttons, submit buttons, etc.</a:t>
+            </a:r>
+          </a:p>
+          <a:p>
+            <a:endParaRPr lang="en-US" sz="2800" dirty="0"/>
+          </a:p>
+          <a:p>
+            <a:endParaRPr lang="en-US" sz="2800" dirty="0"/>
+          </a:p>
+          <a:p>
+            <a:r>
+              <a:rPr lang="en-US" sz="2800" dirty="0"/>
+              <a:t>Form syntax:</a:t>
+            </a:r>
+          </a:p>
+          <a:p>
+            <a:r>
+              <a:rPr lang="en-US" sz="2800" dirty="0"/>
+              <a:t>&lt;form action=“url.html” method=“post/get”&gt;</a:t>
+            </a:r>
+          </a:p>
+          <a:p>
+            <a:r>
+              <a:rPr lang="en-US" sz="2800" dirty="0"/>
+              <a:t>:</a:t>
+            </a:r>
+          </a:p>
+          <a:p>
+            <a:r>
+              <a:rPr lang="en-US" sz="2800" dirty="0"/>
+              <a:t>:&lt;/form&gt;</a:t>
+            </a:r>
+          </a:p>
+          <a:p>
+            <a:endParaRPr lang="en-IN" sz="2800" dirty="0"/>
+          </a:p>
+        </p:txBody>
+      </p:sp>
+    </p:spTree>
+    <p:extLst>
+      <p:ext uri="{BB962C8B-B14F-4D97-AF65-F5344CB8AC3E}">
+        <p14:creationId xmlns:p14="http://schemas.microsoft.com/office/powerpoint/2010/main" val="1928858687"/>
+      </p:ext>
+    </p:extLst>
+  </p:cSld>
+  <p:clrMapOvr>
+    <a:masterClrMapping/>
+  </p:clrMapOvr>
+</p:sld>
+</file>
+
+<file path=ppt/slides/slide11.xml><?xml version="1.0" encoding="utf-8"?>
+<p:sld xmlns:a="http://schemas.openxmlformats.org/drawingml/2006/main" xmlns:r="http://schemas.openxmlformats.org/officeDocument/2006/relationships" xmlns:p="http://schemas.openxmlformats.org/presentationml/2006/main">
+  <p:cSld>
+    <p:spTree>
+      <p:nvGrpSpPr>
+        <p:cNvPr id="1" name=""/>
+        <p:cNvGrpSpPr/>
+        <p:nvPr/>
+      </p:nvGrpSpPr>
+      <p:grpSpPr>
+        <a:xfrm>
+          <a:off x="0" y="0"/>
+          <a:ext cx="0" cy="0"/>
+          <a:chOff x="0" y="0"/>
+          <a:chExt cx="0" cy="0"/>
+        </a:xfrm>
+      </p:grpSpPr>
+      <p:sp>
+        <p:nvSpPr>
+          <p:cNvPr id="3" name="TextBox 2">
+            <a:extLst>
+              <a:ext uri="{FF2B5EF4-FFF2-40B4-BE49-F238E27FC236}">
+                <a16:creationId xmlns:a16="http://schemas.microsoft.com/office/drawing/2014/main" id="{0838F52D-7E6B-5791-0B9B-5B2FA1EFBE6D}"/>
+              </a:ext>
+            </a:extLst>
+          </p:cNvPr>
+          <p:cNvSpPr txBox="1"/>
+          <p:nvPr/>
+        </p:nvSpPr>
+        <p:spPr>
+          <a:xfrm>
+            <a:off x="737418" y="582067"/>
+            <a:ext cx="10776155" cy="5262979"/>
+          </a:xfrm>
+          <a:prstGeom prst="rect">
+            <a:avLst/>
+          </a:prstGeom>
+          <a:noFill/>
+        </p:spPr>
+        <p:txBody>
+          <a:bodyPr wrap="square">
+            <a:spAutoFit/>
+          </a:bodyPr>
+          <a:lstStyle/>
+          <a:p>
+            <a:r>
+              <a:rPr lang="en-IN" sz="2800" dirty="0"/>
+              <a:t>&lt;html&gt;</a:t>
+            </a:r>
+          </a:p>
+          <a:p>
+            <a:r>
+              <a:rPr lang="en-IN" sz="2800" dirty="0"/>
+              <a:t>&lt;head&gt;</a:t>
+            </a:r>
+          </a:p>
+          <a:p>
+            <a:r>
+              <a:rPr lang="en-IN" sz="2800" dirty="0"/>
+              <a:t>&lt;title&gt;&lt;/title&gt;</a:t>
+            </a:r>
+          </a:p>
+          <a:p>
+            <a:r>
+              <a:rPr lang="en-IN" sz="2800" dirty="0"/>
+              <a:t>&lt;/head&gt;</a:t>
+            </a:r>
+          </a:p>
+          <a:p>
+            <a:r>
+              <a:rPr lang="en-IN" sz="2800" dirty="0"/>
+              <a:t>&lt;body&gt;</a:t>
+            </a:r>
+          </a:p>
+          <a:p>
+            <a:r>
+              <a:rPr lang="en-IN" sz="2800" dirty="0"/>
+              <a:t>&lt;form&gt;</a:t>
+            </a:r>
+          </a:p>
+          <a:p>
+            <a:r>
+              <a:rPr lang="en-IN" sz="2800" b="0" i="0" dirty="0">
+                <a:solidFill>
+                  <a:srgbClr val="0000CD"/>
+                </a:solidFill>
+                <a:effectLst/>
+                <a:latin typeface="Consolas" panose="020B0609020204030204" pitchFamily="49" charset="0"/>
+              </a:rPr>
+              <a:t>&lt;</a:t>
+            </a:r>
+            <a:r>
+              <a:rPr lang="en-IN" sz="2800" b="0" i="0" dirty="0">
+                <a:solidFill>
+                  <a:srgbClr val="A52A2A"/>
+                </a:solidFill>
+                <a:effectLst/>
+                <a:latin typeface="Consolas" panose="020B0609020204030204" pitchFamily="49" charset="0"/>
+              </a:rPr>
+              <a:t>input</a:t>
+            </a:r>
+            <a:r>
+              <a:rPr lang="en-IN" sz="2800" b="0" i="0" dirty="0">
+                <a:solidFill>
+                  <a:srgbClr val="FF0000"/>
+                </a:solidFill>
+                <a:effectLst/>
+                <a:latin typeface="Consolas" panose="020B0609020204030204" pitchFamily="49" charset="0"/>
+              </a:rPr>
+              <a:t> type</a:t>
+            </a:r>
+            <a:r>
+              <a:rPr lang="en-IN" sz="2800" b="0" i="0" dirty="0">
+                <a:solidFill>
+                  <a:srgbClr val="0000CD"/>
+                </a:solidFill>
+                <a:effectLst/>
+                <a:latin typeface="Consolas" panose="020B0609020204030204" pitchFamily="49" charset="0"/>
+              </a:rPr>
+              <a:t>="text"</a:t>
+            </a:r>
+            <a:r>
+              <a:rPr lang="en-IN" sz="2800" b="0" i="0" dirty="0">
+                <a:solidFill>
+                  <a:srgbClr val="FF0000"/>
+                </a:solidFill>
+                <a:effectLst/>
+                <a:latin typeface="Consolas" panose="020B0609020204030204" pitchFamily="49" charset="0"/>
+              </a:rPr>
+              <a:t> id</a:t>
+            </a:r>
+            <a:r>
+              <a:rPr lang="en-IN" sz="2800" b="0" i="0" dirty="0">
+                <a:solidFill>
+                  <a:srgbClr val="0000CD"/>
+                </a:solidFill>
+                <a:effectLst/>
+                <a:latin typeface="Consolas" panose="020B0609020204030204" pitchFamily="49" charset="0"/>
+              </a:rPr>
+              <a:t>="</a:t>
+            </a:r>
+            <a:r>
+              <a:rPr lang="en-IN" sz="2800" b="0" i="0" dirty="0" err="1">
+                <a:solidFill>
+                  <a:srgbClr val="0000CD"/>
+                </a:solidFill>
+                <a:effectLst/>
+                <a:latin typeface="Consolas" panose="020B0609020204030204" pitchFamily="49" charset="0"/>
+              </a:rPr>
+              <a:t>fname</a:t>
+            </a:r>
+            <a:r>
+              <a:rPr lang="en-IN" sz="2800" b="0" i="0" dirty="0">
+                <a:solidFill>
+                  <a:srgbClr val="0000CD"/>
+                </a:solidFill>
+                <a:effectLst/>
+                <a:latin typeface="Consolas" panose="020B0609020204030204" pitchFamily="49" charset="0"/>
+              </a:rPr>
+              <a:t>"</a:t>
+            </a:r>
+            <a:r>
+              <a:rPr lang="en-IN" sz="2800" b="0" i="0" dirty="0">
+                <a:solidFill>
+                  <a:srgbClr val="FF0000"/>
+                </a:solidFill>
+                <a:effectLst/>
+                <a:latin typeface="Consolas" panose="020B0609020204030204" pitchFamily="49" charset="0"/>
+              </a:rPr>
+              <a:t> name</a:t>
+            </a:r>
+            <a:r>
+              <a:rPr lang="en-IN" sz="2800" b="0" i="0" dirty="0">
+                <a:solidFill>
+                  <a:srgbClr val="0000CD"/>
+                </a:solidFill>
+                <a:effectLst/>
+                <a:latin typeface="Consolas" panose="020B0609020204030204" pitchFamily="49" charset="0"/>
+              </a:rPr>
+              <a:t>="</a:t>
+            </a:r>
+            <a:r>
+              <a:rPr lang="en-IN" sz="2800" b="0" i="0" dirty="0" err="1">
+                <a:solidFill>
+                  <a:srgbClr val="0000CD"/>
+                </a:solidFill>
+                <a:effectLst/>
+                <a:latin typeface="Consolas" panose="020B0609020204030204" pitchFamily="49" charset="0"/>
+              </a:rPr>
+              <a:t>fname</a:t>
+            </a:r>
+            <a:r>
+              <a:rPr lang="en-IN" sz="2800" b="0" i="0" dirty="0">
+                <a:solidFill>
+                  <a:srgbClr val="0000CD"/>
+                </a:solidFill>
+                <a:effectLst/>
+                <a:latin typeface="Consolas" panose="020B0609020204030204" pitchFamily="49" charset="0"/>
+              </a:rPr>
+              <a:t>"&gt;First name&lt;</a:t>
+            </a:r>
+            <a:r>
+              <a:rPr lang="en-IN" sz="2800" b="0" i="0" dirty="0" err="1">
+                <a:solidFill>
+                  <a:srgbClr val="A52A2A"/>
+                </a:solidFill>
+                <a:effectLst/>
+                <a:latin typeface="Consolas" panose="020B0609020204030204" pitchFamily="49" charset="0"/>
+              </a:rPr>
+              <a:t>br</a:t>
+            </a:r>
+            <a:r>
+              <a:rPr lang="en-IN" sz="2800" b="0" i="0" dirty="0">
+                <a:solidFill>
+                  <a:srgbClr val="0000CD"/>
+                </a:solidFill>
+                <a:effectLst/>
+                <a:latin typeface="Consolas" panose="020B0609020204030204" pitchFamily="49" charset="0"/>
+              </a:rPr>
+              <a:t>&gt;</a:t>
+            </a:r>
+            <a:br>
+              <a:rPr lang="en-IN" sz="2800" dirty="0"/>
+            </a:br>
+            <a:r>
+              <a:rPr lang="en-IN" sz="2800" b="0" i="0" dirty="0">
+                <a:solidFill>
+                  <a:srgbClr val="000000"/>
+                </a:solidFill>
+                <a:effectLst/>
+                <a:latin typeface="Consolas" panose="020B0609020204030204" pitchFamily="49" charset="0"/>
+              </a:rPr>
+              <a:t> </a:t>
+            </a:r>
+            <a:r>
+              <a:rPr lang="en-IN" sz="2800" b="0" i="0" dirty="0">
+                <a:solidFill>
+                  <a:srgbClr val="0000CD"/>
+                </a:solidFill>
+                <a:effectLst/>
+                <a:latin typeface="Consolas" panose="020B0609020204030204" pitchFamily="49" charset="0"/>
+              </a:rPr>
+              <a:t>&lt;</a:t>
+            </a:r>
+            <a:r>
+              <a:rPr lang="en-IN" sz="2800" b="0" i="0" dirty="0">
+                <a:solidFill>
+                  <a:srgbClr val="A52A2A"/>
+                </a:solidFill>
+                <a:effectLst/>
+                <a:latin typeface="Consolas" panose="020B0609020204030204" pitchFamily="49" charset="0"/>
+              </a:rPr>
+              <a:t>input</a:t>
+            </a:r>
+            <a:r>
+              <a:rPr lang="en-IN" sz="2800" b="0" i="0" dirty="0">
+                <a:solidFill>
+                  <a:srgbClr val="FF0000"/>
+                </a:solidFill>
+                <a:effectLst/>
+                <a:latin typeface="Consolas" panose="020B0609020204030204" pitchFamily="49" charset="0"/>
+              </a:rPr>
+              <a:t> type</a:t>
+            </a:r>
+            <a:r>
+              <a:rPr lang="en-IN" sz="2800" b="0" i="0" dirty="0">
+                <a:solidFill>
+                  <a:srgbClr val="0000CD"/>
+                </a:solidFill>
+                <a:effectLst/>
+                <a:latin typeface="Consolas" panose="020B0609020204030204" pitchFamily="49" charset="0"/>
+              </a:rPr>
+              <a:t>="text"</a:t>
+            </a:r>
+            <a:r>
+              <a:rPr lang="en-IN" sz="2800" b="0" i="0" dirty="0">
+                <a:solidFill>
+                  <a:srgbClr val="FF0000"/>
+                </a:solidFill>
+                <a:effectLst/>
+                <a:latin typeface="Consolas" panose="020B0609020204030204" pitchFamily="49" charset="0"/>
+              </a:rPr>
+              <a:t> id</a:t>
+            </a:r>
+            <a:r>
+              <a:rPr lang="en-IN" sz="2800" b="0" i="0" dirty="0">
+                <a:solidFill>
+                  <a:srgbClr val="0000CD"/>
+                </a:solidFill>
+                <a:effectLst/>
+                <a:latin typeface="Consolas" panose="020B0609020204030204" pitchFamily="49" charset="0"/>
+              </a:rPr>
+              <a:t>="</a:t>
+            </a:r>
+            <a:r>
+              <a:rPr lang="en-IN" sz="2800" b="0" i="0" dirty="0" err="1">
+                <a:solidFill>
+                  <a:srgbClr val="0000CD"/>
+                </a:solidFill>
+                <a:effectLst/>
+                <a:latin typeface="Consolas" panose="020B0609020204030204" pitchFamily="49" charset="0"/>
+              </a:rPr>
+              <a:t>lname</a:t>
+            </a:r>
+            <a:r>
+              <a:rPr lang="en-IN" sz="2800" b="0" i="0" dirty="0">
+                <a:solidFill>
+                  <a:srgbClr val="0000CD"/>
+                </a:solidFill>
+                <a:effectLst/>
+                <a:latin typeface="Consolas" panose="020B0609020204030204" pitchFamily="49" charset="0"/>
+              </a:rPr>
+              <a:t>"</a:t>
+            </a:r>
+            <a:r>
+              <a:rPr lang="en-IN" sz="2800" b="0" i="0" dirty="0">
+                <a:solidFill>
+                  <a:srgbClr val="FF0000"/>
+                </a:solidFill>
+                <a:effectLst/>
+                <a:latin typeface="Consolas" panose="020B0609020204030204" pitchFamily="49" charset="0"/>
+              </a:rPr>
+              <a:t> name</a:t>
+            </a:r>
+            <a:r>
+              <a:rPr lang="en-IN" sz="2800" b="0" i="0" dirty="0">
+                <a:solidFill>
+                  <a:srgbClr val="0000CD"/>
+                </a:solidFill>
+                <a:effectLst/>
+                <a:latin typeface="Consolas" panose="020B0609020204030204" pitchFamily="49" charset="0"/>
+              </a:rPr>
+              <a:t>="</a:t>
+            </a:r>
+            <a:r>
+              <a:rPr lang="en-IN" sz="2800" b="0" i="0" dirty="0" err="1">
+                <a:solidFill>
+                  <a:srgbClr val="0000CD"/>
+                </a:solidFill>
+                <a:effectLst/>
+                <a:latin typeface="Consolas" panose="020B0609020204030204" pitchFamily="49" charset="0"/>
+              </a:rPr>
+              <a:t>lname</a:t>
+            </a:r>
+            <a:r>
+              <a:rPr lang="en-IN" sz="2800" b="0" i="0" dirty="0">
+                <a:solidFill>
+                  <a:srgbClr val="0000CD"/>
+                </a:solidFill>
+                <a:effectLst/>
+                <a:latin typeface="Consolas" panose="020B0609020204030204" pitchFamily="49" charset="0"/>
+              </a:rPr>
+              <a:t>"&gt; Last name </a:t>
+            </a:r>
+            <a:endParaRPr lang="en-IN" sz="2800" dirty="0"/>
+          </a:p>
+          <a:p>
+            <a:r>
+              <a:rPr lang="en-IN" sz="2800" dirty="0"/>
+              <a:t>&lt;/form&gt;</a:t>
+            </a:r>
+          </a:p>
+          <a:p>
+            <a:r>
+              <a:rPr lang="en-IN" sz="2800" dirty="0"/>
+              <a:t>&lt;/body&gt;</a:t>
+            </a:r>
+          </a:p>
+          <a:p>
+            <a:r>
+              <a:rPr lang="en-IN" sz="2800" dirty="0"/>
+              <a:t>&lt;/html&gt;</a:t>
+            </a:r>
+          </a:p>
+        </p:txBody>
+      </p:sp>
+    </p:spTree>
+    <p:extLst>
+      <p:ext uri="{BB962C8B-B14F-4D97-AF65-F5344CB8AC3E}">
+        <p14:creationId xmlns:p14="http://schemas.microsoft.com/office/powerpoint/2010/main" val="2241811312"/>
+      </p:ext>
+    </p:extLst>
+  </p:cSld>
+  <p:clrMapOvr>
+    <a:masterClrMapping/>
+  </p:clrMapOvr>
+</p:sld>
+</file>
+
+<file path=ppt/slides/slide12.xml><?xml version="1.0" encoding="utf-8"?>
+<p:sld xmlns:a="http://schemas.openxmlformats.org/drawingml/2006/main" xmlns:r="http://schemas.openxmlformats.org/officeDocument/2006/relationships" xmlns:p="http://schemas.openxmlformats.org/presentationml/2006/main">
+  <p:cSld>
+    <p:spTree>
+      <p:nvGrpSpPr>
+        <p:cNvPr id="1" name=""/>
+        <p:cNvGrpSpPr/>
+        <p:nvPr/>
+      </p:nvGrpSpPr>
+      <p:grpSpPr>
+        <a:xfrm>
+          <a:off x="0" y="0"/>
+          <a:ext cx="0" cy="0"/>
+          <a:chOff x="0" y="0"/>
+          <a:chExt cx="0" cy="0"/>
+        </a:xfrm>
+      </p:grpSpPr>
+      <p:pic>
+        <p:nvPicPr>
+          <p:cNvPr id="3" name="Picture 2">
+            <a:extLst>
+              <a:ext uri="{FF2B5EF4-FFF2-40B4-BE49-F238E27FC236}">
+                <a16:creationId xmlns:a16="http://schemas.microsoft.com/office/drawing/2014/main" id="{8D0484C6-5BA4-B022-3560-4C6722ADF8ED}"/>
+              </a:ext>
+            </a:extLst>
+          </p:cNvPr>
+          <p:cNvPicPr>
+            <a:picLocks noChangeAspect="1"/>
+          </p:cNvPicPr>
+          <p:nvPr/>
+        </p:nvPicPr>
+        <p:blipFill>
+          <a:blip r:embed="rId2"/>
+          <a:srcRect t="2826" r="2030" b="2052"/>
+          <a:stretch/>
+        </p:blipFill>
+        <p:spPr>
+          <a:xfrm>
+            <a:off x="766916" y="2182761"/>
+            <a:ext cx="5220929" cy="2979174"/>
+          </a:xfrm>
+          <a:prstGeom prst="rect">
+            <a:avLst/>
+          </a:prstGeom>
+        </p:spPr>
+      </p:pic>
+      <p:sp>
+        <p:nvSpPr>
+          <p:cNvPr id="5" name="TextBox 4">
+            <a:extLst>
+              <a:ext uri="{FF2B5EF4-FFF2-40B4-BE49-F238E27FC236}">
+                <a16:creationId xmlns:a16="http://schemas.microsoft.com/office/drawing/2014/main" id="{39B94730-D3FA-D24D-6EC2-9A165CDDDA21}"/>
+              </a:ext>
+            </a:extLst>
+          </p:cNvPr>
+          <p:cNvSpPr txBox="1"/>
+          <p:nvPr/>
+        </p:nvSpPr>
+        <p:spPr>
+          <a:xfrm>
+            <a:off x="1002890" y="668594"/>
+            <a:ext cx="3765903" cy="707886"/>
+          </a:xfrm>
+          <a:prstGeom prst="rect">
+            <a:avLst/>
+          </a:prstGeom>
+          <a:noFill/>
+        </p:spPr>
+        <p:txBody>
+          <a:bodyPr wrap="none" rtlCol="0">
+            <a:spAutoFit/>
+          </a:bodyPr>
+          <a:lstStyle/>
+          <a:p>
+            <a:r>
+              <a:rPr lang="en-IN" sz="4000" b="1" dirty="0"/>
+              <a:t>Example of Form</a:t>
+            </a:r>
+          </a:p>
+        </p:txBody>
+      </p:sp>
+      <p:pic>
+        <p:nvPicPr>
+          <p:cNvPr id="7" name="Picture 6">
+            <a:extLst>
+              <a:ext uri="{FF2B5EF4-FFF2-40B4-BE49-F238E27FC236}">
+                <a16:creationId xmlns:a16="http://schemas.microsoft.com/office/drawing/2014/main" id="{73C24CA4-BE2F-6F59-BE4F-F634E32BA073}"/>
+              </a:ext>
+            </a:extLst>
+          </p:cNvPr>
+          <p:cNvPicPr>
+            <a:picLocks noChangeAspect="1"/>
+          </p:cNvPicPr>
+          <p:nvPr/>
+        </p:nvPicPr>
+        <p:blipFill>
+          <a:blip r:embed="rId3"/>
+          <a:stretch>
+            <a:fillRect/>
+          </a:stretch>
+        </p:blipFill>
+        <p:spPr>
+          <a:xfrm>
+            <a:off x="5034115" y="980767"/>
+            <a:ext cx="6518787" cy="5383161"/>
+          </a:xfrm>
+          <a:prstGeom prst="rect">
+            <a:avLst/>
+          </a:prstGeom>
+        </p:spPr>
+      </p:pic>
+    </p:spTree>
+    <p:extLst>
+      <p:ext uri="{BB962C8B-B14F-4D97-AF65-F5344CB8AC3E}">
+        <p14:creationId xmlns:p14="http://schemas.microsoft.com/office/powerpoint/2010/main" val="4285024592"/>
+      </p:ext>
+    </p:extLst>
+  </p:cSld>
+  <p:clrMapOvr>
+    <a:masterClrMapping/>
+  </p:clrMapOvr>
+</p:sld>
+</file>
+
+<file path=ppt/slides/slide13.xml><?xml version="1.0" encoding="utf-8"?>
+<p:sld xmlns:a="http://schemas.openxmlformats.org/drawingml/2006/main" xmlns:r="http://schemas.openxmlformats.org/officeDocument/2006/relationships" xmlns:p="http://schemas.openxmlformats.org/presentationml/2006/main">
+  <p:cSld>
+    <p:spTree>
+      <p:nvGrpSpPr>
+        <p:cNvPr id="1" name=""/>
+        <p:cNvGrpSpPr/>
+        <p:nvPr/>
+      </p:nvGrpSpPr>
+      <p:grpSpPr>
+        <a:xfrm>
+          <a:off x="0" y="0"/>
+          <a:ext cx="0" cy="0"/>
+          <a:chOff x="0" y="0"/>
+          <a:chExt cx="0" cy="0"/>
+        </a:xfrm>
+      </p:grpSpPr>
+      <p:pic>
+        <p:nvPicPr>
+          <p:cNvPr id="3" name="Picture 2">
+            <a:extLst>
+              <a:ext uri="{FF2B5EF4-FFF2-40B4-BE49-F238E27FC236}">
+                <a16:creationId xmlns:a16="http://schemas.microsoft.com/office/drawing/2014/main" id="{E27F5CA8-F80D-A4A9-75BE-13130C927B80}"/>
+              </a:ext>
+            </a:extLst>
+          </p:cNvPr>
+          <p:cNvPicPr>
+            <a:picLocks noChangeAspect="1"/>
+          </p:cNvPicPr>
+          <p:nvPr/>
+        </p:nvPicPr>
+        <p:blipFill>
+          <a:blip r:embed="rId2"/>
+          <a:stretch>
+            <a:fillRect/>
+          </a:stretch>
+        </p:blipFill>
+        <p:spPr>
+          <a:xfrm>
+            <a:off x="640205" y="230726"/>
+            <a:ext cx="9177304" cy="3198274"/>
+          </a:xfrm>
+          <a:prstGeom prst="rect">
+            <a:avLst/>
+          </a:prstGeom>
+        </p:spPr>
+      </p:pic>
+      <p:sp>
+        <p:nvSpPr>
+          <p:cNvPr id="5" name="TextBox 4">
+            <a:extLst>
+              <a:ext uri="{FF2B5EF4-FFF2-40B4-BE49-F238E27FC236}">
+                <a16:creationId xmlns:a16="http://schemas.microsoft.com/office/drawing/2014/main" id="{10F957D8-A482-B505-49DB-5020CEEC8282}"/>
+              </a:ext>
+            </a:extLst>
+          </p:cNvPr>
+          <p:cNvSpPr txBox="1"/>
+          <p:nvPr/>
+        </p:nvSpPr>
+        <p:spPr>
+          <a:xfrm>
+            <a:off x="463226" y="3484974"/>
+            <a:ext cx="8715187" cy="461665"/>
+          </a:xfrm>
+          <a:prstGeom prst="rect">
+            <a:avLst/>
+          </a:prstGeom>
+          <a:noFill/>
+        </p:spPr>
+        <p:txBody>
+          <a:bodyPr wrap="square">
+            <a:spAutoFit/>
+          </a:bodyPr>
+          <a:lstStyle/>
+          <a:p>
+            <a:r>
+              <a:rPr lang="en-US" sz="2400" dirty="0"/>
+              <a:t>The &lt;</a:t>
+            </a:r>
+            <a:r>
+              <a:rPr lang="en-US" sz="2400" dirty="0" err="1"/>
+              <a:t>textarea</a:t>
+            </a:r>
+            <a:r>
+              <a:rPr lang="en-US" sz="2400" dirty="0"/>
+              <a:t>&gt; tag defines a multi-line text input control.</a:t>
+            </a:r>
+            <a:endParaRPr lang="en-IN" sz="2400" dirty="0"/>
+          </a:p>
+        </p:txBody>
+      </p:sp>
+      <p:sp>
+        <p:nvSpPr>
+          <p:cNvPr id="7" name="TextBox 6">
+            <a:extLst>
+              <a:ext uri="{FF2B5EF4-FFF2-40B4-BE49-F238E27FC236}">
+                <a16:creationId xmlns:a16="http://schemas.microsoft.com/office/drawing/2014/main" id="{4012AB13-D13E-1A17-4A15-0B16E09D5831}"/>
+              </a:ext>
+            </a:extLst>
+          </p:cNvPr>
+          <p:cNvSpPr txBox="1"/>
+          <p:nvPr/>
+        </p:nvSpPr>
+        <p:spPr>
+          <a:xfrm>
+            <a:off x="463226" y="4002613"/>
+            <a:ext cx="10274710" cy="1569660"/>
+          </a:xfrm>
+          <a:prstGeom prst="rect">
+            <a:avLst/>
+          </a:prstGeom>
+          <a:noFill/>
+        </p:spPr>
+        <p:txBody>
+          <a:bodyPr wrap="square">
+            <a:spAutoFit/>
+          </a:bodyPr>
+          <a:lstStyle/>
+          <a:p>
+            <a:r>
+              <a:rPr lang="en-US" sz="2400" b="0" i="0" dirty="0">
+                <a:solidFill>
+                  <a:srgbClr val="0000CD"/>
+                </a:solidFill>
+                <a:effectLst/>
+                <a:latin typeface="Consolas" panose="020B0609020204030204" pitchFamily="49" charset="0"/>
+              </a:rPr>
+              <a:t>&lt;</a:t>
+            </a:r>
+            <a:r>
+              <a:rPr lang="en-US" sz="2400" b="0" i="0" dirty="0" err="1">
+                <a:solidFill>
+                  <a:srgbClr val="A52A2A"/>
+                </a:solidFill>
+                <a:effectLst/>
+                <a:latin typeface="Consolas" panose="020B0609020204030204" pitchFamily="49" charset="0"/>
+              </a:rPr>
+              <a:t>textarea</a:t>
+            </a:r>
+            <a:r>
+              <a:rPr lang="en-US" sz="2400" b="0" i="0" dirty="0">
+                <a:solidFill>
+                  <a:srgbClr val="FF0000"/>
+                </a:solidFill>
+                <a:effectLst/>
+                <a:latin typeface="Consolas" panose="020B0609020204030204" pitchFamily="49" charset="0"/>
+              </a:rPr>
+              <a:t> id</a:t>
+            </a:r>
+            <a:r>
+              <a:rPr lang="en-US" sz="2400" b="0" i="0" dirty="0">
+                <a:solidFill>
+                  <a:srgbClr val="0000CD"/>
+                </a:solidFill>
+                <a:effectLst/>
+                <a:latin typeface="Consolas" panose="020B0609020204030204" pitchFamily="49" charset="0"/>
+              </a:rPr>
+              <a:t>=""</a:t>
+            </a:r>
+            <a:r>
+              <a:rPr lang="en-US" sz="2400" b="0" i="0" dirty="0">
+                <a:solidFill>
+                  <a:srgbClr val="FF0000"/>
+                </a:solidFill>
+                <a:effectLst/>
+                <a:latin typeface="Consolas" panose="020B0609020204030204" pitchFamily="49" charset="0"/>
+              </a:rPr>
+              <a:t> name</a:t>
+            </a:r>
+            <a:r>
+              <a:rPr lang="en-US" sz="2400" b="0" i="0" dirty="0">
+                <a:solidFill>
+                  <a:srgbClr val="0000CD"/>
+                </a:solidFill>
+                <a:effectLst/>
+                <a:latin typeface="Consolas" panose="020B0609020204030204" pitchFamily="49" charset="0"/>
+              </a:rPr>
+              <a:t>=""</a:t>
+            </a:r>
+            <a:r>
+              <a:rPr lang="en-US" sz="2400" b="0" i="0" dirty="0">
+                <a:solidFill>
+                  <a:srgbClr val="FF0000"/>
+                </a:solidFill>
+                <a:effectLst/>
+                <a:latin typeface="Consolas" panose="020B0609020204030204" pitchFamily="49" charset="0"/>
+              </a:rPr>
+              <a:t> rows</a:t>
+            </a:r>
+            <a:r>
+              <a:rPr lang="en-US" sz="2400" b="0" i="0" dirty="0">
+                <a:solidFill>
+                  <a:srgbClr val="0000CD"/>
+                </a:solidFill>
+                <a:effectLst/>
+                <a:latin typeface="Consolas" panose="020B0609020204030204" pitchFamily="49" charset="0"/>
+              </a:rPr>
+              <a:t>="4"</a:t>
+            </a:r>
+            <a:r>
+              <a:rPr lang="en-US" sz="2400" b="0" i="0" dirty="0">
+                <a:solidFill>
+                  <a:srgbClr val="FF0000"/>
+                </a:solidFill>
+                <a:effectLst/>
+                <a:latin typeface="Consolas" panose="020B0609020204030204" pitchFamily="49" charset="0"/>
+              </a:rPr>
+              <a:t> cols</a:t>
+            </a:r>
+            <a:r>
+              <a:rPr lang="en-US" sz="2400" b="0" i="0" dirty="0">
+                <a:solidFill>
+                  <a:srgbClr val="0000CD"/>
+                </a:solidFill>
+                <a:effectLst/>
+                <a:latin typeface="Consolas" panose="020B0609020204030204" pitchFamily="49" charset="0"/>
+              </a:rPr>
+              <a:t>="50"&gt;</a:t>
+            </a:r>
+            <a:br>
+              <a:rPr lang="en-US" sz="2400" dirty="0"/>
+            </a:br>
+            <a:r>
+              <a:rPr lang="en-US" sz="2400" b="0" i="0" dirty="0">
+                <a:solidFill>
+                  <a:srgbClr val="000000"/>
+                </a:solidFill>
+                <a:effectLst/>
+                <a:latin typeface="Consolas" panose="020B0609020204030204" pitchFamily="49" charset="0"/>
+              </a:rPr>
+              <a:t>At w3schools.com you will learn how to make a website. They offer free tutorials in all web development technologies.</a:t>
+            </a:r>
+            <a:br>
+              <a:rPr lang="en-US" sz="2400" dirty="0"/>
+            </a:br>
+            <a:r>
+              <a:rPr lang="en-US" sz="2400" b="0" i="0" dirty="0">
+                <a:solidFill>
+                  <a:srgbClr val="0000CD"/>
+                </a:solidFill>
+                <a:effectLst/>
+                <a:latin typeface="Consolas" panose="020B0609020204030204" pitchFamily="49" charset="0"/>
+              </a:rPr>
+              <a:t>&lt;</a:t>
+            </a:r>
+            <a:r>
+              <a:rPr lang="en-US" sz="2400" b="0" i="0" dirty="0">
+                <a:solidFill>
+                  <a:srgbClr val="A52A2A"/>
+                </a:solidFill>
+                <a:effectLst/>
+                <a:latin typeface="Consolas" panose="020B0609020204030204" pitchFamily="49" charset="0"/>
+              </a:rPr>
+              <a:t>/</a:t>
+            </a:r>
+            <a:r>
+              <a:rPr lang="en-US" sz="2400" b="0" i="0" dirty="0" err="1">
+                <a:solidFill>
+                  <a:srgbClr val="A52A2A"/>
+                </a:solidFill>
+                <a:effectLst/>
+                <a:latin typeface="Consolas" panose="020B0609020204030204" pitchFamily="49" charset="0"/>
+              </a:rPr>
+              <a:t>textarea</a:t>
+            </a:r>
+            <a:r>
+              <a:rPr lang="en-US" sz="2400" b="0" i="0" dirty="0">
+                <a:solidFill>
+                  <a:srgbClr val="0000CD"/>
+                </a:solidFill>
+                <a:effectLst/>
+                <a:latin typeface="Consolas" panose="020B0609020204030204" pitchFamily="49" charset="0"/>
+              </a:rPr>
+              <a:t>&gt;</a:t>
+            </a:r>
+            <a:endParaRPr lang="en-IN" sz="2400" dirty="0"/>
+          </a:p>
+        </p:txBody>
+      </p:sp>
+      <p:sp>
+        <p:nvSpPr>
+          <p:cNvPr id="9" name="TextBox 8">
+            <a:extLst>
+              <a:ext uri="{FF2B5EF4-FFF2-40B4-BE49-F238E27FC236}">
+                <a16:creationId xmlns:a16="http://schemas.microsoft.com/office/drawing/2014/main" id="{C0D8981B-F4F1-1352-698B-F130EAF34E2C}"/>
+              </a:ext>
+            </a:extLst>
+          </p:cNvPr>
+          <p:cNvSpPr txBox="1"/>
+          <p:nvPr/>
+        </p:nvSpPr>
+        <p:spPr>
+          <a:xfrm>
+            <a:off x="640205" y="5745236"/>
+            <a:ext cx="9015072" cy="523220"/>
+          </a:xfrm>
+          <a:prstGeom prst="rect">
+            <a:avLst/>
+          </a:prstGeom>
+          <a:noFill/>
+        </p:spPr>
+        <p:txBody>
+          <a:bodyPr wrap="square">
+            <a:spAutoFit/>
+          </a:bodyPr>
+          <a:lstStyle/>
+          <a:p>
+            <a:r>
+              <a:rPr lang="en-IN" sz="2800" b="1" dirty="0"/>
+              <a:t> </a:t>
+            </a:r>
+            <a:r>
+              <a:rPr lang="en-IN" sz="2800" b="1" dirty="0">
+                <a:solidFill>
+                  <a:srgbClr val="FF0000"/>
+                </a:solidFill>
+              </a:rPr>
+              <a:t>RESET</a:t>
+            </a:r>
+            <a:r>
+              <a:rPr lang="en-IN" sz="2800" b="1" dirty="0"/>
+              <a:t> :&lt;input type="reset" value="Reset"&gt;reset</a:t>
+            </a:r>
+          </a:p>
+        </p:txBody>
+      </p:sp>
+    </p:spTree>
+    <p:extLst>
+      <p:ext uri="{BB962C8B-B14F-4D97-AF65-F5344CB8AC3E}">
+        <p14:creationId xmlns:p14="http://schemas.microsoft.com/office/powerpoint/2010/main" val="884413024"/>
+      </p:ext>
+    </p:extLst>
+  </p:cSld>
+  <p:clrMapOvr>
+    <a:masterClrMapping/>
+  </p:clrMapOvr>
+</p:sld>
+</file>
+
+<file path=ppt/slides/slide14.xml><?xml version="1.0" encoding="utf-8"?>
+<p:sld xmlns:a="http://schemas.openxmlformats.org/drawingml/2006/main" xmlns:r="http://schemas.openxmlformats.org/officeDocument/2006/relationships" xmlns:p="http://schemas.openxmlformats.org/presentationml/2006/main">
+  <p:cSld>
+    <p:spTree>
+      <p:nvGrpSpPr>
+        <p:cNvPr id="1" name=""/>
+        <p:cNvGrpSpPr/>
+        <p:nvPr/>
+      </p:nvGrpSpPr>
+      <p:grpSpPr>
+        <a:xfrm>
+          <a:off x="0" y="0"/>
+          <a:ext cx="0" cy="0"/>
+          <a:chOff x="0" y="0"/>
+          <a:chExt cx="0" cy="0"/>
+        </a:xfrm>
+      </p:grpSpPr>
+      <p:sp>
+        <p:nvSpPr>
+          <p:cNvPr id="3" name="TextBox 2">
+            <a:extLst>
+              <a:ext uri="{FF2B5EF4-FFF2-40B4-BE49-F238E27FC236}">
+                <a16:creationId xmlns:a16="http://schemas.microsoft.com/office/drawing/2014/main" id="{C5E90B19-9268-7CBF-4526-6769D1674416}"/>
+              </a:ext>
+            </a:extLst>
+          </p:cNvPr>
+          <p:cNvSpPr txBox="1"/>
+          <p:nvPr/>
+        </p:nvSpPr>
+        <p:spPr>
+          <a:xfrm>
+            <a:off x="707923" y="1937911"/>
+            <a:ext cx="10058400" cy="4524315"/>
+          </a:xfrm>
+          <a:prstGeom prst="rect">
+            <a:avLst/>
+          </a:prstGeom>
+          <a:noFill/>
+        </p:spPr>
+        <p:txBody>
+          <a:bodyPr wrap="square">
+            <a:spAutoFit/>
+          </a:bodyPr>
+          <a:lstStyle/>
+          <a:p>
+            <a:r>
+              <a:rPr lang="en-IN" sz="2400" dirty="0"/>
+              <a:t>&lt;!DOCTYPE html&gt;</a:t>
+            </a:r>
+          </a:p>
+          <a:p>
+            <a:r>
+              <a:rPr lang="en-IN" sz="2400" dirty="0"/>
+              <a:t>&lt;html&gt;</a:t>
+            </a:r>
+          </a:p>
+          <a:p>
+            <a:r>
+              <a:rPr lang="en-IN" sz="2400" dirty="0"/>
+              <a:t>&lt;body&gt;</a:t>
+            </a:r>
+          </a:p>
+          <a:p>
+            <a:endParaRPr lang="en-IN" sz="2400" dirty="0"/>
+          </a:p>
+          <a:p>
+            <a:r>
+              <a:rPr lang="en-IN" sz="2400" dirty="0"/>
+              <a:t>&lt;h1&gt;The </a:t>
+            </a:r>
+            <a:r>
+              <a:rPr lang="en-IN" sz="2400" dirty="0" err="1"/>
+              <a:t>ul</a:t>
+            </a:r>
+            <a:r>
+              <a:rPr lang="en-IN" sz="2400" dirty="0"/>
+              <a:t> element&lt;/h1&gt;</a:t>
+            </a:r>
+          </a:p>
+          <a:p>
+            <a:r>
+              <a:rPr lang="en-IN" sz="2400" dirty="0"/>
+              <a:t>&lt;</a:t>
+            </a:r>
+            <a:r>
+              <a:rPr lang="en-IN" sz="2400" dirty="0" err="1"/>
+              <a:t>ul</a:t>
+            </a:r>
+            <a:r>
+              <a:rPr lang="en-IN" sz="2400" dirty="0"/>
+              <a:t>&gt;</a:t>
+            </a:r>
+          </a:p>
+          <a:p>
+            <a:r>
+              <a:rPr lang="en-IN" sz="2400" dirty="0"/>
+              <a:t>  &lt;li&gt;Coffee&lt;/li&gt;</a:t>
+            </a:r>
+          </a:p>
+          <a:p>
+            <a:r>
+              <a:rPr lang="en-IN" sz="2400" dirty="0"/>
+              <a:t>  &lt;li&gt;Tea&lt;/li&gt;</a:t>
+            </a:r>
+          </a:p>
+          <a:p>
+            <a:r>
+              <a:rPr lang="en-IN" sz="2400" dirty="0"/>
+              <a:t>  &lt;li&gt;Milk&lt;/li&gt;</a:t>
+            </a:r>
+          </a:p>
+          <a:p>
+            <a:r>
+              <a:rPr lang="en-IN" sz="2400" dirty="0"/>
+              <a:t>&lt;/</a:t>
+            </a:r>
+            <a:r>
+              <a:rPr lang="en-IN" sz="2400" dirty="0" err="1"/>
+              <a:t>ul</a:t>
+            </a:r>
+            <a:r>
+              <a:rPr lang="en-IN" sz="2400" dirty="0"/>
+              <a:t>&gt;</a:t>
+            </a:r>
+          </a:p>
+          <a:p>
+            <a:r>
+              <a:rPr lang="en-IN" sz="2400" dirty="0"/>
+              <a:t>&lt;/body&gt;</a:t>
+            </a:r>
+          </a:p>
+          <a:p>
+            <a:r>
+              <a:rPr lang="en-IN" sz="2400" dirty="0"/>
+              <a:t>&lt;/html&gt;</a:t>
+            </a:r>
+          </a:p>
+        </p:txBody>
+      </p:sp>
+      <p:sp>
+        <p:nvSpPr>
+          <p:cNvPr id="7" name="TextBox 6">
+            <a:extLst>
+              <a:ext uri="{FF2B5EF4-FFF2-40B4-BE49-F238E27FC236}">
+                <a16:creationId xmlns:a16="http://schemas.microsoft.com/office/drawing/2014/main" id="{1929FE16-7C99-B439-16B3-BFF03E964C7A}"/>
+              </a:ext>
+            </a:extLst>
+          </p:cNvPr>
+          <p:cNvSpPr txBox="1"/>
+          <p:nvPr/>
+        </p:nvSpPr>
+        <p:spPr>
+          <a:xfrm>
+            <a:off x="353961" y="70972"/>
+            <a:ext cx="9753600" cy="1508105"/>
+          </a:xfrm>
+          <a:prstGeom prst="rect">
+            <a:avLst/>
+          </a:prstGeom>
+          <a:noFill/>
+        </p:spPr>
+        <p:txBody>
+          <a:bodyPr wrap="square">
+            <a:spAutoFit/>
+          </a:bodyPr>
+          <a:lstStyle/>
+          <a:p>
+            <a:r>
+              <a:rPr lang="en-US" sz="3600" b="1" dirty="0" err="1"/>
+              <a:t>ul</a:t>
+            </a:r>
+            <a:r>
+              <a:rPr lang="en-US" sz="3600" b="1" dirty="0"/>
+              <a:t> and li</a:t>
+            </a:r>
+          </a:p>
+          <a:p>
+            <a:r>
+              <a:rPr lang="en-US" sz="2800" dirty="0"/>
+              <a:t>The &lt;</a:t>
+            </a:r>
+            <a:r>
+              <a:rPr lang="en-US" sz="2800" dirty="0" err="1"/>
+              <a:t>ul</a:t>
+            </a:r>
+            <a:r>
+              <a:rPr lang="en-US" sz="2800" dirty="0"/>
+              <a:t>&gt; tag defines an unordered (</a:t>
+            </a:r>
+            <a:r>
+              <a:rPr lang="en-US" sz="2800" b="1" dirty="0"/>
+              <a:t>bulleted</a:t>
+            </a:r>
+            <a:r>
+              <a:rPr lang="en-US" sz="2800" dirty="0"/>
+              <a:t>) list</a:t>
+            </a:r>
+            <a:r>
+              <a:rPr lang="en-US" sz="2800" b="1" dirty="0"/>
+              <a:t>.</a:t>
+            </a:r>
+          </a:p>
+          <a:p>
+            <a:endParaRPr lang="en-IN" sz="2800" b="1" dirty="0"/>
+          </a:p>
+        </p:txBody>
+      </p:sp>
+      <p:pic>
+        <p:nvPicPr>
+          <p:cNvPr id="9" name="Picture 8">
+            <a:extLst>
+              <a:ext uri="{FF2B5EF4-FFF2-40B4-BE49-F238E27FC236}">
+                <a16:creationId xmlns:a16="http://schemas.microsoft.com/office/drawing/2014/main" id="{A10DDD58-571A-FC1E-0A90-1C56FF373A47}"/>
+              </a:ext>
+            </a:extLst>
+          </p:cNvPr>
+          <p:cNvPicPr>
+            <a:picLocks noChangeAspect="1"/>
+          </p:cNvPicPr>
+          <p:nvPr/>
+        </p:nvPicPr>
+        <p:blipFill>
+          <a:blip r:embed="rId2"/>
+          <a:stretch>
+            <a:fillRect/>
+          </a:stretch>
+        </p:blipFill>
+        <p:spPr>
+          <a:xfrm>
+            <a:off x="7585973" y="2293681"/>
+            <a:ext cx="3573640" cy="2720771"/>
+          </a:xfrm>
+          <a:prstGeom prst="rect">
+            <a:avLst/>
+          </a:prstGeom>
+        </p:spPr>
+      </p:pic>
+      <p:sp>
+        <p:nvSpPr>
+          <p:cNvPr id="12" name="TextBox 11">
+            <a:extLst>
+              <a:ext uri="{FF2B5EF4-FFF2-40B4-BE49-F238E27FC236}">
+                <a16:creationId xmlns:a16="http://schemas.microsoft.com/office/drawing/2014/main" id="{26437CEA-60C5-784B-CC7D-480811ED3118}"/>
+              </a:ext>
+            </a:extLst>
+          </p:cNvPr>
+          <p:cNvSpPr txBox="1"/>
+          <p:nvPr/>
+        </p:nvSpPr>
+        <p:spPr>
+          <a:xfrm>
+            <a:off x="707923" y="1127940"/>
+            <a:ext cx="6096000" cy="523220"/>
+          </a:xfrm>
+          <a:prstGeom prst="rect">
+            <a:avLst/>
+          </a:prstGeom>
+          <a:noFill/>
+        </p:spPr>
+        <p:txBody>
+          <a:bodyPr wrap="square">
+            <a:spAutoFit/>
+          </a:bodyPr>
+          <a:lstStyle/>
+          <a:p>
+            <a:r>
+              <a:rPr lang="en-IN" sz="2800" dirty="0"/>
+              <a:t>The &lt;li&gt; tag defines a </a:t>
+            </a:r>
+            <a:r>
+              <a:rPr lang="en-IN" sz="2800" b="1" dirty="0"/>
+              <a:t>list item</a:t>
+            </a:r>
+            <a:r>
+              <a:rPr lang="en-IN" sz="2800" dirty="0"/>
+              <a:t>.</a:t>
+            </a:r>
+          </a:p>
+        </p:txBody>
+      </p:sp>
+    </p:spTree>
+    <p:extLst>
+      <p:ext uri="{BB962C8B-B14F-4D97-AF65-F5344CB8AC3E}">
+        <p14:creationId xmlns:p14="http://schemas.microsoft.com/office/powerpoint/2010/main" val="869271285"/>
+      </p:ext>
+    </p:extLst>
+  </p:cSld>
+  <p:clrMapOvr>
+    <a:masterClrMapping/>
+  </p:clrMapOvr>
+</p:sld>
+</file>
+
+<file path=ppt/slides/slide15.xml><?xml version="1.0" encoding="utf-8"?>
+<p:sld xmlns:a="http://schemas.openxmlformats.org/drawingml/2006/main" xmlns:r="http://schemas.openxmlformats.org/officeDocument/2006/relationships" xmlns:p="http://schemas.openxmlformats.org/presentationml/2006/main">
+  <p:cSld>
+    <p:spTree>
+      <p:nvGrpSpPr>
+        <p:cNvPr id="1" name=""/>
+        <p:cNvGrpSpPr/>
+        <p:nvPr/>
+      </p:nvGrpSpPr>
+      <p:grpSpPr>
+        <a:xfrm>
+          <a:off x="0" y="0"/>
+          <a:ext cx="0" cy="0"/>
+          <a:chOff x="0" y="0"/>
+          <a:chExt cx="0" cy="0"/>
+        </a:xfrm>
+      </p:grpSpPr>
+      <p:sp>
+        <p:nvSpPr>
+          <p:cNvPr id="3" name="TextBox 2">
+            <a:extLst>
+              <a:ext uri="{FF2B5EF4-FFF2-40B4-BE49-F238E27FC236}">
+                <a16:creationId xmlns:a16="http://schemas.microsoft.com/office/drawing/2014/main" id="{90DBC945-B9D3-E277-9AB5-7BD71C1C2501}"/>
+              </a:ext>
+            </a:extLst>
+          </p:cNvPr>
+          <p:cNvSpPr txBox="1"/>
+          <p:nvPr/>
+        </p:nvSpPr>
+        <p:spPr>
+          <a:xfrm>
+            <a:off x="757084" y="1398834"/>
+            <a:ext cx="8190271" cy="4893647"/>
+          </a:xfrm>
+          <a:prstGeom prst="rect">
+            <a:avLst/>
+          </a:prstGeom>
+          <a:noFill/>
+        </p:spPr>
+        <p:txBody>
+          <a:bodyPr wrap="square">
+            <a:spAutoFit/>
+          </a:bodyPr>
+          <a:lstStyle/>
+          <a:p>
+            <a:r>
+              <a:rPr lang="en-IN" sz="2400" dirty="0"/>
+              <a:t>&lt;!DOCTYPE html&gt;</a:t>
+            </a:r>
+          </a:p>
+          <a:p>
+            <a:r>
+              <a:rPr lang="en-IN" sz="2400" dirty="0"/>
+              <a:t>&lt;html&gt;</a:t>
+            </a:r>
+          </a:p>
+          <a:p>
+            <a:r>
+              <a:rPr lang="en-IN" sz="2400" dirty="0"/>
+              <a:t>&lt;body&gt;</a:t>
+            </a:r>
+          </a:p>
+          <a:p>
+            <a:endParaRPr lang="en-IN" sz="2400" dirty="0"/>
+          </a:p>
+          <a:p>
+            <a:r>
+              <a:rPr lang="en-IN" sz="2400" dirty="0"/>
+              <a:t>&lt;h1&gt;The </a:t>
+            </a:r>
+            <a:r>
+              <a:rPr lang="en-IN" sz="2400" dirty="0" err="1"/>
+              <a:t>ol</a:t>
+            </a:r>
+            <a:r>
+              <a:rPr lang="en-IN" sz="2400" dirty="0"/>
+              <a:t> and </a:t>
+            </a:r>
+            <a:r>
+              <a:rPr lang="en-IN" sz="2400" dirty="0" err="1"/>
+              <a:t>ul</a:t>
+            </a:r>
+            <a:r>
+              <a:rPr lang="en-IN" sz="2400" dirty="0"/>
+              <a:t> elements&lt;/h1&gt;</a:t>
+            </a:r>
+          </a:p>
+          <a:p>
+            <a:r>
+              <a:rPr lang="en-IN" sz="2400" dirty="0"/>
+              <a:t>&lt;p&gt;The </a:t>
+            </a:r>
+            <a:r>
+              <a:rPr lang="en-IN" sz="2400" dirty="0" err="1"/>
+              <a:t>ol</a:t>
+            </a:r>
+            <a:r>
+              <a:rPr lang="en-IN" sz="2400" dirty="0"/>
+              <a:t> element defines an ordered list:&lt;/p&gt;</a:t>
+            </a:r>
+          </a:p>
+          <a:p>
+            <a:r>
+              <a:rPr lang="en-IN" sz="2400" dirty="0"/>
+              <a:t>&lt;</a:t>
+            </a:r>
+            <a:r>
+              <a:rPr lang="en-IN" sz="2400" dirty="0" err="1"/>
+              <a:t>ol</a:t>
+            </a:r>
+            <a:r>
+              <a:rPr lang="en-IN" sz="2400" dirty="0"/>
+              <a:t>&gt;</a:t>
+            </a:r>
+          </a:p>
+          <a:p>
+            <a:r>
+              <a:rPr lang="en-IN" sz="2400" dirty="0"/>
+              <a:t>  &lt;li&gt;Coffee&lt;/li&gt;</a:t>
+            </a:r>
+          </a:p>
+          <a:p>
+            <a:r>
+              <a:rPr lang="en-IN" sz="2400" dirty="0"/>
+              <a:t>  &lt;li&gt;Tea&lt;/li&gt;</a:t>
+            </a:r>
+          </a:p>
+          <a:p>
+            <a:r>
+              <a:rPr lang="en-IN" sz="2400" dirty="0"/>
+              <a:t>  &lt;li&gt;Milk&lt;/li&gt;</a:t>
+            </a:r>
+          </a:p>
+          <a:p>
+            <a:r>
+              <a:rPr lang="en-IN" sz="2400" dirty="0"/>
+              <a:t>&lt;/</a:t>
+            </a:r>
+            <a:r>
+              <a:rPr lang="en-IN" sz="2400" dirty="0" err="1"/>
+              <a:t>ol</a:t>
+            </a:r>
+            <a:r>
+              <a:rPr lang="en-IN" sz="2400" dirty="0"/>
+              <a:t>&gt;</a:t>
+            </a:r>
+          </a:p>
+          <a:p>
+            <a:r>
+              <a:rPr lang="en-IN" sz="2400" dirty="0"/>
+              <a:t>&lt;/body&gt;</a:t>
+            </a:r>
+          </a:p>
+          <a:p>
+            <a:r>
+              <a:rPr lang="en-IN" sz="2400" dirty="0"/>
+              <a:t>&lt;/html&gt;</a:t>
+            </a:r>
+            <a:endParaRPr lang="en-IN" dirty="0"/>
+          </a:p>
+        </p:txBody>
+      </p:sp>
+      <p:sp>
+        <p:nvSpPr>
+          <p:cNvPr id="5" name="TextBox 4">
+            <a:extLst>
+              <a:ext uri="{FF2B5EF4-FFF2-40B4-BE49-F238E27FC236}">
+                <a16:creationId xmlns:a16="http://schemas.microsoft.com/office/drawing/2014/main" id="{5AB9CCB2-274D-C501-3040-67A134107659}"/>
+              </a:ext>
+            </a:extLst>
+          </p:cNvPr>
+          <p:cNvSpPr txBox="1"/>
+          <p:nvPr/>
+        </p:nvSpPr>
+        <p:spPr>
+          <a:xfrm>
+            <a:off x="580103" y="302610"/>
+            <a:ext cx="11031794" cy="861774"/>
+          </a:xfrm>
+          <a:prstGeom prst="rect">
+            <a:avLst/>
+          </a:prstGeom>
+          <a:noFill/>
+        </p:spPr>
+        <p:txBody>
+          <a:bodyPr wrap="square">
+            <a:spAutoFit/>
+          </a:bodyPr>
+          <a:lstStyle/>
+          <a:p>
+            <a:r>
+              <a:rPr lang="en-US" sz="3200" b="1" i="0" dirty="0" err="1">
+                <a:solidFill>
+                  <a:srgbClr val="000000"/>
+                </a:solidFill>
+                <a:effectLst/>
+                <a:latin typeface="Verdana" panose="020B0604030504040204" pitchFamily="34" charset="0"/>
+              </a:rPr>
+              <a:t>ol</a:t>
+            </a:r>
+            <a:endParaRPr lang="en-US" sz="3200" b="1" i="0" dirty="0">
+              <a:solidFill>
+                <a:srgbClr val="000000"/>
+              </a:solidFill>
+              <a:effectLst/>
+              <a:latin typeface="Verdana" panose="020B0604030504040204" pitchFamily="34" charset="0"/>
+            </a:endParaRPr>
+          </a:p>
+          <a:p>
+            <a:r>
+              <a:rPr lang="en-US" b="0" i="0" dirty="0">
+                <a:solidFill>
+                  <a:srgbClr val="000000"/>
+                </a:solidFill>
+                <a:effectLst/>
+                <a:latin typeface="Verdana" panose="020B0604030504040204" pitchFamily="34" charset="0"/>
+              </a:rPr>
+              <a:t>In &lt;</a:t>
+            </a:r>
+            <a:r>
+              <a:rPr lang="en-US" b="0" i="0" dirty="0" err="1">
+                <a:solidFill>
+                  <a:srgbClr val="000000"/>
+                </a:solidFill>
+                <a:effectLst/>
+                <a:latin typeface="Verdana" panose="020B0604030504040204" pitchFamily="34" charset="0"/>
+              </a:rPr>
+              <a:t>ol</a:t>
+            </a:r>
+            <a:r>
+              <a:rPr lang="en-US" b="0" i="0" dirty="0">
+                <a:solidFill>
+                  <a:srgbClr val="000000"/>
+                </a:solidFill>
+                <a:effectLst/>
+                <a:latin typeface="Verdana" panose="020B0604030504040204" pitchFamily="34" charset="0"/>
+              </a:rPr>
+              <a:t>&gt;, the list items will usually be displayed with numbers or letters.</a:t>
+            </a:r>
+            <a:endParaRPr lang="en-IN" dirty="0"/>
+          </a:p>
+        </p:txBody>
+      </p:sp>
+      <p:pic>
+        <p:nvPicPr>
+          <p:cNvPr id="7" name="Picture 6">
+            <a:extLst>
+              <a:ext uri="{FF2B5EF4-FFF2-40B4-BE49-F238E27FC236}">
+                <a16:creationId xmlns:a16="http://schemas.microsoft.com/office/drawing/2014/main" id="{ED2771A1-235E-043F-20FB-3771FA1FC893}"/>
+              </a:ext>
+            </a:extLst>
+          </p:cNvPr>
+          <p:cNvPicPr>
+            <a:picLocks noChangeAspect="1"/>
+          </p:cNvPicPr>
+          <p:nvPr/>
+        </p:nvPicPr>
+        <p:blipFill>
+          <a:blip r:embed="rId2"/>
+          <a:stretch>
+            <a:fillRect/>
+          </a:stretch>
+        </p:blipFill>
+        <p:spPr>
+          <a:xfrm>
+            <a:off x="7496366" y="2229172"/>
+            <a:ext cx="4017208" cy="2106854"/>
+          </a:xfrm>
+          <a:prstGeom prst="rect">
+            <a:avLst/>
+          </a:prstGeom>
+        </p:spPr>
+      </p:pic>
+    </p:spTree>
+    <p:extLst>
+      <p:ext uri="{BB962C8B-B14F-4D97-AF65-F5344CB8AC3E}">
+        <p14:creationId xmlns:p14="http://schemas.microsoft.com/office/powerpoint/2010/main" val="3310852495"/>
+      </p:ext>
+    </p:extLst>
+  </p:cSld>
+  <p:clrMapOvr>
+    <a:masterClrMapping/>
+  </p:clrMapOvr>
+</p:sld>
+</file>
+
+<file path=ppt/slides/slide16.xml><?xml version="1.0" encoding="utf-8"?>
+<p:sld xmlns:a="http://schemas.openxmlformats.org/drawingml/2006/main" xmlns:r="http://schemas.openxmlformats.org/officeDocument/2006/relationships" xmlns:p="http://schemas.openxmlformats.org/presentationml/2006/main">
+  <p:cSld>
+    <p:spTree>
+      <p:nvGrpSpPr>
+        <p:cNvPr id="1" name=""/>
+        <p:cNvGrpSpPr/>
+        <p:nvPr/>
+      </p:nvGrpSpPr>
+      <p:grpSpPr>
+        <a:xfrm>
+          <a:off x="0" y="0"/>
+          <a:ext cx="0" cy="0"/>
+          <a:chOff x="0" y="0"/>
+          <a:chExt cx="0" cy="0"/>
+        </a:xfrm>
+      </p:grpSpPr>
+      <p:sp>
+        <p:nvSpPr>
           <p:cNvPr id="2" name="TextBox 1">
             <a:extLst>
               <a:ext uri="{FF2B5EF4-FFF2-40B4-BE49-F238E27FC236}">
@@ -4290,7 +5830,7 @@
 </p:sld>
 </file>
 
-<file path=ppt/slides/slide11.xml><?xml version="1.0" encoding="utf-8"?>
+<file path=ppt/slides/slide17.xml><?xml version="1.0" encoding="utf-8"?>
 <p:sld xmlns:a="http://schemas.openxmlformats.org/drawingml/2006/main" xmlns:r="http://schemas.openxmlformats.org/officeDocument/2006/relationships" xmlns:p="http://schemas.openxmlformats.org/presentationml/2006/main">
   <p:cSld>
     <p:spTree>
@@ -4541,7 +6081,7 @@
 </p:sld>
 </file>
 
-<file path=ppt/slides/slide12.xml><?xml version="1.0" encoding="utf-8"?>
+<file path=ppt/slides/slide18.xml><?xml version="1.0" encoding="utf-8"?>
 <p:sld xmlns:a="http://schemas.openxmlformats.org/drawingml/2006/main" xmlns:r="http://schemas.openxmlformats.org/officeDocument/2006/relationships" xmlns:p="http://schemas.openxmlformats.org/presentationml/2006/main">
   <p:cSld>
     <p:spTree>
@@ -4812,7 +6352,7 @@
 </p:sld>
 </file>
 
-<file path=ppt/slides/slide13.xml><?xml version="1.0" encoding="utf-8"?>
+<file path=ppt/slides/slide19.xml><?xml version="1.0" encoding="utf-8"?>
 <p:sld xmlns:a="http://schemas.openxmlformats.org/drawingml/2006/main" xmlns:r="http://schemas.openxmlformats.org/officeDocument/2006/relationships" xmlns:p="http://schemas.openxmlformats.org/presentationml/2006/main">
   <p:cSld>
     <p:spTree>
@@ -5239,7 +6779,201 @@
 </p:sld>
 </file>
 
-<file path=ppt/slides/slide14.xml><?xml version="1.0" encoding="utf-8"?>
+<file path=ppt/slides/slide2.xml><?xml version="1.0" encoding="utf-8"?>
+<p:sld xmlns:a="http://schemas.openxmlformats.org/drawingml/2006/main" xmlns:r="http://schemas.openxmlformats.org/officeDocument/2006/relationships" xmlns:p="http://schemas.openxmlformats.org/presentationml/2006/main">
+  <p:cSld>
+    <p:spTree>
+      <p:nvGrpSpPr>
+        <p:cNvPr id="1" name=""/>
+        <p:cNvGrpSpPr/>
+        <p:nvPr/>
+      </p:nvGrpSpPr>
+      <p:grpSpPr>
+        <a:xfrm>
+          <a:off x="0" y="0"/>
+          <a:ext cx="0" cy="0"/>
+          <a:chOff x="0" y="0"/>
+          <a:chExt cx="0" cy="0"/>
+        </a:xfrm>
+      </p:grpSpPr>
+      <p:sp>
+        <p:nvSpPr>
+          <p:cNvPr id="3" name="TextBox 2">
+            <a:extLst>
+              <a:ext uri="{FF2B5EF4-FFF2-40B4-BE49-F238E27FC236}">
+                <a16:creationId xmlns:a16="http://schemas.microsoft.com/office/drawing/2014/main" id="{DF153B91-5210-56B9-0641-F672AD6FCD01}"/>
+              </a:ext>
+            </a:extLst>
+          </p:cNvPr>
+          <p:cNvSpPr txBox="1"/>
+          <p:nvPr/>
+        </p:nvSpPr>
+        <p:spPr>
+          <a:xfrm>
+            <a:off x="157318" y="256089"/>
+            <a:ext cx="11503742" cy="2062103"/>
+          </a:xfrm>
+          <a:prstGeom prst="rect">
+            <a:avLst/>
+          </a:prstGeom>
+          <a:noFill/>
+        </p:spPr>
+        <p:txBody>
+          <a:bodyPr wrap="square">
+            <a:spAutoFit/>
+          </a:bodyPr>
+          <a:lstStyle/>
+          <a:p>
+            <a:r>
+              <a:rPr lang="en-US" sz="3200" b="1" u="sng" dirty="0">
+                <a:solidFill>
+                  <a:srgbClr val="FF0000"/>
+                </a:solidFill>
+              </a:rPr>
+              <a:t>HYPERTEXT MARKUP LANGUAGE </a:t>
+            </a:r>
+          </a:p>
+          <a:p>
+            <a:pPr marL="342900" indent="-342900">
+              <a:buFont typeface="Arial" panose="020B0604020202020204" pitchFamily="34" charset="0"/>
+              <a:buChar char="•"/>
+            </a:pPr>
+            <a:r>
+              <a:rPr lang="en-US" sz="2400" dirty="0"/>
+              <a:t>(HTML) is the standard markup language for documents designed to be displayed in a web browser.</a:t>
+            </a:r>
+          </a:p>
+          <a:p>
+            <a:pPr marL="342900" indent="-342900">
+              <a:buFont typeface="Arial" panose="020B0604020202020204" pitchFamily="34" charset="0"/>
+              <a:buChar char="•"/>
+            </a:pPr>
+            <a:r>
+              <a:rPr lang="en-US" sz="2400" dirty="0"/>
+              <a:t> It is the code that is used to structure a web page and its content.</a:t>
+            </a:r>
+          </a:p>
+          <a:p>
+            <a:pPr marL="342900" indent="-342900">
+              <a:buFont typeface="Arial" panose="020B0604020202020204" pitchFamily="34" charset="0"/>
+              <a:buChar char="•"/>
+            </a:pPr>
+            <a:endParaRPr lang="en-IN" sz="2400" dirty="0"/>
+          </a:p>
+        </p:txBody>
+      </p:sp>
+      <p:sp>
+        <p:nvSpPr>
+          <p:cNvPr id="7" name="TextBox 6">
+            <a:extLst>
+              <a:ext uri="{FF2B5EF4-FFF2-40B4-BE49-F238E27FC236}">
+                <a16:creationId xmlns:a16="http://schemas.microsoft.com/office/drawing/2014/main" id="{EB1BD356-1E36-F68A-9377-7652190CB052}"/>
+              </a:ext>
+            </a:extLst>
+          </p:cNvPr>
+          <p:cNvSpPr txBox="1"/>
+          <p:nvPr/>
+        </p:nvSpPr>
+        <p:spPr>
+          <a:xfrm>
+            <a:off x="934064" y="2318192"/>
+            <a:ext cx="9615949" cy="4062651"/>
+          </a:xfrm>
+          <a:prstGeom prst="rect">
+            <a:avLst/>
+          </a:prstGeom>
+          <a:noFill/>
+        </p:spPr>
+        <p:txBody>
+          <a:bodyPr wrap="square">
+            <a:spAutoFit/>
+          </a:bodyPr>
+          <a:lstStyle/>
+          <a:p>
+            <a:r>
+              <a:rPr lang="en-US" sz="2000" dirty="0"/>
+              <a:t>&lt;!DOCTYPE html&gt; </a:t>
+            </a:r>
+          </a:p>
+          <a:p>
+            <a:r>
+              <a:rPr lang="en-US" sz="2000" dirty="0"/>
+              <a:t>&lt;html&gt; </a:t>
+            </a:r>
+          </a:p>
+          <a:p>
+            <a:endParaRPr lang="en-US" sz="2000" dirty="0"/>
+          </a:p>
+          <a:p>
+            <a:r>
+              <a:rPr lang="en-US" sz="2000" dirty="0"/>
+              <a:t>&lt;head&gt; </a:t>
+            </a:r>
+          </a:p>
+          <a:p>
+            <a:r>
+              <a:rPr lang="en-US" sz="2000" dirty="0"/>
+              <a:t>    &lt;title&gt;HTML Tutorial&lt;/title&gt; </a:t>
+            </a:r>
+          </a:p>
+          <a:p>
+            <a:r>
+              <a:rPr lang="en-US" sz="2000" dirty="0"/>
+              <a:t>&lt;/head&gt; </a:t>
+            </a:r>
+          </a:p>
+          <a:p>
+            <a:endParaRPr lang="en-US" sz="2000" dirty="0"/>
+          </a:p>
+          <a:p>
+            <a:r>
+              <a:rPr lang="en-US" sz="2000" dirty="0"/>
+              <a:t>&lt;body&gt; </a:t>
+            </a:r>
+          </a:p>
+          <a:p>
+            <a:r>
+              <a:rPr lang="en-US" sz="2000" dirty="0"/>
+              <a:t>    &lt;h2&gt;Welcome To GFG&lt;/h2&gt; </a:t>
+            </a:r>
+          </a:p>
+          <a:p>
+            <a:r>
+              <a:rPr lang="en-US" sz="2000" dirty="0"/>
+              <a:t>    &lt;p&gt;Hello World! I Don't Give a Bug &lt;/p&gt; </a:t>
+            </a:r>
+          </a:p>
+          <a:p>
+            <a:r>
+              <a:rPr lang="en-US" sz="2000" dirty="0"/>
+              <a:t>&lt;/body&gt; </a:t>
+            </a:r>
+          </a:p>
+          <a:p>
+            <a:endParaRPr lang="en-US" sz="2000" dirty="0"/>
+          </a:p>
+          <a:p>
+            <a:r>
+              <a:rPr lang="en-US" sz="2000" dirty="0"/>
+              <a:t>&lt;/html&gt;</a:t>
+            </a:r>
+          </a:p>
+        </p:txBody>
+      </p:sp>
+    </p:spTree>
+    <p:extLst>
+      <p:ext uri="{BB962C8B-B14F-4D97-AF65-F5344CB8AC3E}">
+        <p14:creationId xmlns:p14="http://schemas.microsoft.com/office/powerpoint/2010/main" val="2310386925"/>
+      </p:ext>
+    </p:extLst>
+  </p:cSld>
+  <p:clrMapOvr>
+    <a:masterClrMapping/>
+  </p:clrMapOvr>
+</p:sld>
+</file>
+
+<file path=ppt/slides/slide20.xml><?xml version="1.0" encoding="utf-8"?>
 <p:sld xmlns:a="http://schemas.openxmlformats.org/drawingml/2006/main" xmlns:r="http://schemas.openxmlformats.org/officeDocument/2006/relationships" xmlns:p="http://schemas.openxmlformats.org/presentationml/2006/main">
   <p:cSld>
     <p:spTree>
@@ -5270,7 +7004,7 @@
         </p:nvSpPr>
         <p:spPr>
           <a:xfrm>
-            <a:off x="619432" y="835347"/>
+            <a:off x="1160206" y="1277799"/>
             <a:ext cx="9871587" cy="4154984"/>
           </a:xfrm>
           <a:prstGeom prst="rect">
@@ -5410,7 +7144,7 @@
 </p:sld>
 </file>
 
-<file path=ppt/slides/slide15.xml><?xml version="1.0" encoding="utf-8"?>
+<file path=ppt/slides/slide21.xml><?xml version="1.0" encoding="utf-8"?>
 <p:sld xmlns:a="http://schemas.openxmlformats.org/drawingml/2006/main" xmlns:r="http://schemas.openxmlformats.org/officeDocument/2006/relationships" xmlns:p="http://schemas.openxmlformats.org/presentationml/2006/main">
   <p:cSld>
     <p:spTree>
@@ -5731,7 +7465,7 @@
 </p:sld>
 </file>
 
-<file path=ppt/slides/slide16.xml><?xml version="1.0" encoding="utf-8"?>
+<file path=ppt/slides/slide22.xml><?xml version="1.0" encoding="utf-8"?>
 <p:sld xmlns:a="http://schemas.openxmlformats.org/drawingml/2006/main" xmlns:r="http://schemas.openxmlformats.org/officeDocument/2006/relationships" xmlns:p="http://schemas.openxmlformats.org/presentationml/2006/main">
   <p:cSld>
     <p:spTree>
@@ -6346,7 +8080,7 @@
 </p:sld>
 </file>
 
-<file path=ppt/slides/slide17.xml><?xml version="1.0" encoding="utf-8"?>
+<file path=ppt/slides/slide23.xml><?xml version="1.0" encoding="utf-8"?>
 <p:sld xmlns:a="http://schemas.openxmlformats.org/drawingml/2006/main" xmlns:r="http://schemas.openxmlformats.org/officeDocument/2006/relationships" xmlns:p="http://schemas.openxmlformats.org/presentationml/2006/main">
   <p:cSld>
     <p:spTree>
@@ -6912,7 +8646,7 @@
 </p:sld>
 </file>
 
-<file path=ppt/slides/slide18.xml><?xml version="1.0" encoding="utf-8"?>
+<file path=ppt/slides/slide24.xml><?xml version="1.0" encoding="utf-8"?>
 <p:sld xmlns:a="http://schemas.openxmlformats.org/drawingml/2006/main" xmlns:r="http://schemas.openxmlformats.org/officeDocument/2006/relationships" xmlns:p="http://schemas.openxmlformats.org/presentationml/2006/main">
   <p:cSld>
     <p:spTree>
@@ -7226,7 +8960,7 @@
 </p:sld>
 </file>
 
-<file path=ppt/slides/slide19.xml><?xml version="1.0" encoding="utf-8"?>
+<file path=ppt/slides/slide25.xml><?xml version="1.0" encoding="utf-8"?>
 <p:sld xmlns:a="http://schemas.openxmlformats.org/drawingml/2006/main" xmlns:r="http://schemas.openxmlformats.org/officeDocument/2006/relationships" xmlns:p="http://schemas.openxmlformats.org/presentationml/2006/main">
   <p:cSld>
     <p:spTree>
@@ -7578,7 +9312,1606 @@
 </p:sld>
 </file>
 
-<file path=ppt/slides/slide2.xml><?xml version="1.0" encoding="utf-8"?>
+<file path=ppt/slides/slide26.xml><?xml version="1.0" encoding="utf-8"?>
+<p:sld xmlns:a="http://schemas.openxmlformats.org/drawingml/2006/main" xmlns:r="http://schemas.openxmlformats.org/officeDocument/2006/relationships" xmlns:p="http://schemas.openxmlformats.org/presentationml/2006/main">
+  <p:cSld>
+    <p:spTree>
+      <p:nvGrpSpPr>
+        <p:cNvPr id="1" name=""/>
+        <p:cNvGrpSpPr/>
+        <p:nvPr/>
+      </p:nvGrpSpPr>
+      <p:grpSpPr>
+        <a:xfrm>
+          <a:off x="0" y="0"/>
+          <a:ext cx="0" cy="0"/>
+          <a:chOff x="0" y="0"/>
+          <a:chExt cx="0" cy="0"/>
+        </a:xfrm>
+      </p:grpSpPr>
+      <p:sp>
+        <p:nvSpPr>
+          <p:cNvPr id="5" name="TextBox 4">
+            <a:extLst>
+              <a:ext uri="{FF2B5EF4-FFF2-40B4-BE49-F238E27FC236}">
+                <a16:creationId xmlns:a16="http://schemas.microsoft.com/office/drawing/2014/main" id="{2ACA650C-2489-C7A1-F383-B97774B25166}"/>
+              </a:ext>
+            </a:extLst>
+          </p:cNvPr>
+          <p:cNvSpPr txBox="1"/>
+          <p:nvPr/>
+        </p:nvSpPr>
+        <p:spPr>
+          <a:xfrm>
+            <a:off x="422787" y="267617"/>
+            <a:ext cx="6096000" cy="584775"/>
+          </a:xfrm>
+          <a:prstGeom prst="rect">
+            <a:avLst/>
+          </a:prstGeom>
+          <a:noFill/>
+        </p:spPr>
+        <p:txBody>
+          <a:bodyPr wrap="square">
+            <a:spAutoFit/>
+          </a:bodyPr>
+          <a:lstStyle/>
+          <a:p>
+            <a:r>
+              <a:rPr lang="en-IN" sz="3200" b="1" u="sng" dirty="0"/>
+              <a:t>Background-</a:t>
+            </a:r>
+            <a:r>
+              <a:rPr lang="en-IN" sz="3200" b="1" u="sng" dirty="0" err="1"/>
+              <a:t>color</a:t>
+            </a:r>
+            <a:endParaRPr lang="en-IN" sz="3200" b="1" u="sng" dirty="0"/>
+          </a:p>
+        </p:txBody>
+      </p:sp>
+      <p:pic>
+        <p:nvPicPr>
+          <p:cNvPr id="9" name="Picture 8">
+            <a:extLst>
+              <a:ext uri="{FF2B5EF4-FFF2-40B4-BE49-F238E27FC236}">
+                <a16:creationId xmlns:a16="http://schemas.microsoft.com/office/drawing/2014/main" id="{76F3909E-176C-A4E1-84A4-58F9F7479DE5}"/>
+              </a:ext>
+            </a:extLst>
+          </p:cNvPr>
+          <p:cNvPicPr>
+            <a:picLocks noChangeAspect="1"/>
+          </p:cNvPicPr>
+          <p:nvPr/>
+        </p:nvPicPr>
+        <p:blipFill>
+          <a:blip r:embed="rId2"/>
+          <a:stretch>
+            <a:fillRect/>
+          </a:stretch>
+        </p:blipFill>
+        <p:spPr>
+          <a:xfrm>
+            <a:off x="294968" y="1077280"/>
+            <a:ext cx="9094838" cy="4900085"/>
+          </a:xfrm>
+          <a:prstGeom prst="rect">
+            <a:avLst/>
+          </a:prstGeom>
+        </p:spPr>
+      </p:pic>
+      <p:pic>
+        <p:nvPicPr>
+          <p:cNvPr id="11" name="Picture 10">
+            <a:extLst>
+              <a:ext uri="{FF2B5EF4-FFF2-40B4-BE49-F238E27FC236}">
+                <a16:creationId xmlns:a16="http://schemas.microsoft.com/office/drawing/2014/main" id="{79F58243-5F25-59AF-E10B-E2D4A2334BBF}"/>
+              </a:ext>
+            </a:extLst>
+          </p:cNvPr>
+          <p:cNvPicPr>
+            <a:picLocks noChangeAspect="1"/>
+          </p:cNvPicPr>
+          <p:nvPr/>
+        </p:nvPicPr>
+        <p:blipFill>
+          <a:blip r:embed="rId3"/>
+          <a:stretch>
+            <a:fillRect/>
+          </a:stretch>
+        </p:blipFill>
+        <p:spPr>
+          <a:xfrm>
+            <a:off x="5509743" y="1536837"/>
+            <a:ext cx="5852667" cy="2187130"/>
+          </a:xfrm>
+          <a:prstGeom prst="rect">
+            <a:avLst/>
+          </a:prstGeom>
+        </p:spPr>
+      </p:pic>
+    </p:spTree>
+    <p:extLst>
+      <p:ext uri="{BB962C8B-B14F-4D97-AF65-F5344CB8AC3E}">
+        <p14:creationId xmlns:p14="http://schemas.microsoft.com/office/powerpoint/2010/main" val="883923202"/>
+      </p:ext>
+    </p:extLst>
+  </p:cSld>
+  <p:clrMapOvr>
+    <a:masterClrMapping/>
+  </p:clrMapOvr>
+</p:sld>
+</file>
+
+<file path=ppt/slides/slide27.xml><?xml version="1.0" encoding="utf-8"?>
+<p:sld xmlns:a="http://schemas.openxmlformats.org/drawingml/2006/main" xmlns:r="http://schemas.openxmlformats.org/officeDocument/2006/relationships" xmlns:p="http://schemas.openxmlformats.org/presentationml/2006/main">
+  <p:cSld>
+    <p:spTree>
+      <p:nvGrpSpPr>
+        <p:cNvPr id="1" name=""/>
+        <p:cNvGrpSpPr/>
+        <p:nvPr/>
+      </p:nvGrpSpPr>
+      <p:grpSpPr>
+        <a:xfrm>
+          <a:off x="0" y="0"/>
+          <a:ext cx="0" cy="0"/>
+          <a:chOff x="0" y="0"/>
+          <a:chExt cx="0" cy="0"/>
+        </a:xfrm>
+      </p:grpSpPr>
+      <p:sp>
+        <p:nvSpPr>
+          <p:cNvPr id="3" name="TextBox 2">
+            <a:extLst>
+              <a:ext uri="{FF2B5EF4-FFF2-40B4-BE49-F238E27FC236}">
+                <a16:creationId xmlns:a16="http://schemas.microsoft.com/office/drawing/2014/main" id="{8D1F535A-C59A-1136-33D8-D238494390A3}"/>
+              </a:ext>
+            </a:extLst>
+          </p:cNvPr>
+          <p:cNvSpPr txBox="1"/>
+          <p:nvPr/>
+        </p:nvSpPr>
+        <p:spPr>
+          <a:xfrm>
+            <a:off x="324464" y="356109"/>
+            <a:ext cx="6096000" cy="523220"/>
+          </a:xfrm>
+          <a:prstGeom prst="rect">
+            <a:avLst/>
+          </a:prstGeom>
+          <a:noFill/>
+        </p:spPr>
+        <p:txBody>
+          <a:bodyPr wrap="square">
+            <a:spAutoFit/>
+          </a:bodyPr>
+          <a:lstStyle/>
+          <a:p>
+            <a:r>
+              <a:rPr lang="en-IN" sz="2800" b="1" u="sng" dirty="0"/>
+              <a:t>CSS background-image</a:t>
+            </a:r>
+          </a:p>
+        </p:txBody>
+      </p:sp>
+      <p:pic>
+        <p:nvPicPr>
+          <p:cNvPr id="7" name="Picture 6">
+            <a:extLst>
+              <a:ext uri="{FF2B5EF4-FFF2-40B4-BE49-F238E27FC236}">
+                <a16:creationId xmlns:a16="http://schemas.microsoft.com/office/drawing/2014/main" id="{D04D3143-F142-B213-6309-5744D963774B}"/>
+              </a:ext>
+            </a:extLst>
+          </p:cNvPr>
+          <p:cNvPicPr>
+            <a:picLocks noChangeAspect="1"/>
+          </p:cNvPicPr>
+          <p:nvPr/>
+        </p:nvPicPr>
+        <p:blipFill>
+          <a:blip r:embed="rId2"/>
+          <a:stretch>
+            <a:fillRect/>
+          </a:stretch>
+        </p:blipFill>
+        <p:spPr>
+          <a:xfrm>
+            <a:off x="324464" y="879329"/>
+            <a:ext cx="8084407" cy="5275665"/>
+          </a:xfrm>
+          <a:prstGeom prst="rect">
+            <a:avLst/>
+          </a:prstGeom>
+        </p:spPr>
+      </p:pic>
+      <p:pic>
+        <p:nvPicPr>
+          <p:cNvPr id="8" name="Picture 7">
+            <a:extLst>
+              <a:ext uri="{FF2B5EF4-FFF2-40B4-BE49-F238E27FC236}">
+                <a16:creationId xmlns:a16="http://schemas.microsoft.com/office/drawing/2014/main" id="{4795F612-99B1-6074-8697-E2C58EC44D53}"/>
+              </a:ext>
+            </a:extLst>
+          </p:cNvPr>
+          <p:cNvPicPr>
+            <a:picLocks noChangeAspect="1"/>
+          </p:cNvPicPr>
+          <p:nvPr/>
+        </p:nvPicPr>
+        <p:blipFill>
+          <a:blip r:embed="rId3"/>
+          <a:stretch>
+            <a:fillRect/>
+          </a:stretch>
+        </p:blipFill>
+        <p:spPr>
+          <a:xfrm>
+            <a:off x="6420464" y="1141987"/>
+            <a:ext cx="5389331" cy="2981202"/>
+          </a:xfrm>
+          <a:prstGeom prst="rect">
+            <a:avLst/>
+          </a:prstGeom>
+        </p:spPr>
+      </p:pic>
+    </p:spTree>
+    <p:extLst>
+      <p:ext uri="{BB962C8B-B14F-4D97-AF65-F5344CB8AC3E}">
+        <p14:creationId xmlns:p14="http://schemas.microsoft.com/office/powerpoint/2010/main" val="1286310411"/>
+      </p:ext>
+    </p:extLst>
+  </p:cSld>
+  <p:clrMapOvr>
+    <a:masterClrMapping/>
+  </p:clrMapOvr>
+</p:sld>
+</file>
+
+<file path=ppt/slides/slide28.xml><?xml version="1.0" encoding="utf-8"?>
+<p:sld xmlns:a="http://schemas.openxmlformats.org/drawingml/2006/main" xmlns:r="http://schemas.openxmlformats.org/officeDocument/2006/relationships" xmlns:p="http://schemas.openxmlformats.org/presentationml/2006/main">
+  <p:cSld>
+    <p:spTree>
+      <p:nvGrpSpPr>
+        <p:cNvPr id="1" name=""/>
+        <p:cNvGrpSpPr/>
+        <p:nvPr/>
+      </p:nvGrpSpPr>
+      <p:grpSpPr>
+        <a:xfrm>
+          <a:off x="0" y="0"/>
+          <a:ext cx="0" cy="0"/>
+          <a:chOff x="0" y="0"/>
+          <a:chExt cx="0" cy="0"/>
+        </a:xfrm>
+      </p:grpSpPr>
+      <p:sp>
+        <p:nvSpPr>
+          <p:cNvPr id="3" name="TextBox 2">
+            <a:extLst>
+              <a:ext uri="{FF2B5EF4-FFF2-40B4-BE49-F238E27FC236}">
+                <a16:creationId xmlns:a16="http://schemas.microsoft.com/office/drawing/2014/main" id="{0EE41461-E65E-A1D2-B9DD-05B044C11D0B}"/>
+              </a:ext>
+            </a:extLst>
+          </p:cNvPr>
+          <p:cNvSpPr txBox="1"/>
+          <p:nvPr/>
+        </p:nvSpPr>
+        <p:spPr>
+          <a:xfrm>
+            <a:off x="276568" y="167654"/>
+            <a:ext cx="11061290" cy="2677656"/>
+          </a:xfrm>
+          <a:prstGeom prst="rect">
+            <a:avLst/>
+          </a:prstGeom>
+          <a:noFill/>
+        </p:spPr>
+        <p:txBody>
+          <a:bodyPr wrap="square">
+            <a:spAutoFit/>
+          </a:bodyPr>
+          <a:lstStyle/>
+          <a:p>
+            <a:r>
+              <a:rPr lang="en-US" sz="2400" b="1" u="sng" dirty="0"/>
+              <a:t>Text Alignment in CSS</a:t>
+            </a:r>
+          </a:p>
+          <a:p>
+            <a:pPr>
+              <a:buFont typeface="Arial" panose="020B0604020202020204" pitchFamily="34" charset="0"/>
+              <a:buChar char="•"/>
+            </a:pPr>
+            <a:r>
+              <a:rPr lang="en-US" sz="2400" b="1" dirty="0"/>
+              <a:t>text-align</a:t>
+            </a:r>
+            <a:r>
+              <a:rPr lang="en-US" sz="2400" dirty="0"/>
+              <a:t>: Aligns inline content like text within a block-level element.</a:t>
+            </a:r>
+          </a:p>
+          <a:p>
+            <a:pPr marL="742950" lvl="1" indent="-285750">
+              <a:buFont typeface="Arial" panose="020B0604020202020204" pitchFamily="34" charset="0"/>
+              <a:buChar char="•"/>
+            </a:pPr>
+            <a:r>
+              <a:rPr lang="en-US" sz="2400" b="1" dirty="0"/>
+              <a:t>left</a:t>
+            </a:r>
+            <a:r>
+              <a:rPr lang="en-US" sz="2400" dirty="0"/>
+              <a:t>: Aligns the text to the left.</a:t>
+            </a:r>
+          </a:p>
+          <a:p>
+            <a:pPr marL="742950" lvl="1" indent="-285750">
+              <a:buFont typeface="Arial" panose="020B0604020202020204" pitchFamily="34" charset="0"/>
+              <a:buChar char="•"/>
+            </a:pPr>
+            <a:r>
+              <a:rPr lang="en-US" sz="2400" b="1" dirty="0"/>
+              <a:t>right</a:t>
+            </a:r>
+            <a:r>
+              <a:rPr lang="en-US" sz="2400" dirty="0"/>
+              <a:t>: Aligns the text to the right.</a:t>
+            </a:r>
+          </a:p>
+          <a:p>
+            <a:pPr marL="742950" lvl="1" indent="-285750">
+              <a:buFont typeface="Arial" panose="020B0604020202020204" pitchFamily="34" charset="0"/>
+              <a:buChar char="•"/>
+            </a:pPr>
+            <a:r>
+              <a:rPr lang="en-US" sz="2400" b="1" dirty="0"/>
+              <a:t>center</a:t>
+            </a:r>
+            <a:r>
+              <a:rPr lang="en-US" sz="2400" dirty="0"/>
+              <a:t>: Centers the text horizontally.</a:t>
+            </a:r>
+          </a:p>
+          <a:p>
+            <a:pPr marL="742950" lvl="1" indent="-285750">
+              <a:buFont typeface="Arial" panose="020B0604020202020204" pitchFamily="34" charset="0"/>
+              <a:buChar char="•"/>
+            </a:pPr>
+            <a:r>
+              <a:rPr lang="en-US" sz="2400" b="1" dirty="0"/>
+              <a:t>justify</a:t>
+            </a:r>
+            <a:r>
+              <a:rPr lang="en-US" sz="2400" dirty="0"/>
+              <a:t>: Stretches the text to fill the width of the container, aligning both left and right edges.</a:t>
+            </a:r>
+          </a:p>
+        </p:txBody>
+      </p:sp>
+      <p:pic>
+        <p:nvPicPr>
+          <p:cNvPr id="5" name="Picture 4">
+            <a:extLst>
+              <a:ext uri="{FF2B5EF4-FFF2-40B4-BE49-F238E27FC236}">
+                <a16:creationId xmlns:a16="http://schemas.microsoft.com/office/drawing/2014/main" id="{52CE07CF-5DBF-451C-9FCD-67E9FC5DD13D}"/>
+              </a:ext>
+            </a:extLst>
+          </p:cNvPr>
+          <p:cNvPicPr>
+            <a:picLocks noChangeAspect="1"/>
+          </p:cNvPicPr>
+          <p:nvPr/>
+        </p:nvPicPr>
+        <p:blipFill>
+          <a:blip r:embed="rId2"/>
+          <a:stretch>
+            <a:fillRect/>
+          </a:stretch>
+        </p:blipFill>
+        <p:spPr>
+          <a:xfrm>
+            <a:off x="700623" y="2845310"/>
+            <a:ext cx="10016537" cy="3642852"/>
+          </a:xfrm>
+          <a:prstGeom prst="rect">
+            <a:avLst/>
+          </a:prstGeom>
+        </p:spPr>
+      </p:pic>
+      <p:pic>
+        <p:nvPicPr>
+          <p:cNvPr id="7" name="Picture 6">
+            <a:extLst>
+              <a:ext uri="{FF2B5EF4-FFF2-40B4-BE49-F238E27FC236}">
+                <a16:creationId xmlns:a16="http://schemas.microsoft.com/office/drawing/2014/main" id="{1B67C3BF-D186-6D80-25AD-6CB70CB1C980}"/>
+              </a:ext>
+            </a:extLst>
+          </p:cNvPr>
+          <p:cNvPicPr>
+            <a:picLocks noChangeAspect="1"/>
+          </p:cNvPicPr>
+          <p:nvPr/>
+        </p:nvPicPr>
+        <p:blipFill>
+          <a:blip r:embed="rId3"/>
+          <a:stretch>
+            <a:fillRect/>
+          </a:stretch>
+        </p:blipFill>
+        <p:spPr>
+          <a:xfrm>
+            <a:off x="4900704" y="2790104"/>
+            <a:ext cx="6337567" cy="3319457"/>
+          </a:xfrm>
+          <a:prstGeom prst="rect">
+            <a:avLst/>
+          </a:prstGeom>
+        </p:spPr>
+      </p:pic>
+    </p:spTree>
+    <p:extLst>
+      <p:ext uri="{BB962C8B-B14F-4D97-AF65-F5344CB8AC3E}">
+        <p14:creationId xmlns:p14="http://schemas.microsoft.com/office/powerpoint/2010/main" val="2901659469"/>
+      </p:ext>
+    </p:extLst>
+  </p:cSld>
+  <p:clrMapOvr>
+    <a:masterClrMapping/>
+  </p:clrMapOvr>
+</p:sld>
+</file>
+
+<file path=ppt/slides/slide29.xml><?xml version="1.0" encoding="utf-8"?>
+<p:sld xmlns:a="http://schemas.openxmlformats.org/drawingml/2006/main" xmlns:r="http://schemas.openxmlformats.org/officeDocument/2006/relationships" xmlns:p="http://schemas.openxmlformats.org/presentationml/2006/main">
+  <p:cSld>
+    <p:spTree>
+      <p:nvGrpSpPr>
+        <p:cNvPr id="1" name=""/>
+        <p:cNvGrpSpPr/>
+        <p:nvPr/>
+      </p:nvGrpSpPr>
+      <p:grpSpPr>
+        <a:xfrm>
+          <a:off x="0" y="0"/>
+          <a:ext cx="0" cy="0"/>
+          <a:chOff x="0" y="0"/>
+          <a:chExt cx="0" cy="0"/>
+        </a:xfrm>
+      </p:grpSpPr>
+      <p:sp>
+        <p:nvSpPr>
+          <p:cNvPr id="3" name="TextBox 2">
+            <a:extLst>
+              <a:ext uri="{FF2B5EF4-FFF2-40B4-BE49-F238E27FC236}">
+                <a16:creationId xmlns:a16="http://schemas.microsoft.com/office/drawing/2014/main" id="{ACD4A5A7-5185-9728-42D9-18C538983E4F}"/>
+              </a:ext>
+            </a:extLst>
+          </p:cNvPr>
+          <p:cNvSpPr txBox="1"/>
+          <p:nvPr/>
+        </p:nvSpPr>
+        <p:spPr>
+          <a:xfrm>
+            <a:off x="275303" y="87753"/>
+            <a:ext cx="11798710" cy="3108543"/>
+          </a:xfrm>
+          <a:prstGeom prst="rect">
+            <a:avLst/>
+          </a:prstGeom>
+          <a:noFill/>
+        </p:spPr>
+        <p:txBody>
+          <a:bodyPr wrap="square">
+            <a:spAutoFit/>
+          </a:bodyPr>
+          <a:lstStyle/>
+          <a:p>
+            <a:r>
+              <a:rPr lang="en-US" sz="2800" b="1" u="sng" dirty="0"/>
+              <a:t>CSS Margins</a:t>
+            </a:r>
+          </a:p>
+          <a:p>
+            <a:r>
+              <a:rPr lang="en-US" sz="2400" dirty="0"/>
+              <a:t>The CSS margin properties are used to create space around elements, outside of any defined borders.</a:t>
+            </a:r>
+          </a:p>
+          <a:p>
+            <a:r>
+              <a:rPr lang="en-US" sz="2400" dirty="0"/>
+              <a:t>CSS has properties for specifying the margin for each side of an element:</a:t>
+            </a:r>
+          </a:p>
+          <a:p>
+            <a:pPr marL="285750" indent="-285750">
+              <a:buFont typeface="Arial" panose="020B0604020202020204" pitchFamily="34" charset="0"/>
+              <a:buChar char="•"/>
+            </a:pPr>
+            <a:r>
+              <a:rPr lang="en-US" sz="2400" dirty="0"/>
+              <a:t>margin-top</a:t>
+            </a:r>
+          </a:p>
+          <a:p>
+            <a:pPr marL="285750" indent="-285750">
+              <a:buFont typeface="Arial" panose="020B0604020202020204" pitchFamily="34" charset="0"/>
+              <a:buChar char="•"/>
+            </a:pPr>
+            <a:r>
+              <a:rPr lang="en-US" sz="2400" dirty="0"/>
+              <a:t>margin-right</a:t>
+            </a:r>
+          </a:p>
+          <a:p>
+            <a:pPr marL="285750" indent="-285750">
+              <a:buFont typeface="Arial" panose="020B0604020202020204" pitchFamily="34" charset="0"/>
+              <a:buChar char="•"/>
+            </a:pPr>
+            <a:r>
+              <a:rPr lang="en-US" sz="2400" dirty="0"/>
+              <a:t>margin-bottom</a:t>
+            </a:r>
+          </a:p>
+          <a:p>
+            <a:pPr marL="285750" indent="-285750">
+              <a:buFont typeface="Arial" panose="020B0604020202020204" pitchFamily="34" charset="0"/>
+              <a:buChar char="•"/>
+            </a:pPr>
+            <a:r>
+              <a:rPr lang="en-US" sz="2400" dirty="0"/>
+              <a:t>margin-left</a:t>
+            </a:r>
+            <a:endParaRPr lang="en-IN" sz="2400" dirty="0"/>
+          </a:p>
+        </p:txBody>
+      </p:sp>
+      <p:pic>
+        <p:nvPicPr>
+          <p:cNvPr id="5" name="Picture 4">
+            <a:extLst>
+              <a:ext uri="{FF2B5EF4-FFF2-40B4-BE49-F238E27FC236}">
+                <a16:creationId xmlns:a16="http://schemas.microsoft.com/office/drawing/2014/main" id="{9992E1CB-CEA4-3AD7-6D3A-420586C524EF}"/>
+              </a:ext>
+            </a:extLst>
+          </p:cNvPr>
+          <p:cNvPicPr>
+            <a:picLocks noChangeAspect="1"/>
+          </p:cNvPicPr>
+          <p:nvPr/>
+        </p:nvPicPr>
+        <p:blipFill>
+          <a:blip r:embed="rId2"/>
+          <a:stretch>
+            <a:fillRect/>
+          </a:stretch>
+        </p:blipFill>
+        <p:spPr>
+          <a:xfrm>
+            <a:off x="2674374" y="1849391"/>
+            <a:ext cx="9242323" cy="4122777"/>
+          </a:xfrm>
+          <a:prstGeom prst="rect">
+            <a:avLst/>
+          </a:prstGeom>
+        </p:spPr>
+      </p:pic>
+      <p:pic>
+        <p:nvPicPr>
+          <p:cNvPr id="7" name="Picture 6">
+            <a:extLst>
+              <a:ext uri="{FF2B5EF4-FFF2-40B4-BE49-F238E27FC236}">
+                <a16:creationId xmlns:a16="http://schemas.microsoft.com/office/drawing/2014/main" id="{010BEF28-9D6E-C757-CE0B-180B90B97632}"/>
+              </a:ext>
+            </a:extLst>
+          </p:cNvPr>
+          <p:cNvPicPr>
+            <a:picLocks noChangeAspect="1"/>
+          </p:cNvPicPr>
+          <p:nvPr/>
+        </p:nvPicPr>
+        <p:blipFill>
+          <a:blip r:embed="rId3"/>
+          <a:stretch>
+            <a:fillRect/>
+          </a:stretch>
+        </p:blipFill>
+        <p:spPr>
+          <a:xfrm>
+            <a:off x="4328967" y="5371971"/>
+            <a:ext cx="6896698" cy="1486029"/>
+          </a:xfrm>
+          <a:prstGeom prst="rect">
+            <a:avLst/>
+          </a:prstGeom>
+        </p:spPr>
+      </p:pic>
+    </p:spTree>
+    <p:extLst>
+      <p:ext uri="{BB962C8B-B14F-4D97-AF65-F5344CB8AC3E}">
+        <p14:creationId xmlns:p14="http://schemas.microsoft.com/office/powerpoint/2010/main" val="2839156927"/>
+      </p:ext>
+    </p:extLst>
+  </p:cSld>
+  <p:clrMapOvr>
+    <a:masterClrMapping/>
+  </p:clrMapOvr>
+</p:sld>
+</file>
+
+<file path=ppt/slides/slide3.xml><?xml version="1.0" encoding="utf-8"?>
+<p:sld xmlns:a="http://schemas.openxmlformats.org/drawingml/2006/main" xmlns:r="http://schemas.openxmlformats.org/officeDocument/2006/relationships" xmlns:p="http://schemas.openxmlformats.org/presentationml/2006/main">
+  <p:cSld>
+    <p:spTree>
+      <p:nvGrpSpPr>
+        <p:cNvPr id="1" name=""/>
+        <p:cNvGrpSpPr/>
+        <p:nvPr/>
+      </p:nvGrpSpPr>
+      <p:grpSpPr>
+        <a:xfrm>
+          <a:off x="0" y="0"/>
+          <a:ext cx="0" cy="0"/>
+          <a:chOff x="0" y="0"/>
+          <a:chExt cx="0" cy="0"/>
+        </a:xfrm>
+      </p:grpSpPr>
+      <p:pic>
+        <p:nvPicPr>
+          <p:cNvPr id="3" name="Picture 2">
+            <a:extLst>
+              <a:ext uri="{FF2B5EF4-FFF2-40B4-BE49-F238E27FC236}">
+                <a16:creationId xmlns:a16="http://schemas.microsoft.com/office/drawing/2014/main" id="{DC7AEADC-9C0E-2045-88A5-E3B677340777}"/>
+              </a:ext>
+            </a:extLst>
+          </p:cNvPr>
+          <p:cNvPicPr>
+            <a:picLocks noChangeAspect="1"/>
+          </p:cNvPicPr>
+          <p:nvPr/>
+        </p:nvPicPr>
+        <p:blipFill>
+          <a:blip r:embed="rId2"/>
+          <a:stretch>
+            <a:fillRect/>
+          </a:stretch>
+        </p:blipFill>
+        <p:spPr>
+          <a:xfrm>
+            <a:off x="943897" y="344129"/>
+            <a:ext cx="9979742" cy="5359638"/>
+          </a:xfrm>
+          <a:prstGeom prst="rect">
+            <a:avLst/>
+          </a:prstGeom>
+        </p:spPr>
+      </p:pic>
+    </p:spTree>
+    <p:extLst>
+      <p:ext uri="{BB962C8B-B14F-4D97-AF65-F5344CB8AC3E}">
+        <p14:creationId xmlns:p14="http://schemas.microsoft.com/office/powerpoint/2010/main" val="1416492679"/>
+      </p:ext>
+    </p:extLst>
+  </p:cSld>
+  <p:clrMapOvr>
+    <a:masterClrMapping/>
+  </p:clrMapOvr>
+</p:sld>
+</file>
+
+<file path=ppt/slides/slide30.xml><?xml version="1.0" encoding="utf-8"?>
+<p:sld xmlns:a="http://schemas.openxmlformats.org/drawingml/2006/main" xmlns:r="http://schemas.openxmlformats.org/officeDocument/2006/relationships" xmlns:p="http://schemas.openxmlformats.org/presentationml/2006/main">
+  <p:cSld>
+    <p:spTree>
+      <p:nvGrpSpPr>
+        <p:cNvPr id="1" name=""/>
+        <p:cNvGrpSpPr/>
+        <p:nvPr/>
+      </p:nvGrpSpPr>
+      <p:grpSpPr>
+        <a:xfrm>
+          <a:off x="0" y="0"/>
+          <a:ext cx="0" cy="0"/>
+          <a:chOff x="0" y="0"/>
+          <a:chExt cx="0" cy="0"/>
+        </a:xfrm>
+      </p:grpSpPr>
+      <p:sp>
+        <p:nvSpPr>
+          <p:cNvPr id="4" name="TextBox 3">
+            <a:extLst>
+              <a:ext uri="{FF2B5EF4-FFF2-40B4-BE49-F238E27FC236}">
+                <a16:creationId xmlns:a16="http://schemas.microsoft.com/office/drawing/2014/main" id="{AC6B79A7-CB60-C5D9-1C64-51590E87EA8C}"/>
+              </a:ext>
+            </a:extLst>
+          </p:cNvPr>
+          <p:cNvSpPr txBox="1"/>
+          <p:nvPr/>
+        </p:nvSpPr>
+        <p:spPr>
+          <a:xfrm>
+            <a:off x="235975" y="0"/>
+            <a:ext cx="11385754" cy="2985433"/>
+          </a:xfrm>
+          <a:prstGeom prst="rect">
+            <a:avLst/>
+          </a:prstGeom>
+          <a:noFill/>
+        </p:spPr>
+        <p:txBody>
+          <a:bodyPr wrap="square">
+            <a:spAutoFit/>
+          </a:bodyPr>
+          <a:lstStyle/>
+          <a:p>
+            <a:r>
+              <a:rPr lang="en-US" sz="2800" b="1" u="sng" dirty="0"/>
+              <a:t>CSS Padding</a:t>
+            </a:r>
+          </a:p>
+          <a:p>
+            <a:r>
+              <a:rPr lang="en-US" sz="2000" dirty="0"/>
+              <a:t>The CSS padding properties are used to generate space around an element's content, inside of any defined borders.</a:t>
+            </a:r>
+          </a:p>
+          <a:p>
+            <a:endParaRPr lang="en-US" sz="2000" dirty="0"/>
+          </a:p>
+          <a:p>
+            <a:r>
+              <a:rPr lang="en-US" sz="2000" dirty="0"/>
+              <a:t>CSS has properties for specifying the padding for each side of an element:</a:t>
+            </a:r>
+          </a:p>
+          <a:p>
+            <a:pPr marL="285750" indent="-285750">
+              <a:buFont typeface="Arial" panose="020B0604020202020204" pitchFamily="34" charset="0"/>
+              <a:buChar char="•"/>
+            </a:pPr>
+            <a:r>
+              <a:rPr lang="en-US" sz="2000" dirty="0"/>
+              <a:t>padding-top</a:t>
+            </a:r>
+          </a:p>
+          <a:p>
+            <a:pPr marL="285750" indent="-285750">
+              <a:buFont typeface="Arial" panose="020B0604020202020204" pitchFamily="34" charset="0"/>
+              <a:buChar char="•"/>
+            </a:pPr>
+            <a:r>
+              <a:rPr lang="en-US" sz="2000" dirty="0"/>
+              <a:t>padding-right</a:t>
+            </a:r>
+          </a:p>
+          <a:p>
+            <a:pPr marL="285750" indent="-285750">
+              <a:buFont typeface="Arial" panose="020B0604020202020204" pitchFamily="34" charset="0"/>
+              <a:buChar char="•"/>
+            </a:pPr>
+            <a:r>
+              <a:rPr lang="en-US" sz="2000" dirty="0"/>
+              <a:t>padding-bottom</a:t>
+            </a:r>
+          </a:p>
+          <a:p>
+            <a:pPr marL="285750" indent="-285750">
+              <a:buFont typeface="Arial" panose="020B0604020202020204" pitchFamily="34" charset="0"/>
+              <a:buChar char="•"/>
+            </a:pPr>
+            <a:r>
+              <a:rPr lang="en-US" sz="2000" dirty="0"/>
+              <a:t>padding-left</a:t>
+            </a:r>
+            <a:endParaRPr lang="en-IN" sz="2000" dirty="0"/>
+          </a:p>
+        </p:txBody>
+      </p:sp>
+      <p:pic>
+        <p:nvPicPr>
+          <p:cNvPr id="9" name="Picture 8">
+            <a:extLst>
+              <a:ext uri="{FF2B5EF4-FFF2-40B4-BE49-F238E27FC236}">
+                <a16:creationId xmlns:a16="http://schemas.microsoft.com/office/drawing/2014/main" id="{7F65AC9E-59DB-C584-DCA5-9DA6B3FEAB9E}"/>
+              </a:ext>
+            </a:extLst>
+          </p:cNvPr>
+          <p:cNvPicPr>
+            <a:picLocks noChangeAspect="1"/>
+          </p:cNvPicPr>
+          <p:nvPr/>
+        </p:nvPicPr>
+        <p:blipFill>
+          <a:blip r:embed="rId2"/>
+          <a:stretch>
+            <a:fillRect/>
+          </a:stretch>
+        </p:blipFill>
+        <p:spPr>
+          <a:xfrm>
+            <a:off x="3854246" y="2214171"/>
+            <a:ext cx="7767484" cy="4061812"/>
+          </a:xfrm>
+          <a:prstGeom prst="rect">
+            <a:avLst/>
+          </a:prstGeom>
+        </p:spPr>
+      </p:pic>
+      <p:pic>
+        <p:nvPicPr>
+          <p:cNvPr id="11" name="Picture 10">
+            <a:extLst>
+              <a:ext uri="{FF2B5EF4-FFF2-40B4-BE49-F238E27FC236}">
+                <a16:creationId xmlns:a16="http://schemas.microsoft.com/office/drawing/2014/main" id="{DEADA9D2-0F78-8084-E0CC-4C58000417B0}"/>
+              </a:ext>
+            </a:extLst>
+          </p:cNvPr>
+          <p:cNvPicPr>
+            <a:picLocks noChangeAspect="1"/>
+          </p:cNvPicPr>
+          <p:nvPr/>
+        </p:nvPicPr>
+        <p:blipFill>
+          <a:blip r:embed="rId3"/>
+          <a:stretch>
+            <a:fillRect/>
+          </a:stretch>
+        </p:blipFill>
+        <p:spPr>
+          <a:xfrm>
+            <a:off x="38160" y="3536523"/>
+            <a:ext cx="3816086" cy="2301439"/>
+          </a:xfrm>
+          <a:prstGeom prst="rect">
+            <a:avLst/>
+          </a:prstGeom>
+        </p:spPr>
+      </p:pic>
+    </p:spTree>
+    <p:extLst>
+      <p:ext uri="{BB962C8B-B14F-4D97-AF65-F5344CB8AC3E}">
+        <p14:creationId xmlns:p14="http://schemas.microsoft.com/office/powerpoint/2010/main" val="1765874273"/>
+      </p:ext>
+    </p:extLst>
+  </p:cSld>
+  <p:clrMapOvr>
+    <a:masterClrMapping/>
+  </p:clrMapOvr>
+</p:sld>
+</file>
+
+<file path=ppt/slides/slide31.xml><?xml version="1.0" encoding="utf-8"?>
+<p:sld xmlns:a="http://schemas.openxmlformats.org/drawingml/2006/main" xmlns:r="http://schemas.openxmlformats.org/officeDocument/2006/relationships" xmlns:p="http://schemas.openxmlformats.org/presentationml/2006/main">
+  <p:cSld>
+    <p:spTree>
+      <p:nvGrpSpPr>
+        <p:cNvPr id="1" name=""/>
+        <p:cNvGrpSpPr/>
+        <p:nvPr/>
+      </p:nvGrpSpPr>
+      <p:grpSpPr>
+        <a:xfrm>
+          <a:off x="0" y="0"/>
+          <a:ext cx="0" cy="0"/>
+          <a:chOff x="0" y="0"/>
+          <a:chExt cx="0" cy="0"/>
+        </a:xfrm>
+      </p:grpSpPr>
+      <p:sp>
+        <p:nvSpPr>
+          <p:cNvPr id="4" name="TextBox 3">
+            <a:extLst>
+              <a:ext uri="{FF2B5EF4-FFF2-40B4-BE49-F238E27FC236}">
+                <a16:creationId xmlns:a16="http://schemas.microsoft.com/office/drawing/2014/main" id="{BA748425-9700-05FC-0089-A83A38FA5ECD}"/>
+              </a:ext>
+            </a:extLst>
+          </p:cNvPr>
+          <p:cNvSpPr txBox="1"/>
+          <p:nvPr/>
+        </p:nvSpPr>
+        <p:spPr>
+          <a:xfrm>
+            <a:off x="285135" y="389161"/>
+            <a:ext cx="11906865" cy="5816977"/>
+          </a:xfrm>
+          <a:prstGeom prst="rect">
+            <a:avLst/>
+          </a:prstGeom>
+          <a:noFill/>
+        </p:spPr>
+        <p:txBody>
+          <a:bodyPr wrap="square">
+            <a:spAutoFit/>
+          </a:bodyPr>
+          <a:lstStyle/>
+          <a:p>
+            <a:r>
+              <a:rPr lang="en-US" sz="3600" b="1" u="sng" dirty="0"/>
+              <a:t>CSS Border Style</a:t>
+            </a:r>
+          </a:p>
+          <a:p>
+            <a:r>
+              <a:rPr lang="en-US" sz="2400" dirty="0"/>
+              <a:t>The border-style property specifies what kind of border to display.</a:t>
+            </a:r>
+          </a:p>
+          <a:p>
+            <a:endParaRPr lang="en-US" sz="2400" dirty="0"/>
+          </a:p>
+          <a:p>
+            <a:r>
+              <a:rPr lang="en-US" sz="2400" dirty="0"/>
+              <a:t>The following values are allowed:</a:t>
+            </a:r>
+          </a:p>
+          <a:p>
+            <a:endParaRPr lang="en-US" sz="2400" dirty="0"/>
+          </a:p>
+          <a:p>
+            <a:pPr marL="285750" indent="-285750">
+              <a:buFont typeface="Arial" panose="020B0604020202020204" pitchFamily="34" charset="0"/>
+              <a:buChar char="•"/>
+            </a:pPr>
+            <a:r>
+              <a:rPr lang="en-US" sz="2400" dirty="0"/>
+              <a:t>dotted - Defines a dotted border</a:t>
+            </a:r>
+          </a:p>
+          <a:p>
+            <a:pPr marL="285750" indent="-285750">
+              <a:buFont typeface="Arial" panose="020B0604020202020204" pitchFamily="34" charset="0"/>
+              <a:buChar char="•"/>
+            </a:pPr>
+            <a:r>
+              <a:rPr lang="en-US" sz="2400" dirty="0"/>
+              <a:t>dashed - Defines a dashed border</a:t>
+            </a:r>
+          </a:p>
+          <a:p>
+            <a:pPr marL="285750" indent="-285750">
+              <a:buFont typeface="Arial" panose="020B0604020202020204" pitchFamily="34" charset="0"/>
+              <a:buChar char="•"/>
+            </a:pPr>
+            <a:r>
+              <a:rPr lang="en-US" sz="2400" dirty="0"/>
+              <a:t>solid - Defines a solid border</a:t>
+            </a:r>
+          </a:p>
+          <a:p>
+            <a:pPr marL="285750" indent="-285750">
+              <a:buFont typeface="Arial" panose="020B0604020202020204" pitchFamily="34" charset="0"/>
+              <a:buChar char="•"/>
+            </a:pPr>
+            <a:r>
+              <a:rPr lang="en-US" sz="2400" dirty="0"/>
+              <a:t>double - Defines a double border</a:t>
+            </a:r>
+          </a:p>
+          <a:p>
+            <a:pPr marL="285750" indent="-285750">
+              <a:buFont typeface="Arial" panose="020B0604020202020204" pitchFamily="34" charset="0"/>
+              <a:buChar char="•"/>
+            </a:pPr>
+            <a:r>
+              <a:rPr lang="en-US" sz="2400" dirty="0"/>
+              <a:t>groove - Defines a 3D grooved border. The effect depends on the border-color value</a:t>
+            </a:r>
+          </a:p>
+          <a:p>
+            <a:pPr marL="285750" indent="-285750">
+              <a:buFont typeface="Arial" panose="020B0604020202020204" pitchFamily="34" charset="0"/>
+              <a:buChar char="•"/>
+            </a:pPr>
+            <a:r>
+              <a:rPr lang="en-US" sz="2400" dirty="0"/>
+              <a:t>ridge - Defines a 3D ridged border. The effect depends on the border-color value</a:t>
+            </a:r>
+          </a:p>
+          <a:p>
+            <a:pPr marL="285750" indent="-285750">
+              <a:buFont typeface="Arial" panose="020B0604020202020204" pitchFamily="34" charset="0"/>
+              <a:buChar char="•"/>
+            </a:pPr>
+            <a:r>
+              <a:rPr lang="en-US" sz="2400" dirty="0"/>
+              <a:t>inset - Defines a 3D inset border. The effect depends on the border-color value</a:t>
+            </a:r>
+          </a:p>
+          <a:p>
+            <a:pPr marL="285750" indent="-285750">
+              <a:buFont typeface="Arial" panose="020B0604020202020204" pitchFamily="34" charset="0"/>
+              <a:buChar char="•"/>
+            </a:pPr>
+            <a:r>
+              <a:rPr lang="en-US" sz="2400" dirty="0"/>
+              <a:t>outset - Defines a 3D outset border. The effect depends on the border-color value</a:t>
+            </a:r>
+          </a:p>
+          <a:p>
+            <a:pPr marL="285750" indent="-285750">
+              <a:buFont typeface="Arial" panose="020B0604020202020204" pitchFamily="34" charset="0"/>
+              <a:buChar char="•"/>
+            </a:pPr>
+            <a:r>
+              <a:rPr lang="en-US" sz="2400" dirty="0"/>
+              <a:t>none - Defines no border</a:t>
+            </a:r>
+          </a:p>
+          <a:p>
+            <a:pPr marL="285750" indent="-285750">
+              <a:buFont typeface="Arial" panose="020B0604020202020204" pitchFamily="34" charset="0"/>
+              <a:buChar char="•"/>
+            </a:pPr>
+            <a:r>
+              <a:rPr lang="en-US" sz="2400" dirty="0"/>
+              <a:t>hidden - Defines a hidden border</a:t>
+            </a:r>
+            <a:endParaRPr lang="en-IN" sz="2400" dirty="0"/>
+          </a:p>
+        </p:txBody>
+      </p:sp>
+    </p:spTree>
+    <p:extLst>
+      <p:ext uri="{BB962C8B-B14F-4D97-AF65-F5344CB8AC3E}">
+        <p14:creationId xmlns:p14="http://schemas.microsoft.com/office/powerpoint/2010/main" val="4081865833"/>
+      </p:ext>
+    </p:extLst>
+  </p:cSld>
+  <p:clrMapOvr>
+    <a:masterClrMapping/>
+  </p:clrMapOvr>
+</p:sld>
+</file>
+
+<file path=ppt/slides/slide32.xml><?xml version="1.0" encoding="utf-8"?>
+<p:sld xmlns:a="http://schemas.openxmlformats.org/drawingml/2006/main" xmlns:r="http://schemas.openxmlformats.org/officeDocument/2006/relationships" xmlns:p="http://schemas.openxmlformats.org/presentationml/2006/main">
+  <p:cSld>
+    <p:spTree>
+      <p:nvGrpSpPr>
+        <p:cNvPr id="1" name=""/>
+        <p:cNvGrpSpPr/>
+        <p:nvPr/>
+      </p:nvGrpSpPr>
+      <p:grpSpPr>
+        <a:xfrm>
+          <a:off x="0" y="0"/>
+          <a:ext cx="0" cy="0"/>
+          <a:chOff x="0" y="0"/>
+          <a:chExt cx="0" cy="0"/>
+        </a:xfrm>
+      </p:grpSpPr>
+      <p:pic>
+        <p:nvPicPr>
+          <p:cNvPr id="3" name="Picture 2">
+            <a:extLst>
+              <a:ext uri="{FF2B5EF4-FFF2-40B4-BE49-F238E27FC236}">
+                <a16:creationId xmlns:a16="http://schemas.microsoft.com/office/drawing/2014/main" id="{5DACF945-7BA5-E0E7-EFA7-67307F0BC231}"/>
+              </a:ext>
+            </a:extLst>
+          </p:cNvPr>
+          <p:cNvPicPr>
+            <a:picLocks noChangeAspect="1"/>
+          </p:cNvPicPr>
+          <p:nvPr/>
+        </p:nvPicPr>
+        <p:blipFill>
+          <a:blip r:embed="rId2"/>
+          <a:stretch>
+            <a:fillRect/>
+          </a:stretch>
+        </p:blipFill>
+        <p:spPr>
+          <a:xfrm>
+            <a:off x="481781" y="344130"/>
+            <a:ext cx="10844980" cy="5546344"/>
+          </a:xfrm>
+          <a:prstGeom prst="rect">
+            <a:avLst/>
+          </a:prstGeom>
+        </p:spPr>
+      </p:pic>
+    </p:spTree>
+    <p:extLst>
+      <p:ext uri="{BB962C8B-B14F-4D97-AF65-F5344CB8AC3E}">
+        <p14:creationId xmlns:p14="http://schemas.microsoft.com/office/powerpoint/2010/main" val="2395742434"/>
+      </p:ext>
+    </p:extLst>
+  </p:cSld>
+  <p:clrMapOvr>
+    <a:masterClrMapping/>
+  </p:clrMapOvr>
+</p:sld>
+</file>
+
+<file path=ppt/slides/slide33.xml><?xml version="1.0" encoding="utf-8"?>
+<p:sld xmlns:a="http://schemas.openxmlformats.org/drawingml/2006/main" xmlns:r="http://schemas.openxmlformats.org/officeDocument/2006/relationships" xmlns:p="http://schemas.openxmlformats.org/presentationml/2006/main">
+  <p:cSld>
+    <p:spTree>
+      <p:nvGrpSpPr>
+        <p:cNvPr id="1" name=""/>
+        <p:cNvGrpSpPr/>
+        <p:nvPr/>
+      </p:nvGrpSpPr>
+      <p:grpSpPr>
+        <a:xfrm>
+          <a:off x="0" y="0"/>
+          <a:ext cx="0" cy="0"/>
+          <a:chOff x="0" y="0"/>
+          <a:chExt cx="0" cy="0"/>
+        </a:xfrm>
+      </p:grpSpPr>
+      <p:sp>
+        <p:nvSpPr>
+          <p:cNvPr id="3" name="TextBox 2">
+            <a:extLst>
+              <a:ext uri="{FF2B5EF4-FFF2-40B4-BE49-F238E27FC236}">
+                <a16:creationId xmlns:a16="http://schemas.microsoft.com/office/drawing/2014/main" id="{CE324B8A-96D9-399B-CB7E-14A4EB68C9F4}"/>
+              </a:ext>
+            </a:extLst>
+          </p:cNvPr>
+          <p:cNvSpPr txBox="1"/>
+          <p:nvPr/>
+        </p:nvSpPr>
+        <p:spPr>
+          <a:xfrm>
+            <a:off x="530941" y="489521"/>
+            <a:ext cx="11071123" cy="2400657"/>
+          </a:xfrm>
+          <a:prstGeom prst="rect">
+            <a:avLst/>
+          </a:prstGeom>
+          <a:noFill/>
+        </p:spPr>
+        <p:txBody>
+          <a:bodyPr wrap="square">
+            <a:spAutoFit/>
+          </a:bodyPr>
+          <a:lstStyle/>
+          <a:p>
+            <a:r>
+              <a:rPr lang="en-US" sz="2800" b="1" u="sng" dirty="0"/>
+              <a:t>CSS Height, Width and Max-width</a:t>
+            </a:r>
+          </a:p>
+          <a:p>
+            <a:pPr marL="457200" indent="-457200">
+              <a:buFont typeface="Arial" panose="020B0604020202020204" pitchFamily="34" charset="0"/>
+              <a:buChar char="•"/>
+            </a:pPr>
+            <a:r>
+              <a:rPr lang="en-US" sz="2800" dirty="0"/>
+              <a:t>The CSS height and width properties are used to set the height and width of an element.</a:t>
+            </a:r>
+          </a:p>
+          <a:p>
+            <a:pPr marL="457200" indent="-457200">
+              <a:buFont typeface="Arial" panose="020B0604020202020204" pitchFamily="34" charset="0"/>
+              <a:buChar char="•"/>
+            </a:pPr>
+            <a:endParaRPr lang="en-US" sz="1000" dirty="0"/>
+          </a:p>
+          <a:p>
+            <a:pPr marL="457200" indent="-457200">
+              <a:buFont typeface="Arial" panose="020B0604020202020204" pitchFamily="34" charset="0"/>
+              <a:buChar char="•"/>
+            </a:pPr>
+            <a:r>
+              <a:rPr lang="en-US" sz="2800" dirty="0"/>
+              <a:t>The CSS max-width property is used to set the maximum width of an element.</a:t>
+            </a:r>
+            <a:endParaRPr lang="en-IN" sz="2800" dirty="0"/>
+          </a:p>
+        </p:txBody>
+      </p:sp>
+      <p:sp>
+        <p:nvSpPr>
+          <p:cNvPr id="5" name="TextBox 4">
+            <a:extLst>
+              <a:ext uri="{FF2B5EF4-FFF2-40B4-BE49-F238E27FC236}">
+                <a16:creationId xmlns:a16="http://schemas.microsoft.com/office/drawing/2014/main" id="{030DF960-E129-8DAB-6BCA-E94193812316}"/>
+              </a:ext>
+            </a:extLst>
+          </p:cNvPr>
+          <p:cNvSpPr txBox="1"/>
+          <p:nvPr/>
+        </p:nvSpPr>
+        <p:spPr>
+          <a:xfrm>
+            <a:off x="530941" y="3258825"/>
+            <a:ext cx="10540180" cy="3046988"/>
+          </a:xfrm>
+          <a:prstGeom prst="rect">
+            <a:avLst/>
+          </a:prstGeom>
+          <a:noFill/>
+        </p:spPr>
+        <p:txBody>
+          <a:bodyPr wrap="square">
+            <a:spAutoFit/>
+          </a:bodyPr>
+          <a:lstStyle/>
+          <a:p>
+            <a:r>
+              <a:rPr lang="en-US" sz="2400" b="1" u="sng" dirty="0"/>
+              <a:t>CSS height and width Values</a:t>
+            </a:r>
+          </a:p>
+          <a:p>
+            <a:r>
+              <a:rPr lang="en-US" sz="2400" dirty="0"/>
+              <a:t>The height and width properties may have the following values:</a:t>
+            </a:r>
+          </a:p>
+          <a:p>
+            <a:endParaRPr lang="en-US" sz="2400" dirty="0"/>
+          </a:p>
+          <a:p>
+            <a:pPr marL="342900" indent="-342900">
+              <a:buFont typeface="Arial" panose="020B0604020202020204" pitchFamily="34" charset="0"/>
+              <a:buChar char="•"/>
+            </a:pPr>
+            <a:r>
+              <a:rPr lang="en-US" sz="2400" b="1" dirty="0"/>
+              <a:t>auto</a:t>
+            </a:r>
+            <a:r>
+              <a:rPr lang="en-US" sz="2400" dirty="0"/>
+              <a:t> - This is default. The browser calculates the height and width</a:t>
+            </a:r>
+          </a:p>
+          <a:p>
+            <a:pPr marL="342900" indent="-342900">
+              <a:buFont typeface="Arial" panose="020B0604020202020204" pitchFamily="34" charset="0"/>
+              <a:buChar char="•"/>
+            </a:pPr>
+            <a:r>
+              <a:rPr lang="en-US" sz="2400" b="1" dirty="0"/>
+              <a:t>length</a:t>
+            </a:r>
+            <a:r>
+              <a:rPr lang="en-US" sz="2400" dirty="0"/>
+              <a:t> - Defines the height/width in </a:t>
+            </a:r>
+            <a:r>
+              <a:rPr lang="en-US" sz="2400" dirty="0" err="1"/>
+              <a:t>px</a:t>
+            </a:r>
+            <a:r>
+              <a:rPr lang="en-US" sz="2400" dirty="0"/>
+              <a:t>, cm, etc.</a:t>
+            </a:r>
+          </a:p>
+          <a:p>
+            <a:pPr marL="342900" indent="-342900">
+              <a:buFont typeface="Arial" panose="020B0604020202020204" pitchFamily="34" charset="0"/>
+              <a:buChar char="•"/>
+            </a:pPr>
+            <a:r>
+              <a:rPr lang="en-US" sz="2400" b="1" dirty="0"/>
+              <a:t>%</a:t>
+            </a:r>
+            <a:r>
+              <a:rPr lang="en-US" sz="2400" dirty="0"/>
+              <a:t> - Defines the height/width in percent of the containing block</a:t>
+            </a:r>
+          </a:p>
+          <a:p>
+            <a:pPr marL="342900" indent="-342900">
+              <a:buFont typeface="Arial" panose="020B0604020202020204" pitchFamily="34" charset="0"/>
+              <a:buChar char="•"/>
+            </a:pPr>
+            <a:r>
+              <a:rPr lang="en-US" sz="2400" b="1" dirty="0"/>
+              <a:t>initial</a:t>
+            </a:r>
+            <a:r>
+              <a:rPr lang="en-US" sz="2400" dirty="0"/>
+              <a:t> - Sets the height/width to its default value</a:t>
+            </a:r>
+          </a:p>
+          <a:p>
+            <a:pPr marL="342900" indent="-342900">
+              <a:buFont typeface="Arial" panose="020B0604020202020204" pitchFamily="34" charset="0"/>
+              <a:buChar char="•"/>
+            </a:pPr>
+            <a:r>
+              <a:rPr lang="en-US" sz="2400" b="1" dirty="0"/>
+              <a:t>inherit </a:t>
+            </a:r>
+            <a:r>
+              <a:rPr lang="en-US" sz="2400" dirty="0"/>
+              <a:t>- The height/width will be inherited from its parent value</a:t>
+            </a:r>
+            <a:endParaRPr lang="en-IN" sz="2400" dirty="0"/>
+          </a:p>
+        </p:txBody>
+      </p:sp>
+    </p:spTree>
+    <p:extLst>
+      <p:ext uri="{BB962C8B-B14F-4D97-AF65-F5344CB8AC3E}">
+        <p14:creationId xmlns:p14="http://schemas.microsoft.com/office/powerpoint/2010/main" val="3372407484"/>
+      </p:ext>
+    </p:extLst>
+  </p:cSld>
+  <p:clrMapOvr>
+    <a:masterClrMapping/>
+  </p:clrMapOvr>
+</p:sld>
+</file>
+
+<file path=ppt/slides/slide34.xml><?xml version="1.0" encoding="utf-8"?>
+<p:sld xmlns:a="http://schemas.openxmlformats.org/drawingml/2006/main" xmlns:r="http://schemas.openxmlformats.org/officeDocument/2006/relationships" xmlns:p="http://schemas.openxmlformats.org/presentationml/2006/main">
+  <p:cSld>
+    <p:spTree>
+      <p:nvGrpSpPr>
+        <p:cNvPr id="1" name=""/>
+        <p:cNvGrpSpPr/>
+        <p:nvPr/>
+      </p:nvGrpSpPr>
+      <p:grpSpPr>
+        <a:xfrm>
+          <a:off x="0" y="0"/>
+          <a:ext cx="0" cy="0"/>
+          <a:chOff x="0" y="0"/>
+          <a:chExt cx="0" cy="0"/>
+        </a:xfrm>
+      </p:grpSpPr>
+      <p:pic>
+        <p:nvPicPr>
+          <p:cNvPr id="3" name="Picture 2">
+            <a:extLst>
+              <a:ext uri="{FF2B5EF4-FFF2-40B4-BE49-F238E27FC236}">
+                <a16:creationId xmlns:a16="http://schemas.microsoft.com/office/drawing/2014/main" id="{ACF6AA08-E8B8-CE07-B879-18DEE57B6427}"/>
+              </a:ext>
+            </a:extLst>
+          </p:cNvPr>
+          <p:cNvPicPr>
+            <a:picLocks noChangeAspect="1"/>
+          </p:cNvPicPr>
+          <p:nvPr/>
+        </p:nvPicPr>
+        <p:blipFill>
+          <a:blip r:embed="rId2"/>
+          <a:stretch>
+            <a:fillRect/>
+          </a:stretch>
+        </p:blipFill>
+        <p:spPr>
+          <a:xfrm>
+            <a:off x="255376" y="294968"/>
+            <a:ext cx="9429398" cy="5830529"/>
+          </a:xfrm>
+          <a:prstGeom prst="rect">
+            <a:avLst/>
+          </a:prstGeom>
+        </p:spPr>
+      </p:pic>
+      <p:pic>
+        <p:nvPicPr>
+          <p:cNvPr id="5" name="Picture 4">
+            <a:extLst>
+              <a:ext uri="{FF2B5EF4-FFF2-40B4-BE49-F238E27FC236}">
+                <a16:creationId xmlns:a16="http://schemas.microsoft.com/office/drawing/2014/main" id="{E89F10AE-168B-777B-B9EE-65C60B779BD9}"/>
+              </a:ext>
+            </a:extLst>
+          </p:cNvPr>
+          <p:cNvPicPr>
+            <a:picLocks noChangeAspect="1"/>
+          </p:cNvPicPr>
+          <p:nvPr/>
+        </p:nvPicPr>
+        <p:blipFill>
+          <a:blip r:embed="rId3"/>
+          <a:stretch>
+            <a:fillRect/>
+          </a:stretch>
+        </p:blipFill>
+        <p:spPr>
+          <a:xfrm>
+            <a:off x="7051781" y="403970"/>
+            <a:ext cx="4884843" cy="3139712"/>
+          </a:xfrm>
+          <a:prstGeom prst="rect">
+            <a:avLst/>
+          </a:prstGeom>
+        </p:spPr>
+      </p:pic>
+    </p:spTree>
+    <p:extLst>
+      <p:ext uri="{BB962C8B-B14F-4D97-AF65-F5344CB8AC3E}">
+        <p14:creationId xmlns:p14="http://schemas.microsoft.com/office/powerpoint/2010/main" val="1729845977"/>
+      </p:ext>
+    </p:extLst>
+  </p:cSld>
+  <p:clrMapOvr>
+    <a:masterClrMapping/>
+  </p:clrMapOvr>
+</p:sld>
+</file>
+
+<file path=ppt/slides/slide4.xml><?xml version="1.0" encoding="utf-8"?>
+<p:sld xmlns:a="http://schemas.openxmlformats.org/drawingml/2006/main" xmlns:r="http://schemas.openxmlformats.org/officeDocument/2006/relationships" xmlns:p="http://schemas.openxmlformats.org/presentationml/2006/main">
+  <p:cSld>
+    <p:spTree>
+      <p:nvGrpSpPr>
+        <p:cNvPr id="1" name=""/>
+        <p:cNvGrpSpPr/>
+        <p:nvPr/>
+      </p:nvGrpSpPr>
+      <p:grpSpPr>
+        <a:xfrm>
+          <a:off x="0" y="0"/>
+          <a:ext cx="0" cy="0"/>
+          <a:chOff x="0" y="0"/>
+          <a:chExt cx="0" cy="0"/>
+        </a:xfrm>
+      </p:grpSpPr>
+      <p:pic>
+        <p:nvPicPr>
+          <p:cNvPr id="3" name="Picture 2">
+            <a:extLst>
+              <a:ext uri="{FF2B5EF4-FFF2-40B4-BE49-F238E27FC236}">
+                <a16:creationId xmlns:a16="http://schemas.microsoft.com/office/drawing/2014/main" id="{562A6139-A3E6-05D7-219D-B4348DC6E85F}"/>
+              </a:ext>
+            </a:extLst>
+          </p:cNvPr>
+          <p:cNvPicPr>
+            <a:picLocks noChangeAspect="1"/>
+          </p:cNvPicPr>
+          <p:nvPr/>
+        </p:nvPicPr>
+        <p:blipFill>
+          <a:blip r:embed="rId2"/>
+          <a:stretch>
+            <a:fillRect/>
+          </a:stretch>
+        </p:blipFill>
+        <p:spPr>
+          <a:xfrm>
+            <a:off x="796414" y="963562"/>
+            <a:ext cx="8563896" cy="4762028"/>
+          </a:xfrm>
+          <a:prstGeom prst="rect">
+            <a:avLst/>
+          </a:prstGeom>
+        </p:spPr>
+      </p:pic>
+    </p:spTree>
+    <p:extLst>
+      <p:ext uri="{BB962C8B-B14F-4D97-AF65-F5344CB8AC3E}">
+        <p14:creationId xmlns:p14="http://schemas.microsoft.com/office/powerpoint/2010/main" val="834357339"/>
+      </p:ext>
+    </p:extLst>
+  </p:cSld>
+  <p:clrMapOvr>
+    <a:masterClrMapping/>
+  </p:clrMapOvr>
+</p:sld>
+</file>
+
+<file path=ppt/slides/slide5.xml><?xml version="1.0" encoding="utf-8"?>
+<p:sld xmlns:a="http://schemas.openxmlformats.org/drawingml/2006/main" xmlns:r="http://schemas.openxmlformats.org/officeDocument/2006/relationships" xmlns:p="http://schemas.openxmlformats.org/presentationml/2006/main">
+  <p:cSld>
+    <p:spTree>
+      <p:nvGrpSpPr>
+        <p:cNvPr id="1" name=""/>
+        <p:cNvGrpSpPr/>
+        <p:nvPr/>
+      </p:nvGrpSpPr>
+      <p:grpSpPr>
+        <a:xfrm>
+          <a:off x="0" y="0"/>
+          <a:ext cx="0" cy="0"/>
+          <a:chOff x="0" y="0"/>
+          <a:chExt cx="0" cy="0"/>
+        </a:xfrm>
+      </p:grpSpPr>
+      <p:pic>
+        <p:nvPicPr>
+          <p:cNvPr id="3" name="Picture 2">
+            <a:extLst>
+              <a:ext uri="{FF2B5EF4-FFF2-40B4-BE49-F238E27FC236}">
+                <a16:creationId xmlns:a16="http://schemas.microsoft.com/office/drawing/2014/main" id="{57F5F868-FCBA-13EC-0734-E1E267FDE2F9}"/>
+              </a:ext>
+            </a:extLst>
+          </p:cNvPr>
+          <p:cNvPicPr>
+            <a:picLocks noChangeAspect="1"/>
+          </p:cNvPicPr>
+          <p:nvPr/>
+        </p:nvPicPr>
+        <p:blipFill>
+          <a:blip r:embed="rId2"/>
+          <a:stretch>
+            <a:fillRect/>
+          </a:stretch>
+        </p:blipFill>
+        <p:spPr>
+          <a:xfrm>
+            <a:off x="1120878" y="747252"/>
+            <a:ext cx="10038736" cy="4705033"/>
+          </a:xfrm>
+          <a:prstGeom prst="rect">
+            <a:avLst/>
+          </a:prstGeom>
+        </p:spPr>
+      </p:pic>
+    </p:spTree>
+    <p:extLst>
+      <p:ext uri="{BB962C8B-B14F-4D97-AF65-F5344CB8AC3E}">
+        <p14:creationId xmlns:p14="http://schemas.microsoft.com/office/powerpoint/2010/main" val="767784465"/>
+      </p:ext>
+    </p:extLst>
+  </p:cSld>
+  <p:clrMapOvr>
+    <a:masterClrMapping/>
+  </p:clrMapOvr>
+</p:sld>
+</file>
+
+<file path=ppt/slides/slide6.xml><?xml version="1.0" encoding="utf-8"?>
+<p:sld xmlns:a="http://schemas.openxmlformats.org/drawingml/2006/main" xmlns:r="http://schemas.openxmlformats.org/officeDocument/2006/relationships" xmlns:p="http://schemas.openxmlformats.org/presentationml/2006/main">
+  <p:cSld>
+    <p:spTree>
+      <p:nvGrpSpPr>
+        <p:cNvPr id="1" name=""/>
+        <p:cNvGrpSpPr/>
+        <p:nvPr/>
+      </p:nvGrpSpPr>
+      <p:grpSpPr>
+        <a:xfrm>
+          <a:off x="0" y="0"/>
+          <a:ext cx="0" cy="0"/>
+          <a:chOff x="0" y="0"/>
+          <a:chExt cx="0" cy="0"/>
+        </a:xfrm>
+      </p:grpSpPr>
+      <p:pic>
+        <p:nvPicPr>
+          <p:cNvPr id="3" name="Picture 2">
+            <a:extLst>
+              <a:ext uri="{FF2B5EF4-FFF2-40B4-BE49-F238E27FC236}">
+                <a16:creationId xmlns:a16="http://schemas.microsoft.com/office/drawing/2014/main" id="{08F903E6-B4DB-FD90-10EA-4AD47A5231D2}"/>
+              </a:ext>
+            </a:extLst>
+          </p:cNvPr>
+          <p:cNvPicPr>
+            <a:picLocks noChangeAspect="1"/>
+          </p:cNvPicPr>
+          <p:nvPr/>
+        </p:nvPicPr>
+        <p:blipFill>
+          <a:blip r:embed="rId2"/>
+          <a:stretch>
+            <a:fillRect/>
+          </a:stretch>
+        </p:blipFill>
+        <p:spPr>
+          <a:xfrm>
+            <a:off x="825910" y="648929"/>
+            <a:ext cx="8318089" cy="5014097"/>
+          </a:xfrm>
+          <a:prstGeom prst="rect">
+            <a:avLst/>
+          </a:prstGeom>
+        </p:spPr>
+      </p:pic>
+    </p:spTree>
+    <p:extLst>
+      <p:ext uri="{BB962C8B-B14F-4D97-AF65-F5344CB8AC3E}">
+        <p14:creationId xmlns:p14="http://schemas.microsoft.com/office/powerpoint/2010/main" val="509489928"/>
+      </p:ext>
+    </p:extLst>
+  </p:cSld>
+  <p:clrMapOvr>
+    <a:masterClrMapping/>
+  </p:clrMapOvr>
+</p:sld>
+</file>
+
+<file path=ppt/slides/slide7.xml><?xml version="1.0" encoding="utf-8"?>
 <p:sld xmlns:a="http://schemas.openxmlformats.org/drawingml/2006/main" xmlns:r="http://schemas.openxmlformats.org/officeDocument/2006/relationships" xmlns:p="http://schemas.openxmlformats.org/presentationml/2006/main">
   <p:cSld>
     <p:spTree>
@@ -7638,1000 +10971,7 @@
 </p:sld>
 </file>
 
-<file path=ppt/slides/slide20.xml><?xml version="1.0" encoding="utf-8"?>
-<p:sld xmlns:a="http://schemas.openxmlformats.org/drawingml/2006/main" xmlns:r="http://schemas.openxmlformats.org/officeDocument/2006/relationships" xmlns:p="http://schemas.openxmlformats.org/presentationml/2006/main">
-  <p:cSld>
-    <p:spTree>
-      <p:nvGrpSpPr>
-        <p:cNvPr id="1" name=""/>
-        <p:cNvGrpSpPr/>
-        <p:nvPr/>
-      </p:nvGrpSpPr>
-      <p:grpSpPr>
-        <a:xfrm>
-          <a:off x="0" y="0"/>
-          <a:ext cx="0" cy="0"/>
-          <a:chOff x="0" y="0"/>
-          <a:chExt cx="0" cy="0"/>
-        </a:xfrm>
-      </p:grpSpPr>
-      <p:sp>
-        <p:nvSpPr>
-          <p:cNvPr id="5" name="TextBox 4">
-            <a:extLst>
-              <a:ext uri="{FF2B5EF4-FFF2-40B4-BE49-F238E27FC236}">
-                <a16:creationId xmlns:a16="http://schemas.microsoft.com/office/drawing/2014/main" id="{2ACA650C-2489-C7A1-F383-B97774B25166}"/>
-              </a:ext>
-            </a:extLst>
-          </p:cNvPr>
-          <p:cNvSpPr txBox="1"/>
-          <p:nvPr/>
-        </p:nvSpPr>
-        <p:spPr>
-          <a:xfrm>
-            <a:off x="422787" y="267617"/>
-            <a:ext cx="6096000" cy="584775"/>
-          </a:xfrm>
-          <a:prstGeom prst="rect">
-            <a:avLst/>
-          </a:prstGeom>
-          <a:noFill/>
-        </p:spPr>
-        <p:txBody>
-          <a:bodyPr wrap="square">
-            <a:spAutoFit/>
-          </a:bodyPr>
-          <a:lstStyle/>
-          <a:p>
-            <a:r>
-              <a:rPr lang="en-IN" sz="3200" b="1" u="sng" dirty="0"/>
-              <a:t>Background-</a:t>
-            </a:r>
-            <a:r>
-              <a:rPr lang="en-IN" sz="3200" b="1" u="sng" dirty="0" err="1"/>
-              <a:t>color</a:t>
-            </a:r>
-            <a:endParaRPr lang="en-IN" sz="3200" b="1" u="sng" dirty="0"/>
-          </a:p>
-        </p:txBody>
-      </p:sp>
-      <p:pic>
-        <p:nvPicPr>
-          <p:cNvPr id="9" name="Picture 8">
-            <a:extLst>
-              <a:ext uri="{FF2B5EF4-FFF2-40B4-BE49-F238E27FC236}">
-                <a16:creationId xmlns:a16="http://schemas.microsoft.com/office/drawing/2014/main" id="{76F3909E-176C-A4E1-84A4-58F9F7479DE5}"/>
-              </a:ext>
-            </a:extLst>
-          </p:cNvPr>
-          <p:cNvPicPr>
-            <a:picLocks noChangeAspect="1"/>
-          </p:cNvPicPr>
-          <p:nvPr/>
-        </p:nvPicPr>
-        <p:blipFill>
-          <a:blip r:embed="rId2"/>
-          <a:stretch>
-            <a:fillRect/>
-          </a:stretch>
-        </p:blipFill>
-        <p:spPr>
-          <a:xfrm>
-            <a:off x="294968" y="1077280"/>
-            <a:ext cx="9094838" cy="4900085"/>
-          </a:xfrm>
-          <a:prstGeom prst="rect">
-            <a:avLst/>
-          </a:prstGeom>
-        </p:spPr>
-      </p:pic>
-      <p:pic>
-        <p:nvPicPr>
-          <p:cNvPr id="11" name="Picture 10">
-            <a:extLst>
-              <a:ext uri="{FF2B5EF4-FFF2-40B4-BE49-F238E27FC236}">
-                <a16:creationId xmlns:a16="http://schemas.microsoft.com/office/drawing/2014/main" id="{79F58243-5F25-59AF-E10B-E2D4A2334BBF}"/>
-              </a:ext>
-            </a:extLst>
-          </p:cNvPr>
-          <p:cNvPicPr>
-            <a:picLocks noChangeAspect="1"/>
-          </p:cNvPicPr>
-          <p:nvPr/>
-        </p:nvPicPr>
-        <p:blipFill>
-          <a:blip r:embed="rId3"/>
-          <a:stretch>
-            <a:fillRect/>
-          </a:stretch>
-        </p:blipFill>
-        <p:spPr>
-          <a:xfrm>
-            <a:off x="5509743" y="1536837"/>
-            <a:ext cx="5852667" cy="2187130"/>
-          </a:xfrm>
-          <a:prstGeom prst="rect">
-            <a:avLst/>
-          </a:prstGeom>
-        </p:spPr>
-      </p:pic>
-    </p:spTree>
-    <p:extLst>
-      <p:ext uri="{BB962C8B-B14F-4D97-AF65-F5344CB8AC3E}">
-        <p14:creationId xmlns:p14="http://schemas.microsoft.com/office/powerpoint/2010/main" val="883923202"/>
-      </p:ext>
-    </p:extLst>
-  </p:cSld>
-  <p:clrMapOvr>
-    <a:masterClrMapping/>
-  </p:clrMapOvr>
-</p:sld>
-</file>
-
-<file path=ppt/slides/slide21.xml><?xml version="1.0" encoding="utf-8"?>
-<p:sld xmlns:a="http://schemas.openxmlformats.org/drawingml/2006/main" xmlns:r="http://schemas.openxmlformats.org/officeDocument/2006/relationships" xmlns:p="http://schemas.openxmlformats.org/presentationml/2006/main">
-  <p:cSld>
-    <p:spTree>
-      <p:nvGrpSpPr>
-        <p:cNvPr id="1" name=""/>
-        <p:cNvGrpSpPr/>
-        <p:nvPr/>
-      </p:nvGrpSpPr>
-      <p:grpSpPr>
-        <a:xfrm>
-          <a:off x="0" y="0"/>
-          <a:ext cx="0" cy="0"/>
-          <a:chOff x="0" y="0"/>
-          <a:chExt cx="0" cy="0"/>
-        </a:xfrm>
-      </p:grpSpPr>
-      <p:sp>
-        <p:nvSpPr>
-          <p:cNvPr id="3" name="TextBox 2">
-            <a:extLst>
-              <a:ext uri="{FF2B5EF4-FFF2-40B4-BE49-F238E27FC236}">
-                <a16:creationId xmlns:a16="http://schemas.microsoft.com/office/drawing/2014/main" id="{8D1F535A-C59A-1136-33D8-D238494390A3}"/>
-              </a:ext>
-            </a:extLst>
-          </p:cNvPr>
-          <p:cNvSpPr txBox="1"/>
-          <p:nvPr/>
-        </p:nvSpPr>
-        <p:spPr>
-          <a:xfrm>
-            <a:off x="324464" y="356109"/>
-            <a:ext cx="6096000" cy="523220"/>
-          </a:xfrm>
-          <a:prstGeom prst="rect">
-            <a:avLst/>
-          </a:prstGeom>
-          <a:noFill/>
-        </p:spPr>
-        <p:txBody>
-          <a:bodyPr wrap="square">
-            <a:spAutoFit/>
-          </a:bodyPr>
-          <a:lstStyle/>
-          <a:p>
-            <a:r>
-              <a:rPr lang="en-IN" sz="2800" b="1" u="sng" dirty="0"/>
-              <a:t>CSS background-image</a:t>
-            </a:r>
-          </a:p>
-        </p:txBody>
-      </p:sp>
-      <p:pic>
-        <p:nvPicPr>
-          <p:cNvPr id="7" name="Picture 6">
-            <a:extLst>
-              <a:ext uri="{FF2B5EF4-FFF2-40B4-BE49-F238E27FC236}">
-                <a16:creationId xmlns:a16="http://schemas.microsoft.com/office/drawing/2014/main" id="{D04D3143-F142-B213-6309-5744D963774B}"/>
-              </a:ext>
-            </a:extLst>
-          </p:cNvPr>
-          <p:cNvPicPr>
-            <a:picLocks noChangeAspect="1"/>
-          </p:cNvPicPr>
-          <p:nvPr/>
-        </p:nvPicPr>
-        <p:blipFill>
-          <a:blip r:embed="rId2"/>
-          <a:stretch>
-            <a:fillRect/>
-          </a:stretch>
-        </p:blipFill>
-        <p:spPr>
-          <a:xfrm>
-            <a:off x="324464" y="879329"/>
-            <a:ext cx="8084407" cy="5275665"/>
-          </a:xfrm>
-          <a:prstGeom prst="rect">
-            <a:avLst/>
-          </a:prstGeom>
-        </p:spPr>
-      </p:pic>
-      <p:pic>
-        <p:nvPicPr>
-          <p:cNvPr id="8" name="Picture 7">
-            <a:extLst>
-              <a:ext uri="{FF2B5EF4-FFF2-40B4-BE49-F238E27FC236}">
-                <a16:creationId xmlns:a16="http://schemas.microsoft.com/office/drawing/2014/main" id="{4795F612-99B1-6074-8697-E2C58EC44D53}"/>
-              </a:ext>
-            </a:extLst>
-          </p:cNvPr>
-          <p:cNvPicPr>
-            <a:picLocks noChangeAspect="1"/>
-          </p:cNvPicPr>
-          <p:nvPr/>
-        </p:nvPicPr>
-        <p:blipFill>
-          <a:blip r:embed="rId3"/>
-          <a:stretch>
-            <a:fillRect/>
-          </a:stretch>
-        </p:blipFill>
-        <p:spPr>
-          <a:xfrm>
-            <a:off x="6420464" y="1141987"/>
-            <a:ext cx="5389331" cy="2981202"/>
-          </a:xfrm>
-          <a:prstGeom prst="rect">
-            <a:avLst/>
-          </a:prstGeom>
-        </p:spPr>
-      </p:pic>
-    </p:spTree>
-    <p:extLst>
-      <p:ext uri="{BB962C8B-B14F-4D97-AF65-F5344CB8AC3E}">
-        <p14:creationId xmlns:p14="http://schemas.microsoft.com/office/powerpoint/2010/main" val="1286310411"/>
-      </p:ext>
-    </p:extLst>
-  </p:cSld>
-  <p:clrMapOvr>
-    <a:masterClrMapping/>
-  </p:clrMapOvr>
-</p:sld>
-</file>
-
-<file path=ppt/slides/slide22.xml><?xml version="1.0" encoding="utf-8"?>
-<p:sld xmlns:a="http://schemas.openxmlformats.org/drawingml/2006/main" xmlns:r="http://schemas.openxmlformats.org/officeDocument/2006/relationships" xmlns:p="http://schemas.openxmlformats.org/presentationml/2006/main">
-  <p:cSld>
-    <p:spTree>
-      <p:nvGrpSpPr>
-        <p:cNvPr id="1" name=""/>
-        <p:cNvGrpSpPr/>
-        <p:nvPr/>
-      </p:nvGrpSpPr>
-      <p:grpSpPr>
-        <a:xfrm>
-          <a:off x="0" y="0"/>
-          <a:ext cx="0" cy="0"/>
-          <a:chOff x="0" y="0"/>
-          <a:chExt cx="0" cy="0"/>
-        </a:xfrm>
-      </p:grpSpPr>
-      <p:sp>
-        <p:nvSpPr>
-          <p:cNvPr id="3" name="TextBox 2">
-            <a:extLst>
-              <a:ext uri="{FF2B5EF4-FFF2-40B4-BE49-F238E27FC236}">
-                <a16:creationId xmlns:a16="http://schemas.microsoft.com/office/drawing/2014/main" id="{0EE41461-E65E-A1D2-B9DD-05B044C11D0B}"/>
-              </a:ext>
-            </a:extLst>
-          </p:cNvPr>
-          <p:cNvSpPr txBox="1"/>
-          <p:nvPr/>
-        </p:nvSpPr>
-        <p:spPr>
-          <a:xfrm>
-            <a:off x="276568" y="167654"/>
-            <a:ext cx="11061290" cy="2677656"/>
-          </a:xfrm>
-          <a:prstGeom prst="rect">
-            <a:avLst/>
-          </a:prstGeom>
-          <a:noFill/>
-        </p:spPr>
-        <p:txBody>
-          <a:bodyPr wrap="square">
-            <a:spAutoFit/>
-          </a:bodyPr>
-          <a:lstStyle/>
-          <a:p>
-            <a:r>
-              <a:rPr lang="en-US" sz="2400" b="1" u="sng" dirty="0"/>
-              <a:t>Text Alignment in CSS</a:t>
-            </a:r>
-          </a:p>
-          <a:p>
-            <a:pPr>
-              <a:buFont typeface="Arial" panose="020B0604020202020204" pitchFamily="34" charset="0"/>
-              <a:buChar char="•"/>
-            </a:pPr>
-            <a:r>
-              <a:rPr lang="en-US" sz="2400" b="1" dirty="0"/>
-              <a:t>text-align</a:t>
-            </a:r>
-            <a:r>
-              <a:rPr lang="en-US" sz="2400" dirty="0"/>
-              <a:t>: Aligns inline content like text within a block-level element.</a:t>
-            </a:r>
-          </a:p>
-          <a:p>
-            <a:pPr marL="742950" lvl="1" indent="-285750">
-              <a:buFont typeface="Arial" panose="020B0604020202020204" pitchFamily="34" charset="0"/>
-              <a:buChar char="•"/>
-            </a:pPr>
-            <a:r>
-              <a:rPr lang="en-US" sz="2400" b="1" dirty="0"/>
-              <a:t>left</a:t>
-            </a:r>
-            <a:r>
-              <a:rPr lang="en-US" sz="2400" dirty="0"/>
-              <a:t>: Aligns the text to the left.</a:t>
-            </a:r>
-          </a:p>
-          <a:p>
-            <a:pPr marL="742950" lvl="1" indent="-285750">
-              <a:buFont typeface="Arial" panose="020B0604020202020204" pitchFamily="34" charset="0"/>
-              <a:buChar char="•"/>
-            </a:pPr>
-            <a:r>
-              <a:rPr lang="en-US" sz="2400" b="1" dirty="0"/>
-              <a:t>right</a:t>
-            </a:r>
-            <a:r>
-              <a:rPr lang="en-US" sz="2400" dirty="0"/>
-              <a:t>: Aligns the text to the right.</a:t>
-            </a:r>
-          </a:p>
-          <a:p>
-            <a:pPr marL="742950" lvl="1" indent="-285750">
-              <a:buFont typeface="Arial" panose="020B0604020202020204" pitchFamily="34" charset="0"/>
-              <a:buChar char="•"/>
-            </a:pPr>
-            <a:r>
-              <a:rPr lang="en-US" sz="2400" b="1" dirty="0"/>
-              <a:t>center</a:t>
-            </a:r>
-            <a:r>
-              <a:rPr lang="en-US" sz="2400" dirty="0"/>
-              <a:t>: Centers the text horizontally.</a:t>
-            </a:r>
-          </a:p>
-          <a:p>
-            <a:pPr marL="742950" lvl="1" indent="-285750">
-              <a:buFont typeface="Arial" panose="020B0604020202020204" pitchFamily="34" charset="0"/>
-              <a:buChar char="•"/>
-            </a:pPr>
-            <a:r>
-              <a:rPr lang="en-US" sz="2400" b="1" dirty="0"/>
-              <a:t>justify</a:t>
-            </a:r>
-            <a:r>
-              <a:rPr lang="en-US" sz="2400" dirty="0"/>
-              <a:t>: Stretches the text to fill the width of the container, aligning both left and right edges.</a:t>
-            </a:r>
-          </a:p>
-        </p:txBody>
-      </p:sp>
-      <p:pic>
-        <p:nvPicPr>
-          <p:cNvPr id="5" name="Picture 4">
-            <a:extLst>
-              <a:ext uri="{FF2B5EF4-FFF2-40B4-BE49-F238E27FC236}">
-                <a16:creationId xmlns:a16="http://schemas.microsoft.com/office/drawing/2014/main" id="{52CE07CF-5DBF-451C-9FCD-67E9FC5DD13D}"/>
-              </a:ext>
-            </a:extLst>
-          </p:cNvPr>
-          <p:cNvPicPr>
-            <a:picLocks noChangeAspect="1"/>
-          </p:cNvPicPr>
-          <p:nvPr/>
-        </p:nvPicPr>
-        <p:blipFill>
-          <a:blip r:embed="rId2"/>
-          <a:stretch>
-            <a:fillRect/>
-          </a:stretch>
-        </p:blipFill>
-        <p:spPr>
-          <a:xfrm>
-            <a:off x="700623" y="2845310"/>
-            <a:ext cx="10016537" cy="3642852"/>
-          </a:xfrm>
-          <a:prstGeom prst="rect">
-            <a:avLst/>
-          </a:prstGeom>
-        </p:spPr>
-      </p:pic>
-      <p:pic>
-        <p:nvPicPr>
-          <p:cNvPr id="7" name="Picture 6">
-            <a:extLst>
-              <a:ext uri="{FF2B5EF4-FFF2-40B4-BE49-F238E27FC236}">
-                <a16:creationId xmlns:a16="http://schemas.microsoft.com/office/drawing/2014/main" id="{1B67C3BF-D186-6D80-25AD-6CB70CB1C980}"/>
-              </a:ext>
-            </a:extLst>
-          </p:cNvPr>
-          <p:cNvPicPr>
-            <a:picLocks noChangeAspect="1"/>
-          </p:cNvPicPr>
-          <p:nvPr/>
-        </p:nvPicPr>
-        <p:blipFill>
-          <a:blip r:embed="rId3"/>
-          <a:stretch>
-            <a:fillRect/>
-          </a:stretch>
-        </p:blipFill>
-        <p:spPr>
-          <a:xfrm>
-            <a:off x="4900704" y="2790104"/>
-            <a:ext cx="6337567" cy="3319457"/>
-          </a:xfrm>
-          <a:prstGeom prst="rect">
-            <a:avLst/>
-          </a:prstGeom>
-        </p:spPr>
-      </p:pic>
-    </p:spTree>
-    <p:extLst>
-      <p:ext uri="{BB962C8B-B14F-4D97-AF65-F5344CB8AC3E}">
-        <p14:creationId xmlns:p14="http://schemas.microsoft.com/office/powerpoint/2010/main" val="2901659469"/>
-      </p:ext>
-    </p:extLst>
-  </p:cSld>
-  <p:clrMapOvr>
-    <a:masterClrMapping/>
-  </p:clrMapOvr>
-</p:sld>
-</file>
-
-<file path=ppt/slides/slide23.xml><?xml version="1.0" encoding="utf-8"?>
-<p:sld xmlns:a="http://schemas.openxmlformats.org/drawingml/2006/main" xmlns:r="http://schemas.openxmlformats.org/officeDocument/2006/relationships" xmlns:p="http://schemas.openxmlformats.org/presentationml/2006/main">
-  <p:cSld>
-    <p:spTree>
-      <p:nvGrpSpPr>
-        <p:cNvPr id="1" name=""/>
-        <p:cNvGrpSpPr/>
-        <p:nvPr/>
-      </p:nvGrpSpPr>
-      <p:grpSpPr>
-        <a:xfrm>
-          <a:off x="0" y="0"/>
-          <a:ext cx="0" cy="0"/>
-          <a:chOff x="0" y="0"/>
-          <a:chExt cx="0" cy="0"/>
-        </a:xfrm>
-      </p:grpSpPr>
-      <p:sp>
-        <p:nvSpPr>
-          <p:cNvPr id="3" name="TextBox 2">
-            <a:extLst>
-              <a:ext uri="{FF2B5EF4-FFF2-40B4-BE49-F238E27FC236}">
-                <a16:creationId xmlns:a16="http://schemas.microsoft.com/office/drawing/2014/main" id="{ACD4A5A7-5185-9728-42D9-18C538983E4F}"/>
-              </a:ext>
-            </a:extLst>
-          </p:cNvPr>
-          <p:cNvSpPr txBox="1"/>
-          <p:nvPr/>
-        </p:nvSpPr>
-        <p:spPr>
-          <a:xfrm>
-            <a:off x="275303" y="87753"/>
-            <a:ext cx="11798710" cy="3108543"/>
-          </a:xfrm>
-          <a:prstGeom prst="rect">
-            <a:avLst/>
-          </a:prstGeom>
-          <a:noFill/>
-        </p:spPr>
-        <p:txBody>
-          <a:bodyPr wrap="square">
-            <a:spAutoFit/>
-          </a:bodyPr>
-          <a:lstStyle/>
-          <a:p>
-            <a:r>
-              <a:rPr lang="en-US" sz="2800" b="1" u="sng" dirty="0"/>
-              <a:t>CSS Margins</a:t>
-            </a:r>
-          </a:p>
-          <a:p>
-            <a:r>
-              <a:rPr lang="en-US" sz="2400" dirty="0"/>
-              <a:t>The CSS margin properties are used to create space around elements, outside of any defined borders.</a:t>
-            </a:r>
-          </a:p>
-          <a:p>
-            <a:r>
-              <a:rPr lang="en-US" sz="2400" dirty="0"/>
-              <a:t>CSS has properties for specifying the margin for each side of an element:</a:t>
-            </a:r>
-          </a:p>
-          <a:p>
-            <a:pPr marL="285750" indent="-285750">
-              <a:buFont typeface="Arial" panose="020B0604020202020204" pitchFamily="34" charset="0"/>
-              <a:buChar char="•"/>
-            </a:pPr>
-            <a:r>
-              <a:rPr lang="en-US" sz="2400" dirty="0"/>
-              <a:t>margin-top</a:t>
-            </a:r>
-          </a:p>
-          <a:p>
-            <a:pPr marL="285750" indent="-285750">
-              <a:buFont typeface="Arial" panose="020B0604020202020204" pitchFamily="34" charset="0"/>
-              <a:buChar char="•"/>
-            </a:pPr>
-            <a:r>
-              <a:rPr lang="en-US" sz="2400" dirty="0"/>
-              <a:t>margin-right</a:t>
-            </a:r>
-          </a:p>
-          <a:p>
-            <a:pPr marL="285750" indent="-285750">
-              <a:buFont typeface="Arial" panose="020B0604020202020204" pitchFamily="34" charset="0"/>
-              <a:buChar char="•"/>
-            </a:pPr>
-            <a:r>
-              <a:rPr lang="en-US" sz="2400" dirty="0"/>
-              <a:t>margin-bottom</a:t>
-            </a:r>
-          </a:p>
-          <a:p>
-            <a:pPr marL="285750" indent="-285750">
-              <a:buFont typeface="Arial" panose="020B0604020202020204" pitchFamily="34" charset="0"/>
-              <a:buChar char="•"/>
-            </a:pPr>
-            <a:r>
-              <a:rPr lang="en-US" sz="2400" dirty="0"/>
-              <a:t>margin-left</a:t>
-            </a:r>
-            <a:endParaRPr lang="en-IN" sz="2400" dirty="0"/>
-          </a:p>
-        </p:txBody>
-      </p:sp>
-      <p:pic>
-        <p:nvPicPr>
-          <p:cNvPr id="5" name="Picture 4">
-            <a:extLst>
-              <a:ext uri="{FF2B5EF4-FFF2-40B4-BE49-F238E27FC236}">
-                <a16:creationId xmlns:a16="http://schemas.microsoft.com/office/drawing/2014/main" id="{9992E1CB-CEA4-3AD7-6D3A-420586C524EF}"/>
-              </a:ext>
-            </a:extLst>
-          </p:cNvPr>
-          <p:cNvPicPr>
-            <a:picLocks noChangeAspect="1"/>
-          </p:cNvPicPr>
-          <p:nvPr/>
-        </p:nvPicPr>
-        <p:blipFill>
-          <a:blip r:embed="rId2"/>
-          <a:stretch>
-            <a:fillRect/>
-          </a:stretch>
-        </p:blipFill>
-        <p:spPr>
-          <a:xfrm>
-            <a:off x="2674374" y="1849391"/>
-            <a:ext cx="9242323" cy="4122777"/>
-          </a:xfrm>
-          <a:prstGeom prst="rect">
-            <a:avLst/>
-          </a:prstGeom>
-        </p:spPr>
-      </p:pic>
-      <p:pic>
-        <p:nvPicPr>
-          <p:cNvPr id="7" name="Picture 6">
-            <a:extLst>
-              <a:ext uri="{FF2B5EF4-FFF2-40B4-BE49-F238E27FC236}">
-                <a16:creationId xmlns:a16="http://schemas.microsoft.com/office/drawing/2014/main" id="{010BEF28-9D6E-C757-CE0B-180B90B97632}"/>
-              </a:ext>
-            </a:extLst>
-          </p:cNvPr>
-          <p:cNvPicPr>
-            <a:picLocks noChangeAspect="1"/>
-          </p:cNvPicPr>
-          <p:nvPr/>
-        </p:nvPicPr>
-        <p:blipFill>
-          <a:blip r:embed="rId3"/>
-          <a:stretch>
-            <a:fillRect/>
-          </a:stretch>
-        </p:blipFill>
-        <p:spPr>
-          <a:xfrm>
-            <a:off x="4328967" y="5371971"/>
-            <a:ext cx="6896698" cy="1486029"/>
-          </a:xfrm>
-          <a:prstGeom prst="rect">
-            <a:avLst/>
-          </a:prstGeom>
-        </p:spPr>
-      </p:pic>
-    </p:spTree>
-    <p:extLst>
-      <p:ext uri="{BB962C8B-B14F-4D97-AF65-F5344CB8AC3E}">
-        <p14:creationId xmlns:p14="http://schemas.microsoft.com/office/powerpoint/2010/main" val="2839156927"/>
-      </p:ext>
-    </p:extLst>
-  </p:cSld>
-  <p:clrMapOvr>
-    <a:masterClrMapping/>
-  </p:clrMapOvr>
-</p:sld>
-</file>
-
-<file path=ppt/slides/slide24.xml><?xml version="1.0" encoding="utf-8"?>
-<p:sld xmlns:a="http://schemas.openxmlformats.org/drawingml/2006/main" xmlns:r="http://schemas.openxmlformats.org/officeDocument/2006/relationships" xmlns:p="http://schemas.openxmlformats.org/presentationml/2006/main">
-  <p:cSld>
-    <p:spTree>
-      <p:nvGrpSpPr>
-        <p:cNvPr id="1" name=""/>
-        <p:cNvGrpSpPr/>
-        <p:nvPr/>
-      </p:nvGrpSpPr>
-      <p:grpSpPr>
-        <a:xfrm>
-          <a:off x="0" y="0"/>
-          <a:ext cx="0" cy="0"/>
-          <a:chOff x="0" y="0"/>
-          <a:chExt cx="0" cy="0"/>
-        </a:xfrm>
-      </p:grpSpPr>
-      <p:sp>
-        <p:nvSpPr>
-          <p:cNvPr id="4" name="TextBox 3">
-            <a:extLst>
-              <a:ext uri="{FF2B5EF4-FFF2-40B4-BE49-F238E27FC236}">
-                <a16:creationId xmlns:a16="http://schemas.microsoft.com/office/drawing/2014/main" id="{AC6B79A7-CB60-C5D9-1C64-51590E87EA8C}"/>
-              </a:ext>
-            </a:extLst>
-          </p:cNvPr>
-          <p:cNvSpPr txBox="1"/>
-          <p:nvPr/>
-        </p:nvSpPr>
-        <p:spPr>
-          <a:xfrm>
-            <a:off x="235975" y="0"/>
-            <a:ext cx="11385754" cy="2985433"/>
-          </a:xfrm>
-          <a:prstGeom prst="rect">
-            <a:avLst/>
-          </a:prstGeom>
-          <a:noFill/>
-        </p:spPr>
-        <p:txBody>
-          <a:bodyPr wrap="square">
-            <a:spAutoFit/>
-          </a:bodyPr>
-          <a:lstStyle/>
-          <a:p>
-            <a:r>
-              <a:rPr lang="en-US" sz="2800" b="1" u="sng" dirty="0"/>
-              <a:t>CSS Padding</a:t>
-            </a:r>
-          </a:p>
-          <a:p>
-            <a:r>
-              <a:rPr lang="en-US" sz="2000" dirty="0"/>
-              <a:t>The CSS padding properties are used to generate space around an element's content, inside of any defined borders.</a:t>
-            </a:r>
-          </a:p>
-          <a:p>
-            <a:endParaRPr lang="en-US" sz="2000" dirty="0"/>
-          </a:p>
-          <a:p>
-            <a:r>
-              <a:rPr lang="en-US" sz="2000" dirty="0"/>
-              <a:t>CSS has properties for specifying the padding for each side of an element:</a:t>
-            </a:r>
-          </a:p>
-          <a:p>
-            <a:pPr marL="285750" indent="-285750">
-              <a:buFont typeface="Arial" panose="020B0604020202020204" pitchFamily="34" charset="0"/>
-              <a:buChar char="•"/>
-            </a:pPr>
-            <a:r>
-              <a:rPr lang="en-US" sz="2000" dirty="0"/>
-              <a:t>padding-top</a:t>
-            </a:r>
-          </a:p>
-          <a:p>
-            <a:pPr marL="285750" indent="-285750">
-              <a:buFont typeface="Arial" panose="020B0604020202020204" pitchFamily="34" charset="0"/>
-              <a:buChar char="•"/>
-            </a:pPr>
-            <a:r>
-              <a:rPr lang="en-US" sz="2000" dirty="0"/>
-              <a:t>padding-right</a:t>
-            </a:r>
-          </a:p>
-          <a:p>
-            <a:pPr marL="285750" indent="-285750">
-              <a:buFont typeface="Arial" panose="020B0604020202020204" pitchFamily="34" charset="0"/>
-              <a:buChar char="•"/>
-            </a:pPr>
-            <a:r>
-              <a:rPr lang="en-US" sz="2000" dirty="0"/>
-              <a:t>padding-bottom</a:t>
-            </a:r>
-          </a:p>
-          <a:p>
-            <a:pPr marL="285750" indent="-285750">
-              <a:buFont typeface="Arial" panose="020B0604020202020204" pitchFamily="34" charset="0"/>
-              <a:buChar char="•"/>
-            </a:pPr>
-            <a:r>
-              <a:rPr lang="en-US" sz="2000" dirty="0"/>
-              <a:t>padding-left</a:t>
-            </a:r>
-            <a:endParaRPr lang="en-IN" sz="2000" dirty="0"/>
-          </a:p>
-        </p:txBody>
-      </p:sp>
-      <p:pic>
-        <p:nvPicPr>
-          <p:cNvPr id="9" name="Picture 8">
-            <a:extLst>
-              <a:ext uri="{FF2B5EF4-FFF2-40B4-BE49-F238E27FC236}">
-                <a16:creationId xmlns:a16="http://schemas.microsoft.com/office/drawing/2014/main" id="{7F65AC9E-59DB-C584-DCA5-9DA6B3FEAB9E}"/>
-              </a:ext>
-            </a:extLst>
-          </p:cNvPr>
-          <p:cNvPicPr>
-            <a:picLocks noChangeAspect="1"/>
-          </p:cNvPicPr>
-          <p:nvPr/>
-        </p:nvPicPr>
-        <p:blipFill>
-          <a:blip r:embed="rId2"/>
-          <a:stretch>
-            <a:fillRect/>
-          </a:stretch>
-        </p:blipFill>
-        <p:spPr>
-          <a:xfrm>
-            <a:off x="3854246" y="2214171"/>
-            <a:ext cx="7767484" cy="4061812"/>
-          </a:xfrm>
-          <a:prstGeom prst="rect">
-            <a:avLst/>
-          </a:prstGeom>
-        </p:spPr>
-      </p:pic>
-      <p:pic>
-        <p:nvPicPr>
-          <p:cNvPr id="11" name="Picture 10">
-            <a:extLst>
-              <a:ext uri="{FF2B5EF4-FFF2-40B4-BE49-F238E27FC236}">
-                <a16:creationId xmlns:a16="http://schemas.microsoft.com/office/drawing/2014/main" id="{DEADA9D2-0F78-8084-E0CC-4C58000417B0}"/>
-              </a:ext>
-            </a:extLst>
-          </p:cNvPr>
-          <p:cNvPicPr>
-            <a:picLocks noChangeAspect="1"/>
-          </p:cNvPicPr>
-          <p:nvPr/>
-        </p:nvPicPr>
-        <p:blipFill>
-          <a:blip r:embed="rId3"/>
-          <a:stretch>
-            <a:fillRect/>
-          </a:stretch>
-        </p:blipFill>
-        <p:spPr>
-          <a:xfrm>
-            <a:off x="38160" y="3536523"/>
-            <a:ext cx="3816086" cy="2301439"/>
-          </a:xfrm>
-          <a:prstGeom prst="rect">
-            <a:avLst/>
-          </a:prstGeom>
-        </p:spPr>
-      </p:pic>
-    </p:spTree>
-    <p:extLst>
-      <p:ext uri="{BB962C8B-B14F-4D97-AF65-F5344CB8AC3E}">
-        <p14:creationId xmlns:p14="http://schemas.microsoft.com/office/powerpoint/2010/main" val="1765874273"/>
-      </p:ext>
-    </p:extLst>
-  </p:cSld>
-  <p:clrMapOvr>
-    <a:masterClrMapping/>
-  </p:clrMapOvr>
-</p:sld>
-</file>
-
-<file path=ppt/slides/slide25.xml><?xml version="1.0" encoding="utf-8"?>
-<p:sld xmlns:a="http://schemas.openxmlformats.org/drawingml/2006/main" xmlns:r="http://schemas.openxmlformats.org/officeDocument/2006/relationships" xmlns:p="http://schemas.openxmlformats.org/presentationml/2006/main">
-  <p:cSld>
-    <p:spTree>
-      <p:nvGrpSpPr>
-        <p:cNvPr id="1" name=""/>
-        <p:cNvGrpSpPr/>
-        <p:nvPr/>
-      </p:nvGrpSpPr>
-      <p:grpSpPr>
-        <a:xfrm>
-          <a:off x="0" y="0"/>
-          <a:ext cx="0" cy="0"/>
-          <a:chOff x="0" y="0"/>
-          <a:chExt cx="0" cy="0"/>
-        </a:xfrm>
-      </p:grpSpPr>
-      <p:sp>
-        <p:nvSpPr>
-          <p:cNvPr id="4" name="TextBox 3">
-            <a:extLst>
-              <a:ext uri="{FF2B5EF4-FFF2-40B4-BE49-F238E27FC236}">
-                <a16:creationId xmlns:a16="http://schemas.microsoft.com/office/drawing/2014/main" id="{BA748425-9700-05FC-0089-A83A38FA5ECD}"/>
-              </a:ext>
-            </a:extLst>
-          </p:cNvPr>
-          <p:cNvSpPr txBox="1"/>
-          <p:nvPr/>
-        </p:nvSpPr>
-        <p:spPr>
-          <a:xfrm>
-            <a:off x="285135" y="389161"/>
-            <a:ext cx="11906865" cy="5816977"/>
-          </a:xfrm>
-          <a:prstGeom prst="rect">
-            <a:avLst/>
-          </a:prstGeom>
-          <a:noFill/>
-        </p:spPr>
-        <p:txBody>
-          <a:bodyPr wrap="square">
-            <a:spAutoFit/>
-          </a:bodyPr>
-          <a:lstStyle/>
-          <a:p>
-            <a:r>
-              <a:rPr lang="en-US" sz="3600" b="1" u="sng" dirty="0"/>
-              <a:t>CSS Border Style</a:t>
-            </a:r>
-          </a:p>
-          <a:p>
-            <a:r>
-              <a:rPr lang="en-US" sz="2400" dirty="0"/>
-              <a:t>The border-style property specifies what kind of border to display.</a:t>
-            </a:r>
-          </a:p>
-          <a:p>
-            <a:endParaRPr lang="en-US" sz="2400" dirty="0"/>
-          </a:p>
-          <a:p>
-            <a:r>
-              <a:rPr lang="en-US" sz="2400" dirty="0"/>
-              <a:t>The following values are allowed:</a:t>
-            </a:r>
-          </a:p>
-          <a:p>
-            <a:endParaRPr lang="en-US" sz="2400" dirty="0"/>
-          </a:p>
-          <a:p>
-            <a:pPr marL="285750" indent="-285750">
-              <a:buFont typeface="Arial" panose="020B0604020202020204" pitchFamily="34" charset="0"/>
-              <a:buChar char="•"/>
-            </a:pPr>
-            <a:r>
-              <a:rPr lang="en-US" sz="2400" dirty="0"/>
-              <a:t>dotted - Defines a dotted border</a:t>
-            </a:r>
-          </a:p>
-          <a:p>
-            <a:pPr marL="285750" indent="-285750">
-              <a:buFont typeface="Arial" panose="020B0604020202020204" pitchFamily="34" charset="0"/>
-              <a:buChar char="•"/>
-            </a:pPr>
-            <a:r>
-              <a:rPr lang="en-US" sz="2400" dirty="0"/>
-              <a:t>dashed - Defines a dashed border</a:t>
-            </a:r>
-          </a:p>
-          <a:p>
-            <a:pPr marL="285750" indent="-285750">
-              <a:buFont typeface="Arial" panose="020B0604020202020204" pitchFamily="34" charset="0"/>
-              <a:buChar char="•"/>
-            </a:pPr>
-            <a:r>
-              <a:rPr lang="en-US" sz="2400" dirty="0"/>
-              <a:t>solid - Defines a solid border</a:t>
-            </a:r>
-          </a:p>
-          <a:p>
-            <a:pPr marL="285750" indent="-285750">
-              <a:buFont typeface="Arial" panose="020B0604020202020204" pitchFamily="34" charset="0"/>
-              <a:buChar char="•"/>
-            </a:pPr>
-            <a:r>
-              <a:rPr lang="en-US" sz="2400" dirty="0"/>
-              <a:t>double - Defines a double border</a:t>
-            </a:r>
-          </a:p>
-          <a:p>
-            <a:pPr marL="285750" indent="-285750">
-              <a:buFont typeface="Arial" panose="020B0604020202020204" pitchFamily="34" charset="0"/>
-              <a:buChar char="•"/>
-            </a:pPr>
-            <a:r>
-              <a:rPr lang="en-US" sz="2400" dirty="0"/>
-              <a:t>groove - Defines a 3D grooved border. The effect depends on the border-color value</a:t>
-            </a:r>
-          </a:p>
-          <a:p>
-            <a:pPr marL="285750" indent="-285750">
-              <a:buFont typeface="Arial" panose="020B0604020202020204" pitchFamily="34" charset="0"/>
-              <a:buChar char="•"/>
-            </a:pPr>
-            <a:r>
-              <a:rPr lang="en-US" sz="2400" dirty="0"/>
-              <a:t>ridge - Defines a 3D ridged border. The effect depends on the border-color value</a:t>
-            </a:r>
-          </a:p>
-          <a:p>
-            <a:pPr marL="285750" indent="-285750">
-              <a:buFont typeface="Arial" panose="020B0604020202020204" pitchFamily="34" charset="0"/>
-              <a:buChar char="•"/>
-            </a:pPr>
-            <a:r>
-              <a:rPr lang="en-US" sz="2400" dirty="0"/>
-              <a:t>inset - Defines a 3D inset border. The effect depends on the border-color value</a:t>
-            </a:r>
-          </a:p>
-          <a:p>
-            <a:pPr marL="285750" indent="-285750">
-              <a:buFont typeface="Arial" panose="020B0604020202020204" pitchFamily="34" charset="0"/>
-              <a:buChar char="•"/>
-            </a:pPr>
-            <a:r>
-              <a:rPr lang="en-US" sz="2400" dirty="0"/>
-              <a:t>outset - Defines a 3D outset border. The effect depends on the border-color value</a:t>
-            </a:r>
-          </a:p>
-          <a:p>
-            <a:pPr marL="285750" indent="-285750">
-              <a:buFont typeface="Arial" panose="020B0604020202020204" pitchFamily="34" charset="0"/>
-              <a:buChar char="•"/>
-            </a:pPr>
-            <a:r>
-              <a:rPr lang="en-US" sz="2400" dirty="0"/>
-              <a:t>none - Defines no border</a:t>
-            </a:r>
-          </a:p>
-          <a:p>
-            <a:pPr marL="285750" indent="-285750">
-              <a:buFont typeface="Arial" panose="020B0604020202020204" pitchFamily="34" charset="0"/>
-              <a:buChar char="•"/>
-            </a:pPr>
-            <a:r>
-              <a:rPr lang="en-US" sz="2400" dirty="0"/>
-              <a:t>hidden - Defines a hidden border</a:t>
-            </a:r>
-            <a:endParaRPr lang="en-IN" sz="2400" dirty="0"/>
-          </a:p>
-        </p:txBody>
-      </p:sp>
-    </p:spTree>
-    <p:extLst>
-      <p:ext uri="{BB962C8B-B14F-4D97-AF65-F5344CB8AC3E}">
-        <p14:creationId xmlns:p14="http://schemas.microsoft.com/office/powerpoint/2010/main" val="4081865833"/>
-      </p:ext>
-    </p:extLst>
-  </p:cSld>
-  <p:clrMapOvr>
-    <a:masterClrMapping/>
-  </p:clrMapOvr>
-</p:sld>
-</file>
-
-<file path=ppt/slides/slide26.xml><?xml version="1.0" encoding="utf-8"?>
+<file path=ppt/slides/slide8.xml><?xml version="1.0" encoding="utf-8"?>
 <p:sld xmlns:a="http://schemas.openxmlformats.org/drawingml/2006/main" xmlns:r="http://schemas.openxmlformats.org/officeDocument/2006/relationships" xmlns:p="http://schemas.openxmlformats.org/presentationml/2006/main">
   <p:cSld>
     <p:spTree>
@@ -8653,7 +10993,7 @@
           <p:cNvPr id="3" name="Picture 2">
             <a:extLst>
               <a:ext uri="{FF2B5EF4-FFF2-40B4-BE49-F238E27FC236}">
-                <a16:creationId xmlns:a16="http://schemas.microsoft.com/office/drawing/2014/main" id="{5DACF945-7BA5-E0E7-EFA7-67307F0BC231}"/>
+                <a16:creationId xmlns:a16="http://schemas.microsoft.com/office/drawing/2014/main" id="{4A650F5E-2416-1727-324D-E37F242EBA2A}"/>
               </a:ext>
             </a:extLst>
           </p:cNvPr>
@@ -8670,8 +11010,8 @@
         </p:blipFill>
         <p:spPr>
           <a:xfrm>
-            <a:off x="481781" y="344130"/>
-            <a:ext cx="10844980" cy="5546344"/>
+            <a:off x="1081548" y="599769"/>
+            <a:ext cx="8249265" cy="5171766"/>
           </a:xfrm>
           <a:prstGeom prst="rect">
             <a:avLst/>
@@ -8681,1655 +11021,7 @@
     </p:spTree>
     <p:extLst>
       <p:ext uri="{BB962C8B-B14F-4D97-AF65-F5344CB8AC3E}">
-        <p14:creationId xmlns:p14="http://schemas.microsoft.com/office/powerpoint/2010/main" val="2395742434"/>
-      </p:ext>
-    </p:extLst>
-  </p:cSld>
-  <p:clrMapOvr>
-    <a:masterClrMapping/>
-  </p:clrMapOvr>
-</p:sld>
-</file>
-
-<file path=ppt/slides/slide27.xml><?xml version="1.0" encoding="utf-8"?>
-<p:sld xmlns:a="http://schemas.openxmlformats.org/drawingml/2006/main" xmlns:r="http://schemas.openxmlformats.org/officeDocument/2006/relationships" xmlns:p="http://schemas.openxmlformats.org/presentationml/2006/main">
-  <p:cSld>
-    <p:spTree>
-      <p:nvGrpSpPr>
-        <p:cNvPr id="1" name=""/>
-        <p:cNvGrpSpPr/>
-        <p:nvPr/>
-      </p:nvGrpSpPr>
-      <p:grpSpPr>
-        <a:xfrm>
-          <a:off x="0" y="0"/>
-          <a:ext cx="0" cy="0"/>
-          <a:chOff x="0" y="0"/>
-          <a:chExt cx="0" cy="0"/>
-        </a:xfrm>
-      </p:grpSpPr>
-      <p:sp>
-        <p:nvSpPr>
-          <p:cNvPr id="3" name="TextBox 2">
-            <a:extLst>
-              <a:ext uri="{FF2B5EF4-FFF2-40B4-BE49-F238E27FC236}">
-                <a16:creationId xmlns:a16="http://schemas.microsoft.com/office/drawing/2014/main" id="{CE324B8A-96D9-399B-CB7E-14A4EB68C9F4}"/>
-              </a:ext>
-            </a:extLst>
-          </p:cNvPr>
-          <p:cNvSpPr txBox="1"/>
-          <p:nvPr/>
-        </p:nvSpPr>
-        <p:spPr>
-          <a:xfrm>
-            <a:off x="530941" y="489521"/>
-            <a:ext cx="11071123" cy="2400657"/>
-          </a:xfrm>
-          <a:prstGeom prst="rect">
-            <a:avLst/>
-          </a:prstGeom>
-          <a:noFill/>
-        </p:spPr>
-        <p:txBody>
-          <a:bodyPr wrap="square">
-            <a:spAutoFit/>
-          </a:bodyPr>
-          <a:lstStyle/>
-          <a:p>
-            <a:r>
-              <a:rPr lang="en-US" sz="2800" b="1" u="sng" dirty="0"/>
-              <a:t>CSS Height, Width and Max-width</a:t>
-            </a:r>
-          </a:p>
-          <a:p>
-            <a:pPr marL="457200" indent="-457200">
-              <a:buFont typeface="Arial" panose="020B0604020202020204" pitchFamily="34" charset="0"/>
-              <a:buChar char="•"/>
-            </a:pPr>
-            <a:r>
-              <a:rPr lang="en-US" sz="2800" dirty="0"/>
-              <a:t>The CSS height and width properties are used to set the height and width of an element.</a:t>
-            </a:r>
-          </a:p>
-          <a:p>
-            <a:pPr marL="457200" indent="-457200">
-              <a:buFont typeface="Arial" panose="020B0604020202020204" pitchFamily="34" charset="0"/>
-              <a:buChar char="•"/>
-            </a:pPr>
-            <a:endParaRPr lang="en-US" sz="1000" dirty="0"/>
-          </a:p>
-          <a:p>
-            <a:pPr marL="457200" indent="-457200">
-              <a:buFont typeface="Arial" panose="020B0604020202020204" pitchFamily="34" charset="0"/>
-              <a:buChar char="•"/>
-            </a:pPr>
-            <a:r>
-              <a:rPr lang="en-US" sz="2800" dirty="0"/>
-              <a:t>The CSS max-width property is used to set the maximum width of an element.</a:t>
-            </a:r>
-            <a:endParaRPr lang="en-IN" sz="2800" dirty="0"/>
-          </a:p>
-        </p:txBody>
-      </p:sp>
-      <p:sp>
-        <p:nvSpPr>
-          <p:cNvPr id="5" name="TextBox 4">
-            <a:extLst>
-              <a:ext uri="{FF2B5EF4-FFF2-40B4-BE49-F238E27FC236}">
-                <a16:creationId xmlns:a16="http://schemas.microsoft.com/office/drawing/2014/main" id="{030DF960-E129-8DAB-6BCA-E94193812316}"/>
-              </a:ext>
-            </a:extLst>
-          </p:cNvPr>
-          <p:cNvSpPr txBox="1"/>
-          <p:nvPr/>
-        </p:nvSpPr>
-        <p:spPr>
-          <a:xfrm>
-            <a:off x="530941" y="3258825"/>
-            <a:ext cx="10540180" cy="3046988"/>
-          </a:xfrm>
-          <a:prstGeom prst="rect">
-            <a:avLst/>
-          </a:prstGeom>
-          <a:noFill/>
-        </p:spPr>
-        <p:txBody>
-          <a:bodyPr wrap="square">
-            <a:spAutoFit/>
-          </a:bodyPr>
-          <a:lstStyle/>
-          <a:p>
-            <a:r>
-              <a:rPr lang="en-US" sz="2400" b="1" u="sng" dirty="0"/>
-              <a:t>CSS height and width Values</a:t>
-            </a:r>
-          </a:p>
-          <a:p>
-            <a:r>
-              <a:rPr lang="en-US" sz="2400" dirty="0"/>
-              <a:t>The height and width properties may have the following values:</a:t>
-            </a:r>
-          </a:p>
-          <a:p>
-            <a:endParaRPr lang="en-US" sz="2400" dirty="0"/>
-          </a:p>
-          <a:p>
-            <a:pPr marL="342900" indent="-342900">
-              <a:buFont typeface="Arial" panose="020B0604020202020204" pitchFamily="34" charset="0"/>
-              <a:buChar char="•"/>
-            </a:pPr>
-            <a:r>
-              <a:rPr lang="en-US" sz="2400" b="1" dirty="0"/>
-              <a:t>auto</a:t>
-            </a:r>
-            <a:r>
-              <a:rPr lang="en-US" sz="2400" dirty="0"/>
-              <a:t> - This is default. The browser calculates the height and width</a:t>
-            </a:r>
-          </a:p>
-          <a:p>
-            <a:pPr marL="342900" indent="-342900">
-              <a:buFont typeface="Arial" panose="020B0604020202020204" pitchFamily="34" charset="0"/>
-              <a:buChar char="•"/>
-            </a:pPr>
-            <a:r>
-              <a:rPr lang="en-US" sz="2400" b="1" dirty="0"/>
-              <a:t>length</a:t>
-            </a:r>
-            <a:r>
-              <a:rPr lang="en-US" sz="2400" dirty="0"/>
-              <a:t> - Defines the height/width in </a:t>
-            </a:r>
-            <a:r>
-              <a:rPr lang="en-US" sz="2400" dirty="0" err="1"/>
-              <a:t>px</a:t>
-            </a:r>
-            <a:r>
-              <a:rPr lang="en-US" sz="2400" dirty="0"/>
-              <a:t>, cm, etc.</a:t>
-            </a:r>
-          </a:p>
-          <a:p>
-            <a:pPr marL="342900" indent="-342900">
-              <a:buFont typeface="Arial" panose="020B0604020202020204" pitchFamily="34" charset="0"/>
-              <a:buChar char="•"/>
-            </a:pPr>
-            <a:r>
-              <a:rPr lang="en-US" sz="2400" b="1" dirty="0"/>
-              <a:t>%</a:t>
-            </a:r>
-            <a:r>
-              <a:rPr lang="en-US" sz="2400" dirty="0"/>
-              <a:t> - Defines the height/width in percent of the containing block</a:t>
-            </a:r>
-          </a:p>
-          <a:p>
-            <a:pPr marL="342900" indent="-342900">
-              <a:buFont typeface="Arial" panose="020B0604020202020204" pitchFamily="34" charset="0"/>
-              <a:buChar char="•"/>
-            </a:pPr>
-            <a:r>
-              <a:rPr lang="en-US" sz="2400" b="1" dirty="0"/>
-              <a:t>initial</a:t>
-            </a:r>
-            <a:r>
-              <a:rPr lang="en-US" sz="2400" dirty="0"/>
-              <a:t> - Sets the height/width to its default value</a:t>
-            </a:r>
-          </a:p>
-          <a:p>
-            <a:pPr marL="342900" indent="-342900">
-              <a:buFont typeface="Arial" panose="020B0604020202020204" pitchFamily="34" charset="0"/>
-              <a:buChar char="•"/>
-            </a:pPr>
-            <a:r>
-              <a:rPr lang="en-US" sz="2400" b="1" dirty="0"/>
-              <a:t>inherit </a:t>
-            </a:r>
-            <a:r>
-              <a:rPr lang="en-US" sz="2400" dirty="0"/>
-              <a:t>- The height/width will be inherited from its parent value</a:t>
-            </a:r>
-            <a:endParaRPr lang="en-IN" sz="2400" dirty="0"/>
-          </a:p>
-        </p:txBody>
-      </p:sp>
-    </p:spTree>
-    <p:extLst>
-      <p:ext uri="{BB962C8B-B14F-4D97-AF65-F5344CB8AC3E}">
-        <p14:creationId xmlns:p14="http://schemas.microsoft.com/office/powerpoint/2010/main" val="3372407484"/>
-      </p:ext>
-    </p:extLst>
-  </p:cSld>
-  <p:clrMapOvr>
-    <a:masterClrMapping/>
-  </p:clrMapOvr>
-</p:sld>
-</file>
-
-<file path=ppt/slides/slide28.xml><?xml version="1.0" encoding="utf-8"?>
-<p:sld xmlns:a="http://schemas.openxmlformats.org/drawingml/2006/main" xmlns:r="http://schemas.openxmlformats.org/officeDocument/2006/relationships" xmlns:p="http://schemas.openxmlformats.org/presentationml/2006/main">
-  <p:cSld>
-    <p:spTree>
-      <p:nvGrpSpPr>
-        <p:cNvPr id="1" name=""/>
-        <p:cNvGrpSpPr/>
-        <p:nvPr/>
-      </p:nvGrpSpPr>
-      <p:grpSpPr>
-        <a:xfrm>
-          <a:off x="0" y="0"/>
-          <a:ext cx="0" cy="0"/>
-          <a:chOff x="0" y="0"/>
-          <a:chExt cx="0" cy="0"/>
-        </a:xfrm>
-      </p:grpSpPr>
-      <p:pic>
-        <p:nvPicPr>
-          <p:cNvPr id="3" name="Picture 2">
-            <a:extLst>
-              <a:ext uri="{FF2B5EF4-FFF2-40B4-BE49-F238E27FC236}">
-                <a16:creationId xmlns:a16="http://schemas.microsoft.com/office/drawing/2014/main" id="{ACF6AA08-E8B8-CE07-B879-18DEE57B6427}"/>
-              </a:ext>
-            </a:extLst>
-          </p:cNvPr>
-          <p:cNvPicPr>
-            <a:picLocks noChangeAspect="1"/>
-          </p:cNvPicPr>
-          <p:nvPr/>
-        </p:nvPicPr>
-        <p:blipFill>
-          <a:blip r:embed="rId2"/>
-          <a:stretch>
-            <a:fillRect/>
-          </a:stretch>
-        </p:blipFill>
-        <p:spPr>
-          <a:xfrm>
-            <a:off x="255376" y="294968"/>
-            <a:ext cx="9429398" cy="5830529"/>
-          </a:xfrm>
-          <a:prstGeom prst="rect">
-            <a:avLst/>
-          </a:prstGeom>
-        </p:spPr>
-      </p:pic>
-      <p:pic>
-        <p:nvPicPr>
-          <p:cNvPr id="5" name="Picture 4">
-            <a:extLst>
-              <a:ext uri="{FF2B5EF4-FFF2-40B4-BE49-F238E27FC236}">
-                <a16:creationId xmlns:a16="http://schemas.microsoft.com/office/drawing/2014/main" id="{E89F10AE-168B-777B-B9EE-65C60B779BD9}"/>
-              </a:ext>
-            </a:extLst>
-          </p:cNvPr>
-          <p:cNvPicPr>
-            <a:picLocks noChangeAspect="1"/>
-          </p:cNvPicPr>
-          <p:nvPr/>
-        </p:nvPicPr>
-        <p:blipFill>
-          <a:blip r:embed="rId3"/>
-          <a:stretch>
-            <a:fillRect/>
-          </a:stretch>
-        </p:blipFill>
-        <p:spPr>
-          <a:xfrm>
-            <a:off x="7051781" y="403970"/>
-            <a:ext cx="4884843" cy="3139712"/>
-          </a:xfrm>
-          <a:prstGeom prst="rect">
-            <a:avLst/>
-          </a:prstGeom>
-        </p:spPr>
-      </p:pic>
-    </p:spTree>
-    <p:extLst>
-      <p:ext uri="{BB962C8B-B14F-4D97-AF65-F5344CB8AC3E}">
-        <p14:creationId xmlns:p14="http://schemas.microsoft.com/office/powerpoint/2010/main" val="1729845977"/>
-      </p:ext>
-    </p:extLst>
-  </p:cSld>
-  <p:clrMapOvr>
-    <a:masterClrMapping/>
-  </p:clrMapOvr>
-</p:sld>
-</file>
-
-<file path=ppt/slides/slide29.xml><?xml version="1.0" encoding="utf-8"?>
-<p:sld xmlns:a="http://schemas.openxmlformats.org/drawingml/2006/main" xmlns:r="http://schemas.openxmlformats.org/officeDocument/2006/relationships" xmlns:p="http://schemas.openxmlformats.org/presentationml/2006/main">
-  <p:cSld>
-    <p:spTree>
-      <p:nvGrpSpPr>
-        <p:cNvPr id="1" name=""/>
-        <p:cNvGrpSpPr/>
-        <p:nvPr/>
-      </p:nvGrpSpPr>
-      <p:grpSpPr>
-        <a:xfrm>
-          <a:off x="0" y="0"/>
-          <a:ext cx="0" cy="0"/>
-          <a:chOff x="0" y="0"/>
-          <a:chExt cx="0" cy="0"/>
-        </a:xfrm>
-      </p:grpSpPr>
-    </p:spTree>
-    <p:extLst>
-      <p:ext uri="{BB962C8B-B14F-4D97-AF65-F5344CB8AC3E}">
-        <p14:creationId xmlns:p14="http://schemas.microsoft.com/office/powerpoint/2010/main" val="2299467601"/>
-      </p:ext>
-    </p:extLst>
-  </p:cSld>
-  <p:clrMapOvr>
-    <a:masterClrMapping/>
-  </p:clrMapOvr>
-</p:sld>
-</file>
-
-<file path=ppt/slides/slide3.xml><?xml version="1.0" encoding="utf-8"?>
-<p:sld xmlns:a="http://schemas.openxmlformats.org/drawingml/2006/main" xmlns:r="http://schemas.openxmlformats.org/officeDocument/2006/relationships" xmlns:p="http://schemas.openxmlformats.org/presentationml/2006/main">
-  <p:cSld>
-    <p:spTree>
-      <p:nvGrpSpPr>
-        <p:cNvPr id="1" name=""/>
-        <p:cNvGrpSpPr/>
-        <p:nvPr/>
-      </p:nvGrpSpPr>
-      <p:grpSpPr>
-        <a:xfrm>
-          <a:off x="0" y="0"/>
-          <a:ext cx="0" cy="0"/>
-          <a:chOff x="0" y="0"/>
-          <a:chExt cx="0" cy="0"/>
-        </a:xfrm>
-      </p:grpSpPr>
-      <p:pic>
-        <p:nvPicPr>
-          <p:cNvPr id="3" name="Picture 2">
-            <a:extLst>
-              <a:ext uri="{FF2B5EF4-FFF2-40B4-BE49-F238E27FC236}">
-                <a16:creationId xmlns:a16="http://schemas.microsoft.com/office/drawing/2014/main" id="{57F5F868-FCBA-13EC-0734-E1E267FDE2F9}"/>
-              </a:ext>
-            </a:extLst>
-          </p:cNvPr>
-          <p:cNvPicPr>
-            <a:picLocks noChangeAspect="1"/>
-          </p:cNvPicPr>
-          <p:nvPr/>
-        </p:nvPicPr>
-        <p:blipFill>
-          <a:blip r:embed="rId2"/>
-          <a:stretch>
-            <a:fillRect/>
-          </a:stretch>
-        </p:blipFill>
-        <p:spPr>
-          <a:xfrm>
-            <a:off x="1120878" y="747252"/>
-            <a:ext cx="10038736" cy="4705033"/>
-          </a:xfrm>
-          <a:prstGeom prst="rect">
-            <a:avLst/>
-          </a:prstGeom>
-        </p:spPr>
-      </p:pic>
-    </p:spTree>
-    <p:extLst>
-      <p:ext uri="{BB962C8B-B14F-4D97-AF65-F5344CB8AC3E}">
-        <p14:creationId xmlns:p14="http://schemas.microsoft.com/office/powerpoint/2010/main" val="767784465"/>
-      </p:ext>
-    </p:extLst>
-  </p:cSld>
-  <p:clrMapOvr>
-    <a:masterClrMapping/>
-  </p:clrMapOvr>
-</p:sld>
-</file>
-
-<file path=ppt/slides/slide4.xml><?xml version="1.0" encoding="utf-8"?>
-<p:sld xmlns:a="http://schemas.openxmlformats.org/drawingml/2006/main" xmlns:r="http://schemas.openxmlformats.org/officeDocument/2006/relationships" xmlns:p="http://schemas.openxmlformats.org/presentationml/2006/main">
-  <p:cSld>
-    <p:spTree>
-      <p:nvGrpSpPr>
-        <p:cNvPr id="1" name=""/>
-        <p:cNvGrpSpPr/>
-        <p:nvPr/>
-      </p:nvGrpSpPr>
-      <p:grpSpPr>
-        <a:xfrm>
-          <a:off x="0" y="0"/>
-          <a:ext cx="0" cy="0"/>
-          <a:chOff x="0" y="0"/>
-          <a:chExt cx="0" cy="0"/>
-        </a:xfrm>
-      </p:grpSpPr>
-      <p:sp>
-        <p:nvSpPr>
-          <p:cNvPr id="4" name="TextBox 3">
-            <a:extLst>
-              <a:ext uri="{FF2B5EF4-FFF2-40B4-BE49-F238E27FC236}">
-                <a16:creationId xmlns:a16="http://schemas.microsoft.com/office/drawing/2014/main" id="{CDB5553A-255D-69A2-F154-A9EC5ECEE6A2}"/>
-              </a:ext>
-            </a:extLst>
-          </p:cNvPr>
-          <p:cNvSpPr txBox="1"/>
-          <p:nvPr/>
-        </p:nvSpPr>
-        <p:spPr>
-          <a:xfrm>
-            <a:off x="442450" y="344580"/>
-            <a:ext cx="11228440" cy="4570482"/>
-          </a:xfrm>
-          <a:prstGeom prst="rect">
-            <a:avLst/>
-          </a:prstGeom>
-          <a:noFill/>
-        </p:spPr>
-        <p:txBody>
-          <a:bodyPr wrap="square">
-            <a:spAutoFit/>
-          </a:bodyPr>
-          <a:lstStyle/>
-          <a:p>
-            <a:r>
-              <a:rPr lang="en-US" sz="2800" b="1" dirty="0"/>
-              <a:t>FORM</a:t>
-            </a:r>
-          </a:p>
-          <a:p>
-            <a:endParaRPr lang="en-US" sz="1100" b="1" dirty="0"/>
-          </a:p>
-          <a:p>
-            <a:r>
-              <a:rPr lang="en-US" sz="2800" dirty="0"/>
-              <a:t>The &lt;form&gt; element is a container for different types of input elements, such as: text fields, checkboxes, radio buttons, submit buttons, etc.</a:t>
-            </a:r>
-          </a:p>
-          <a:p>
-            <a:endParaRPr lang="en-US" sz="2800" dirty="0"/>
-          </a:p>
-          <a:p>
-            <a:endParaRPr lang="en-US" sz="2800" dirty="0"/>
-          </a:p>
-          <a:p>
-            <a:r>
-              <a:rPr lang="en-US" sz="2800" dirty="0"/>
-              <a:t>Form syntax:</a:t>
-            </a:r>
-          </a:p>
-          <a:p>
-            <a:r>
-              <a:rPr lang="en-US" sz="2800" dirty="0"/>
-              <a:t>&lt;form action=“url.html” method=“post/get”&gt;</a:t>
-            </a:r>
-          </a:p>
-          <a:p>
-            <a:r>
-              <a:rPr lang="en-US" sz="2800" dirty="0"/>
-              <a:t>:</a:t>
-            </a:r>
-          </a:p>
-          <a:p>
-            <a:r>
-              <a:rPr lang="en-US" sz="2800" dirty="0"/>
-              <a:t>:&lt;/form&gt;</a:t>
-            </a:r>
-          </a:p>
-          <a:p>
-            <a:endParaRPr lang="en-IN" sz="2800" dirty="0"/>
-          </a:p>
-        </p:txBody>
-      </p:sp>
-    </p:spTree>
-    <p:extLst>
-      <p:ext uri="{BB962C8B-B14F-4D97-AF65-F5344CB8AC3E}">
-        <p14:creationId xmlns:p14="http://schemas.microsoft.com/office/powerpoint/2010/main" val="1928858687"/>
-      </p:ext>
-    </p:extLst>
-  </p:cSld>
-  <p:clrMapOvr>
-    <a:masterClrMapping/>
-  </p:clrMapOvr>
-</p:sld>
-</file>
-
-<file path=ppt/slides/slide5.xml><?xml version="1.0" encoding="utf-8"?>
-<p:sld xmlns:a="http://schemas.openxmlformats.org/drawingml/2006/main" xmlns:r="http://schemas.openxmlformats.org/officeDocument/2006/relationships" xmlns:p="http://schemas.openxmlformats.org/presentationml/2006/main">
-  <p:cSld>
-    <p:spTree>
-      <p:nvGrpSpPr>
-        <p:cNvPr id="1" name=""/>
-        <p:cNvGrpSpPr/>
-        <p:nvPr/>
-      </p:nvGrpSpPr>
-      <p:grpSpPr>
-        <a:xfrm>
-          <a:off x="0" y="0"/>
-          <a:ext cx="0" cy="0"/>
-          <a:chOff x="0" y="0"/>
-          <a:chExt cx="0" cy="0"/>
-        </a:xfrm>
-      </p:grpSpPr>
-      <p:sp>
-        <p:nvSpPr>
-          <p:cNvPr id="3" name="TextBox 2">
-            <a:extLst>
-              <a:ext uri="{FF2B5EF4-FFF2-40B4-BE49-F238E27FC236}">
-                <a16:creationId xmlns:a16="http://schemas.microsoft.com/office/drawing/2014/main" id="{0838F52D-7E6B-5791-0B9B-5B2FA1EFBE6D}"/>
-              </a:ext>
-            </a:extLst>
-          </p:cNvPr>
-          <p:cNvSpPr txBox="1"/>
-          <p:nvPr/>
-        </p:nvSpPr>
-        <p:spPr>
-          <a:xfrm>
-            <a:off x="737418" y="582067"/>
-            <a:ext cx="10776155" cy="5262979"/>
-          </a:xfrm>
-          <a:prstGeom prst="rect">
-            <a:avLst/>
-          </a:prstGeom>
-          <a:noFill/>
-        </p:spPr>
-        <p:txBody>
-          <a:bodyPr wrap="square">
-            <a:spAutoFit/>
-          </a:bodyPr>
-          <a:lstStyle/>
-          <a:p>
-            <a:r>
-              <a:rPr lang="en-IN" sz="2800" dirty="0"/>
-              <a:t>&lt;html&gt;</a:t>
-            </a:r>
-          </a:p>
-          <a:p>
-            <a:r>
-              <a:rPr lang="en-IN" sz="2800" dirty="0"/>
-              <a:t>&lt;head&gt;</a:t>
-            </a:r>
-          </a:p>
-          <a:p>
-            <a:r>
-              <a:rPr lang="en-IN" sz="2800" dirty="0"/>
-              <a:t>&lt;title&gt;&lt;/title&gt;</a:t>
-            </a:r>
-          </a:p>
-          <a:p>
-            <a:r>
-              <a:rPr lang="en-IN" sz="2800" dirty="0"/>
-              <a:t>&lt;/head&gt;</a:t>
-            </a:r>
-          </a:p>
-          <a:p>
-            <a:r>
-              <a:rPr lang="en-IN" sz="2800" dirty="0"/>
-              <a:t>&lt;body&gt;</a:t>
-            </a:r>
-          </a:p>
-          <a:p>
-            <a:r>
-              <a:rPr lang="en-IN" sz="2800" dirty="0"/>
-              <a:t>&lt;form&gt;</a:t>
-            </a:r>
-          </a:p>
-          <a:p>
-            <a:r>
-              <a:rPr lang="en-IN" sz="2800" b="0" i="0" dirty="0">
-                <a:solidFill>
-                  <a:srgbClr val="0000CD"/>
-                </a:solidFill>
-                <a:effectLst/>
-                <a:latin typeface="Consolas" panose="020B0609020204030204" pitchFamily="49" charset="0"/>
-              </a:rPr>
-              <a:t>&lt;</a:t>
-            </a:r>
-            <a:r>
-              <a:rPr lang="en-IN" sz="2800" b="0" i="0" dirty="0">
-                <a:solidFill>
-                  <a:srgbClr val="A52A2A"/>
-                </a:solidFill>
-                <a:effectLst/>
-                <a:latin typeface="Consolas" panose="020B0609020204030204" pitchFamily="49" charset="0"/>
-              </a:rPr>
-              <a:t>input</a:t>
-            </a:r>
-            <a:r>
-              <a:rPr lang="en-IN" sz="2800" b="0" i="0" dirty="0">
-                <a:solidFill>
-                  <a:srgbClr val="FF0000"/>
-                </a:solidFill>
-                <a:effectLst/>
-                <a:latin typeface="Consolas" panose="020B0609020204030204" pitchFamily="49" charset="0"/>
-              </a:rPr>
-              <a:t> type</a:t>
-            </a:r>
-            <a:r>
-              <a:rPr lang="en-IN" sz="2800" b="0" i="0" dirty="0">
-                <a:solidFill>
-                  <a:srgbClr val="0000CD"/>
-                </a:solidFill>
-                <a:effectLst/>
-                <a:latin typeface="Consolas" panose="020B0609020204030204" pitchFamily="49" charset="0"/>
-              </a:rPr>
-              <a:t>="text"</a:t>
-            </a:r>
-            <a:r>
-              <a:rPr lang="en-IN" sz="2800" b="0" i="0" dirty="0">
-                <a:solidFill>
-                  <a:srgbClr val="FF0000"/>
-                </a:solidFill>
-                <a:effectLst/>
-                <a:latin typeface="Consolas" panose="020B0609020204030204" pitchFamily="49" charset="0"/>
-              </a:rPr>
-              <a:t> id</a:t>
-            </a:r>
-            <a:r>
-              <a:rPr lang="en-IN" sz="2800" b="0" i="0" dirty="0">
-                <a:solidFill>
-                  <a:srgbClr val="0000CD"/>
-                </a:solidFill>
-                <a:effectLst/>
-                <a:latin typeface="Consolas" panose="020B0609020204030204" pitchFamily="49" charset="0"/>
-              </a:rPr>
-              <a:t>="</a:t>
-            </a:r>
-            <a:r>
-              <a:rPr lang="en-IN" sz="2800" b="0" i="0" dirty="0" err="1">
-                <a:solidFill>
-                  <a:srgbClr val="0000CD"/>
-                </a:solidFill>
-                <a:effectLst/>
-                <a:latin typeface="Consolas" panose="020B0609020204030204" pitchFamily="49" charset="0"/>
-              </a:rPr>
-              <a:t>fname</a:t>
-            </a:r>
-            <a:r>
-              <a:rPr lang="en-IN" sz="2800" b="0" i="0" dirty="0">
-                <a:solidFill>
-                  <a:srgbClr val="0000CD"/>
-                </a:solidFill>
-                <a:effectLst/>
-                <a:latin typeface="Consolas" panose="020B0609020204030204" pitchFamily="49" charset="0"/>
-              </a:rPr>
-              <a:t>"</a:t>
-            </a:r>
-            <a:r>
-              <a:rPr lang="en-IN" sz="2800" b="0" i="0" dirty="0">
-                <a:solidFill>
-                  <a:srgbClr val="FF0000"/>
-                </a:solidFill>
-                <a:effectLst/>
-                <a:latin typeface="Consolas" panose="020B0609020204030204" pitchFamily="49" charset="0"/>
-              </a:rPr>
-              <a:t> name</a:t>
-            </a:r>
-            <a:r>
-              <a:rPr lang="en-IN" sz="2800" b="0" i="0" dirty="0">
-                <a:solidFill>
-                  <a:srgbClr val="0000CD"/>
-                </a:solidFill>
-                <a:effectLst/>
-                <a:latin typeface="Consolas" panose="020B0609020204030204" pitchFamily="49" charset="0"/>
-              </a:rPr>
-              <a:t>="</a:t>
-            </a:r>
-            <a:r>
-              <a:rPr lang="en-IN" sz="2800" b="0" i="0" dirty="0" err="1">
-                <a:solidFill>
-                  <a:srgbClr val="0000CD"/>
-                </a:solidFill>
-                <a:effectLst/>
-                <a:latin typeface="Consolas" panose="020B0609020204030204" pitchFamily="49" charset="0"/>
-              </a:rPr>
-              <a:t>fname</a:t>
-            </a:r>
-            <a:r>
-              <a:rPr lang="en-IN" sz="2800" b="0" i="0" dirty="0">
-                <a:solidFill>
-                  <a:srgbClr val="0000CD"/>
-                </a:solidFill>
-                <a:effectLst/>
-                <a:latin typeface="Consolas" panose="020B0609020204030204" pitchFamily="49" charset="0"/>
-              </a:rPr>
-              <a:t>"&gt;First name&lt;</a:t>
-            </a:r>
-            <a:r>
-              <a:rPr lang="en-IN" sz="2800" b="0" i="0" dirty="0" err="1">
-                <a:solidFill>
-                  <a:srgbClr val="A52A2A"/>
-                </a:solidFill>
-                <a:effectLst/>
-                <a:latin typeface="Consolas" panose="020B0609020204030204" pitchFamily="49" charset="0"/>
-              </a:rPr>
-              <a:t>br</a:t>
-            </a:r>
-            <a:r>
-              <a:rPr lang="en-IN" sz="2800" b="0" i="0" dirty="0">
-                <a:solidFill>
-                  <a:srgbClr val="0000CD"/>
-                </a:solidFill>
-                <a:effectLst/>
-                <a:latin typeface="Consolas" panose="020B0609020204030204" pitchFamily="49" charset="0"/>
-              </a:rPr>
-              <a:t>&gt;</a:t>
-            </a:r>
-            <a:br>
-              <a:rPr lang="en-IN" sz="2800" dirty="0"/>
-            </a:br>
-            <a:r>
-              <a:rPr lang="en-IN" sz="2800" b="0" i="0" dirty="0">
-                <a:solidFill>
-                  <a:srgbClr val="000000"/>
-                </a:solidFill>
-                <a:effectLst/>
-                <a:latin typeface="Consolas" panose="020B0609020204030204" pitchFamily="49" charset="0"/>
-              </a:rPr>
-              <a:t> </a:t>
-            </a:r>
-            <a:r>
-              <a:rPr lang="en-IN" sz="2800" b="0" i="0" dirty="0">
-                <a:solidFill>
-                  <a:srgbClr val="0000CD"/>
-                </a:solidFill>
-                <a:effectLst/>
-                <a:latin typeface="Consolas" panose="020B0609020204030204" pitchFamily="49" charset="0"/>
-              </a:rPr>
-              <a:t>&lt;</a:t>
-            </a:r>
-            <a:r>
-              <a:rPr lang="en-IN" sz="2800" b="0" i="0" dirty="0">
-                <a:solidFill>
-                  <a:srgbClr val="A52A2A"/>
-                </a:solidFill>
-                <a:effectLst/>
-                <a:latin typeface="Consolas" panose="020B0609020204030204" pitchFamily="49" charset="0"/>
-              </a:rPr>
-              <a:t>input</a:t>
-            </a:r>
-            <a:r>
-              <a:rPr lang="en-IN" sz="2800" b="0" i="0" dirty="0">
-                <a:solidFill>
-                  <a:srgbClr val="FF0000"/>
-                </a:solidFill>
-                <a:effectLst/>
-                <a:latin typeface="Consolas" panose="020B0609020204030204" pitchFamily="49" charset="0"/>
-              </a:rPr>
-              <a:t> type</a:t>
-            </a:r>
-            <a:r>
-              <a:rPr lang="en-IN" sz="2800" b="0" i="0" dirty="0">
-                <a:solidFill>
-                  <a:srgbClr val="0000CD"/>
-                </a:solidFill>
-                <a:effectLst/>
-                <a:latin typeface="Consolas" panose="020B0609020204030204" pitchFamily="49" charset="0"/>
-              </a:rPr>
-              <a:t>="text"</a:t>
-            </a:r>
-            <a:r>
-              <a:rPr lang="en-IN" sz="2800" b="0" i="0" dirty="0">
-                <a:solidFill>
-                  <a:srgbClr val="FF0000"/>
-                </a:solidFill>
-                <a:effectLst/>
-                <a:latin typeface="Consolas" panose="020B0609020204030204" pitchFamily="49" charset="0"/>
-              </a:rPr>
-              <a:t> id</a:t>
-            </a:r>
-            <a:r>
-              <a:rPr lang="en-IN" sz="2800" b="0" i="0" dirty="0">
-                <a:solidFill>
-                  <a:srgbClr val="0000CD"/>
-                </a:solidFill>
-                <a:effectLst/>
-                <a:latin typeface="Consolas" panose="020B0609020204030204" pitchFamily="49" charset="0"/>
-              </a:rPr>
-              <a:t>="</a:t>
-            </a:r>
-            <a:r>
-              <a:rPr lang="en-IN" sz="2800" b="0" i="0" dirty="0" err="1">
-                <a:solidFill>
-                  <a:srgbClr val="0000CD"/>
-                </a:solidFill>
-                <a:effectLst/>
-                <a:latin typeface="Consolas" panose="020B0609020204030204" pitchFamily="49" charset="0"/>
-              </a:rPr>
-              <a:t>lname</a:t>
-            </a:r>
-            <a:r>
-              <a:rPr lang="en-IN" sz="2800" b="0" i="0" dirty="0">
-                <a:solidFill>
-                  <a:srgbClr val="0000CD"/>
-                </a:solidFill>
-                <a:effectLst/>
-                <a:latin typeface="Consolas" panose="020B0609020204030204" pitchFamily="49" charset="0"/>
-              </a:rPr>
-              <a:t>"</a:t>
-            </a:r>
-            <a:r>
-              <a:rPr lang="en-IN" sz="2800" b="0" i="0" dirty="0">
-                <a:solidFill>
-                  <a:srgbClr val="FF0000"/>
-                </a:solidFill>
-                <a:effectLst/>
-                <a:latin typeface="Consolas" panose="020B0609020204030204" pitchFamily="49" charset="0"/>
-              </a:rPr>
-              <a:t> name</a:t>
-            </a:r>
-            <a:r>
-              <a:rPr lang="en-IN" sz="2800" b="0" i="0" dirty="0">
-                <a:solidFill>
-                  <a:srgbClr val="0000CD"/>
-                </a:solidFill>
-                <a:effectLst/>
-                <a:latin typeface="Consolas" panose="020B0609020204030204" pitchFamily="49" charset="0"/>
-              </a:rPr>
-              <a:t>="</a:t>
-            </a:r>
-            <a:r>
-              <a:rPr lang="en-IN" sz="2800" b="0" i="0" dirty="0" err="1">
-                <a:solidFill>
-                  <a:srgbClr val="0000CD"/>
-                </a:solidFill>
-                <a:effectLst/>
-                <a:latin typeface="Consolas" panose="020B0609020204030204" pitchFamily="49" charset="0"/>
-              </a:rPr>
-              <a:t>lname</a:t>
-            </a:r>
-            <a:r>
-              <a:rPr lang="en-IN" sz="2800" b="0" i="0" dirty="0">
-                <a:solidFill>
-                  <a:srgbClr val="0000CD"/>
-                </a:solidFill>
-                <a:effectLst/>
-                <a:latin typeface="Consolas" panose="020B0609020204030204" pitchFamily="49" charset="0"/>
-              </a:rPr>
-              <a:t>"&gt; Last name </a:t>
-            </a:r>
-            <a:endParaRPr lang="en-IN" sz="2800" dirty="0"/>
-          </a:p>
-          <a:p>
-            <a:r>
-              <a:rPr lang="en-IN" sz="2800" dirty="0"/>
-              <a:t>&lt;/form&gt;</a:t>
-            </a:r>
-          </a:p>
-          <a:p>
-            <a:r>
-              <a:rPr lang="en-IN" sz="2800" dirty="0"/>
-              <a:t>&lt;/body&gt;</a:t>
-            </a:r>
-          </a:p>
-          <a:p>
-            <a:r>
-              <a:rPr lang="en-IN" sz="2800" dirty="0"/>
-              <a:t>&lt;/html&gt;</a:t>
-            </a:r>
-          </a:p>
-        </p:txBody>
-      </p:sp>
-    </p:spTree>
-    <p:extLst>
-      <p:ext uri="{BB962C8B-B14F-4D97-AF65-F5344CB8AC3E}">
-        <p14:creationId xmlns:p14="http://schemas.microsoft.com/office/powerpoint/2010/main" val="2241811312"/>
-      </p:ext>
-    </p:extLst>
-  </p:cSld>
-  <p:clrMapOvr>
-    <a:masterClrMapping/>
-  </p:clrMapOvr>
-</p:sld>
-</file>
-
-<file path=ppt/slides/slide6.xml><?xml version="1.0" encoding="utf-8"?>
-<p:sld xmlns:a="http://schemas.openxmlformats.org/drawingml/2006/main" xmlns:r="http://schemas.openxmlformats.org/officeDocument/2006/relationships" xmlns:p="http://schemas.openxmlformats.org/presentationml/2006/main">
-  <p:cSld>
-    <p:spTree>
-      <p:nvGrpSpPr>
-        <p:cNvPr id="1" name=""/>
-        <p:cNvGrpSpPr/>
-        <p:nvPr/>
-      </p:nvGrpSpPr>
-      <p:grpSpPr>
-        <a:xfrm>
-          <a:off x="0" y="0"/>
-          <a:ext cx="0" cy="0"/>
-          <a:chOff x="0" y="0"/>
-          <a:chExt cx="0" cy="0"/>
-        </a:xfrm>
-      </p:grpSpPr>
-      <p:pic>
-        <p:nvPicPr>
-          <p:cNvPr id="3" name="Picture 2">
-            <a:extLst>
-              <a:ext uri="{FF2B5EF4-FFF2-40B4-BE49-F238E27FC236}">
-                <a16:creationId xmlns:a16="http://schemas.microsoft.com/office/drawing/2014/main" id="{8D0484C6-5BA4-B022-3560-4C6722ADF8ED}"/>
-              </a:ext>
-            </a:extLst>
-          </p:cNvPr>
-          <p:cNvPicPr>
-            <a:picLocks noChangeAspect="1"/>
-          </p:cNvPicPr>
-          <p:nvPr/>
-        </p:nvPicPr>
-        <p:blipFill>
-          <a:blip r:embed="rId2"/>
-          <a:srcRect t="2826" r="2030" b="2052"/>
-          <a:stretch/>
-        </p:blipFill>
-        <p:spPr>
-          <a:xfrm>
-            <a:off x="766916" y="2182761"/>
-            <a:ext cx="5220929" cy="2979174"/>
-          </a:xfrm>
-          <a:prstGeom prst="rect">
-            <a:avLst/>
-          </a:prstGeom>
-        </p:spPr>
-      </p:pic>
-      <p:sp>
-        <p:nvSpPr>
-          <p:cNvPr id="5" name="TextBox 4">
-            <a:extLst>
-              <a:ext uri="{FF2B5EF4-FFF2-40B4-BE49-F238E27FC236}">
-                <a16:creationId xmlns:a16="http://schemas.microsoft.com/office/drawing/2014/main" id="{39B94730-D3FA-D24D-6EC2-9A165CDDDA21}"/>
-              </a:ext>
-            </a:extLst>
-          </p:cNvPr>
-          <p:cNvSpPr txBox="1"/>
-          <p:nvPr/>
-        </p:nvSpPr>
-        <p:spPr>
-          <a:xfrm>
-            <a:off x="1002890" y="668594"/>
-            <a:ext cx="3765903" cy="707886"/>
-          </a:xfrm>
-          <a:prstGeom prst="rect">
-            <a:avLst/>
-          </a:prstGeom>
-          <a:noFill/>
-        </p:spPr>
-        <p:txBody>
-          <a:bodyPr wrap="none" rtlCol="0">
-            <a:spAutoFit/>
-          </a:bodyPr>
-          <a:lstStyle/>
-          <a:p>
-            <a:r>
-              <a:rPr lang="en-IN" sz="4000" b="1" dirty="0"/>
-              <a:t>Example of Form</a:t>
-            </a:r>
-          </a:p>
-        </p:txBody>
-      </p:sp>
-      <p:pic>
-        <p:nvPicPr>
-          <p:cNvPr id="7" name="Picture 6">
-            <a:extLst>
-              <a:ext uri="{FF2B5EF4-FFF2-40B4-BE49-F238E27FC236}">
-                <a16:creationId xmlns:a16="http://schemas.microsoft.com/office/drawing/2014/main" id="{73C24CA4-BE2F-6F59-BE4F-F634E32BA073}"/>
-              </a:ext>
-            </a:extLst>
-          </p:cNvPr>
-          <p:cNvPicPr>
-            <a:picLocks noChangeAspect="1"/>
-          </p:cNvPicPr>
-          <p:nvPr/>
-        </p:nvPicPr>
-        <p:blipFill>
-          <a:blip r:embed="rId3"/>
-          <a:stretch>
-            <a:fillRect/>
-          </a:stretch>
-        </p:blipFill>
-        <p:spPr>
-          <a:xfrm>
-            <a:off x="5034115" y="980767"/>
-            <a:ext cx="6518787" cy="5383161"/>
-          </a:xfrm>
-          <a:prstGeom prst="rect">
-            <a:avLst/>
-          </a:prstGeom>
-        </p:spPr>
-      </p:pic>
-    </p:spTree>
-    <p:extLst>
-      <p:ext uri="{BB962C8B-B14F-4D97-AF65-F5344CB8AC3E}">
-        <p14:creationId xmlns:p14="http://schemas.microsoft.com/office/powerpoint/2010/main" val="4285024592"/>
-      </p:ext>
-    </p:extLst>
-  </p:cSld>
-  <p:clrMapOvr>
-    <a:masterClrMapping/>
-  </p:clrMapOvr>
-</p:sld>
-</file>
-
-<file path=ppt/slides/slide7.xml><?xml version="1.0" encoding="utf-8"?>
-<p:sld xmlns:a="http://schemas.openxmlformats.org/drawingml/2006/main" xmlns:r="http://schemas.openxmlformats.org/officeDocument/2006/relationships" xmlns:p="http://schemas.openxmlformats.org/presentationml/2006/main">
-  <p:cSld>
-    <p:spTree>
-      <p:nvGrpSpPr>
-        <p:cNvPr id="1" name=""/>
-        <p:cNvGrpSpPr/>
-        <p:nvPr/>
-      </p:nvGrpSpPr>
-      <p:grpSpPr>
-        <a:xfrm>
-          <a:off x="0" y="0"/>
-          <a:ext cx="0" cy="0"/>
-          <a:chOff x="0" y="0"/>
-          <a:chExt cx="0" cy="0"/>
-        </a:xfrm>
-      </p:grpSpPr>
-      <p:pic>
-        <p:nvPicPr>
-          <p:cNvPr id="3" name="Picture 2">
-            <a:extLst>
-              <a:ext uri="{FF2B5EF4-FFF2-40B4-BE49-F238E27FC236}">
-                <a16:creationId xmlns:a16="http://schemas.microsoft.com/office/drawing/2014/main" id="{E27F5CA8-F80D-A4A9-75BE-13130C927B80}"/>
-              </a:ext>
-            </a:extLst>
-          </p:cNvPr>
-          <p:cNvPicPr>
-            <a:picLocks noChangeAspect="1"/>
-          </p:cNvPicPr>
-          <p:nvPr/>
-        </p:nvPicPr>
-        <p:blipFill>
-          <a:blip r:embed="rId2"/>
-          <a:stretch>
-            <a:fillRect/>
-          </a:stretch>
-        </p:blipFill>
-        <p:spPr>
-          <a:xfrm>
-            <a:off x="640205" y="230726"/>
-            <a:ext cx="9177304" cy="3198274"/>
-          </a:xfrm>
-          <a:prstGeom prst="rect">
-            <a:avLst/>
-          </a:prstGeom>
-        </p:spPr>
-      </p:pic>
-      <p:sp>
-        <p:nvSpPr>
-          <p:cNvPr id="5" name="TextBox 4">
-            <a:extLst>
-              <a:ext uri="{FF2B5EF4-FFF2-40B4-BE49-F238E27FC236}">
-                <a16:creationId xmlns:a16="http://schemas.microsoft.com/office/drawing/2014/main" id="{10F957D8-A482-B505-49DB-5020CEEC8282}"/>
-              </a:ext>
-            </a:extLst>
-          </p:cNvPr>
-          <p:cNvSpPr txBox="1"/>
-          <p:nvPr/>
-        </p:nvSpPr>
-        <p:spPr>
-          <a:xfrm>
-            <a:off x="463226" y="3484974"/>
-            <a:ext cx="8715187" cy="461665"/>
-          </a:xfrm>
-          <a:prstGeom prst="rect">
-            <a:avLst/>
-          </a:prstGeom>
-          <a:noFill/>
-        </p:spPr>
-        <p:txBody>
-          <a:bodyPr wrap="square">
-            <a:spAutoFit/>
-          </a:bodyPr>
-          <a:lstStyle/>
-          <a:p>
-            <a:r>
-              <a:rPr lang="en-US" sz="2400" dirty="0"/>
-              <a:t>The &lt;</a:t>
-            </a:r>
-            <a:r>
-              <a:rPr lang="en-US" sz="2400" dirty="0" err="1"/>
-              <a:t>textarea</a:t>
-            </a:r>
-            <a:r>
-              <a:rPr lang="en-US" sz="2400" dirty="0"/>
-              <a:t>&gt; tag defines a multi-line text input control.</a:t>
-            </a:r>
-            <a:endParaRPr lang="en-IN" sz="2400" dirty="0"/>
-          </a:p>
-        </p:txBody>
-      </p:sp>
-      <p:sp>
-        <p:nvSpPr>
-          <p:cNvPr id="7" name="TextBox 6">
-            <a:extLst>
-              <a:ext uri="{FF2B5EF4-FFF2-40B4-BE49-F238E27FC236}">
-                <a16:creationId xmlns:a16="http://schemas.microsoft.com/office/drawing/2014/main" id="{4012AB13-D13E-1A17-4A15-0B16E09D5831}"/>
-              </a:ext>
-            </a:extLst>
-          </p:cNvPr>
-          <p:cNvSpPr txBox="1"/>
-          <p:nvPr/>
-        </p:nvSpPr>
-        <p:spPr>
-          <a:xfrm>
-            <a:off x="463226" y="4002613"/>
-            <a:ext cx="10274710" cy="1569660"/>
-          </a:xfrm>
-          <a:prstGeom prst="rect">
-            <a:avLst/>
-          </a:prstGeom>
-          <a:noFill/>
-        </p:spPr>
-        <p:txBody>
-          <a:bodyPr wrap="square">
-            <a:spAutoFit/>
-          </a:bodyPr>
-          <a:lstStyle/>
-          <a:p>
-            <a:r>
-              <a:rPr lang="en-US" sz="2400" b="0" i="0" dirty="0">
-                <a:solidFill>
-                  <a:srgbClr val="0000CD"/>
-                </a:solidFill>
-                <a:effectLst/>
-                <a:latin typeface="Consolas" panose="020B0609020204030204" pitchFamily="49" charset="0"/>
-              </a:rPr>
-              <a:t>&lt;</a:t>
-            </a:r>
-            <a:r>
-              <a:rPr lang="en-US" sz="2400" b="0" i="0" dirty="0" err="1">
-                <a:solidFill>
-                  <a:srgbClr val="A52A2A"/>
-                </a:solidFill>
-                <a:effectLst/>
-                <a:latin typeface="Consolas" panose="020B0609020204030204" pitchFamily="49" charset="0"/>
-              </a:rPr>
-              <a:t>textarea</a:t>
-            </a:r>
-            <a:r>
-              <a:rPr lang="en-US" sz="2400" b="0" i="0" dirty="0">
-                <a:solidFill>
-                  <a:srgbClr val="FF0000"/>
-                </a:solidFill>
-                <a:effectLst/>
-                <a:latin typeface="Consolas" panose="020B0609020204030204" pitchFamily="49" charset="0"/>
-              </a:rPr>
-              <a:t> id</a:t>
-            </a:r>
-            <a:r>
-              <a:rPr lang="en-US" sz="2400" b="0" i="0" dirty="0">
-                <a:solidFill>
-                  <a:srgbClr val="0000CD"/>
-                </a:solidFill>
-                <a:effectLst/>
-                <a:latin typeface="Consolas" panose="020B0609020204030204" pitchFamily="49" charset="0"/>
-              </a:rPr>
-              <a:t>=""</a:t>
-            </a:r>
-            <a:r>
-              <a:rPr lang="en-US" sz="2400" b="0" i="0" dirty="0">
-                <a:solidFill>
-                  <a:srgbClr val="FF0000"/>
-                </a:solidFill>
-                <a:effectLst/>
-                <a:latin typeface="Consolas" panose="020B0609020204030204" pitchFamily="49" charset="0"/>
-              </a:rPr>
-              <a:t> name</a:t>
-            </a:r>
-            <a:r>
-              <a:rPr lang="en-US" sz="2400" b="0" i="0" dirty="0">
-                <a:solidFill>
-                  <a:srgbClr val="0000CD"/>
-                </a:solidFill>
-                <a:effectLst/>
-                <a:latin typeface="Consolas" panose="020B0609020204030204" pitchFamily="49" charset="0"/>
-              </a:rPr>
-              <a:t>=""</a:t>
-            </a:r>
-            <a:r>
-              <a:rPr lang="en-US" sz="2400" b="0" i="0" dirty="0">
-                <a:solidFill>
-                  <a:srgbClr val="FF0000"/>
-                </a:solidFill>
-                <a:effectLst/>
-                <a:latin typeface="Consolas" panose="020B0609020204030204" pitchFamily="49" charset="0"/>
-              </a:rPr>
-              <a:t> rows</a:t>
-            </a:r>
-            <a:r>
-              <a:rPr lang="en-US" sz="2400" b="0" i="0" dirty="0">
-                <a:solidFill>
-                  <a:srgbClr val="0000CD"/>
-                </a:solidFill>
-                <a:effectLst/>
-                <a:latin typeface="Consolas" panose="020B0609020204030204" pitchFamily="49" charset="0"/>
-              </a:rPr>
-              <a:t>="4"</a:t>
-            </a:r>
-            <a:r>
-              <a:rPr lang="en-US" sz="2400" b="0" i="0" dirty="0">
-                <a:solidFill>
-                  <a:srgbClr val="FF0000"/>
-                </a:solidFill>
-                <a:effectLst/>
-                <a:latin typeface="Consolas" panose="020B0609020204030204" pitchFamily="49" charset="0"/>
-              </a:rPr>
-              <a:t> cols</a:t>
-            </a:r>
-            <a:r>
-              <a:rPr lang="en-US" sz="2400" b="0" i="0" dirty="0">
-                <a:solidFill>
-                  <a:srgbClr val="0000CD"/>
-                </a:solidFill>
-                <a:effectLst/>
-                <a:latin typeface="Consolas" panose="020B0609020204030204" pitchFamily="49" charset="0"/>
-              </a:rPr>
-              <a:t>="50"&gt;</a:t>
-            </a:r>
-            <a:br>
-              <a:rPr lang="en-US" sz="2400" dirty="0"/>
-            </a:br>
-            <a:r>
-              <a:rPr lang="en-US" sz="2400" b="0" i="0" dirty="0">
-                <a:solidFill>
-                  <a:srgbClr val="000000"/>
-                </a:solidFill>
-                <a:effectLst/>
-                <a:latin typeface="Consolas" panose="020B0609020204030204" pitchFamily="49" charset="0"/>
-              </a:rPr>
-              <a:t>At w3schools.com you will learn how to make a website. They offer free tutorials in all web development technologies.</a:t>
-            </a:r>
-            <a:br>
-              <a:rPr lang="en-US" sz="2400" dirty="0"/>
-            </a:br>
-            <a:r>
-              <a:rPr lang="en-US" sz="2400" b="0" i="0" dirty="0">
-                <a:solidFill>
-                  <a:srgbClr val="0000CD"/>
-                </a:solidFill>
-                <a:effectLst/>
-                <a:latin typeface="Consolas" panose="020B0609020204030204" pitchFamily="49" charset="0"/>
-              </a:rPr>
-              <a:t>&lt;</a:t>
-            </a:r>
-            <a:r>
-              <a:rPr lang="en-US" sz="2400" b="0" i="0" dirty="0">
-                <a:solidFill>
-                  <a:srgbClr val="A52A2A"/>
-                </a:solidFill>
-                <a:effectLst/>
-                <a:latin typeface="Consolas" panose="020B0609020204030204" pitchFamily="49" charset="0"/>
-              </a:rPr>
-              <a:t>/</a:t>
-            </a:r>
-            <a:r>
-              <a:rPr lang="en-US" sz="2400" b="0" i="0" dirty="0" err="1">
-                <a:solidFill>
-                  <a:srgbClr val="A52A2A"/>
-                </a:solidFill>
-                <a:effectLst/>
-                <a:latin typeface="Consolas" panose="020B0609020204030204" pitchFamily="49" charset="0"/>
-              </a:rPr>
-              <a:t>textarea</a:t>
-            </a:r>
-            <a:r>
-              <a:rPr lang="en-US" sz="2400" b="0" i="0" dirty="0">
-                <a:solidFill>
-                  <a:srgbClr val="0000CD"/>
-                </a:solidFill>
-                <a:effectLst/>
-                <a:latin typeface="Consolas" panose="020B0609020204030204" pitchFamily="49" charset="0"/>
-              </a:rPr>
-              <a:t>&gt;</a:t>
-            </a:r>
-            <a:endParaRPr lang="en-IN" sz="2400" dirty="0"/>
-          </a:p>
-        </p:txBody>
-      </p:sp>
-      <p:sp>
-        <p:nvSpPr>
-          <p:cNvPr id="9" name="TextBox 8">
-            <a:extLst>
-              <a:ext uri="{FF2B5EF4-FFF2-40B4-BE49-F238E27FC236}">
-                <a16:creationId xmlns:a16="http://schemas.microsoft.com/office/drawing/2014/main" id="{C0D8981B-F4F1-1352-698B-F130EAF34E2C}"/>
-              </a:ext>
-            </a:extLst>
-          </p:cNvPr>
-          <p:cNvSpPr txBox="1"/>
-          <p:nvPr/>
-        </p:nvSpPr>
-        <p:spPr>
-          <a:xfrm>
-            <a:off x="640205" y="5745236"/>
-            <a:ext cx="9015072" cy="523220"/>
-          </a:xfrm>
-          <a:prstGeom prst="rect">
-            <a:avLst/>
-          </a:prstGeom>
-          <a:noFill/>
-        </p:spPr>
-        <p:txBody>
-          <a:bodyPr wrap="square">
-            <a:spAutoFit/>
-          </a:bodyPr>
-          <a:lstStyle/>
-          <a:p>
-            <a:r>
-              <a:rPr lang="en-IN" sz="2800" b="1" dirty="0"/>
-              <a:t> </a:t>
-            </a:r>
-            <a:r>
-              <a:rPr lang="en-IN" sz="2800" b="1" dirty="0">
-                <a:solidFill>
-                  <a:srgbClr val="FF0000"/>
-                </a:solidFill>
-              </a:rPr>
-              <a:t>RESET</a:t>
-            </a:r>
-            <a:r>
-              <a:rPr lang="en-IN" sz="2800" b="1" dirty="0"/>
-              <a:t> :&lt;input type="reset" value="Reset"&gt;reset</a:t>
-            </a:r>
-          </a:p>
-        </p:txBody>
-      </p:sp>
-    </p:spTree>
-    <p:extLst>
-      <p:ext uri="{BB962C8B-B14F-4D97-AF65-F5344CB8AC3E}">
-        <p14:creationId xmlns:p14="http://schemas.microsoft.com/office/powerpoint/2010/main" val="884413024"/>
-      </p:ext>
-    </p:extLst>
-  </p:cSld>
-  <p:clrMapOvr>
-    <a:masterClrMapping/>
-  </p:clrMapOvr>
-</p:sld>
-</file>
-
-<file path=ppt/slides/slide8.xml><?xml version="1.0" encoding="utf-8"?>
-<p:sld xmlns:a="http://schemas.openxmlformats.org/drawingml/2006/main" xmlns:r="http://schemas.openxmlformats.org/officeDocument/2006/relationships" xmlns:p="http://schemas.openxmlformats.org/presentationml/2006/main">
-  <p:cSld>
-    <p:spTree>
-      <p:nvGrpSpPr>
-        <p:cNvPr id="1" name=""/>
-        <p:cNvGrpSpPr/>
-        <p:nvPr/>
-      </p:nvGrpSpPr>
-      <p:grpSpPr>
-        <a:xfrm>
-          <a:off x="0" y="0"/>
-          <a:ext cx="0" cy="0"/>
-          <a:chOff x="0" y="0"/>
-          <a:chExt cx="0" cy="0"/>
-        </a:xfrm>
-      </p:grpSpPr>
-      <p:sp>
-        <p:nvSpPr>
-          <p:cNvPr id="3" name="TextBox 2">
-            <a:extLst>
-              <a:ext uri="{FF2B5EF4-FFF2-40B4-BE49-F238E27FC236}">
-                <a16:creationId xmlns:a16="http://schemas.microsoft.com/office/drawing/2014/main" id="{C5E90B19-9268-7CBF-4526-6769D1674416}"/>
-              </a:ext>
-            </a:extLst>
-          </p:cNvPr>
-          <p:cNvSpPr txBox="1"/>
-          <p:nvPr/>
-        </p:nvSpPr>
-        <p:spPr>
-          <a:xfrm>
-            <a:off x="707923" y="1937911"/>
-            <a:ext cx="10058400" cy="4524315"/>
-          </a:xfrm>
-          <a:prstGeom prst="rect">
-            <a:avLst/>
-          </a:prstGeom>
-          <a:noFill/>
-        </p:spPr>
-        <p:txBody>
-          <a:bodyPr wrap="square">
-            <a:spAutoFit/>
-          </a:bodyPr>
-          <a:lstStyle/>
-          <a:p>
-            <a:r>
-              <a:rPr lang="en-IN" sz="2400" dirty="0"/>
-              <a:t>&lt;!DOCTYPE html&gt;</a:t>
-            </a:r>
-          </a:p>
-          <a:p>
-            <a:r>
-              <a:rPr lang="en-IN" sz="2400" dirty="0"/>
-              <a:t>&lt;html&gt;</a:t>
-            </a:r>
-          </a:p>
-          <a:p>
-            <a:r>
-              <a:rPr lang="en-IN" sz="2400" dirty="0"/>
-              <a:t>&lt;body&gt;</a:t>
-            </a:r>
-          </a:p>
-          <a:p>
-            <a:endParaRPr lang="en-IN" sz="2400" dirty="0"/>
-          </a:p>
-          <a:p>
-            <a:r>
-              <a:rPr lang="en-IN" sz="2400" dirty="0"/>
-              <a:t>&lt;h1&gt;The </a:t>
-            </a:r>
-            <a:r>
-              <a:rPr lang="en-IN" sz="2400" dirty="0" err="1"/>
-              <a:t>ul</a:t>
-            </a:r>
-            <a:r>
-              <a:rPr lang="en-IN" sz="2400" dirty="0"/>
-              <a:t> element&lt;/h1&gt;</a:t>
-            </a:r>
-          </a:p>
-          <a:p>
-            <a:r>
-              <a:rPr lang="en-IN" sz="2400" dirty="0"/>
-              <a:t>&lt;</a:t>
-            </a:r>
-            <a:r>
-              <a:rPr lang="en-IN" sz="2400" dirty="0" err="1"/>
-              <a:t>ul</a:t>
-            </a:r>
-            <a:r>
-              <a:rPr lang="en-IN" sz="2400" dirty="0"/>
-              <a:t>&gt;</a:t>
-            </a:r>
-          </a:p>
-          <a:p>
-            <a:r>
-              <a:rPr lang="en-IN" sz="2400" dirty="0"/>
-              <a:t>  &lt;li&gt;Coffee&lt;/li&gt;</a:t>
-            </a:r>
-          </a:p>
-          <a:p>
-            <a:r>
-              <a:rPr lang="en-IN" sz="2400" dirty="0"/>
-              <a:t>  &lt;li&gt;Tea&lt;/li&gt;</a:t>
-            </a:r>
-          </a:p>
-          <a:p>
-            <a:r>
-              <a:rPr lang="en-IN" sz="2400" dirty="0"/>
-              <a:t>  &lt;li&gt;Milk&lt;/li&gt;</a:t>
-            </a:r>
-          </a:p>
-          <a:p>
-            <a:r>
-              <a:rPr lang="en-IN" sz="2400" dirty="0"/>
-              <a:t>&lt;/</a:t>
-            </a:r>
-            <a:r>
-              <a:rPr lang="en-IN" sz="2400" dirty="0" err="1"/>
-              <a:t>ul</a:t>
-            </a:r>
-            <a:r>
-              <a:rPr lang="en-IN" sz="2400" dirty="0"/>
-              <a:t>&gt;</a:t>
-            </a:r>
-          </a:p>
-          <a:p>
-            <a:r>
-              <a:rPr lang="en-IN" sz="2400" dirty="0"/>
-              <a:t>&lt;/body&gt;</a:t>
-            </a:r>
-          </a:p>
-          <a:p>
-            <a:r>
-              <a:rPr lang="en-IN" sz="2400" dirty="0"/>
-              <a:t>&lt;/html&gt;</a:t>
-            </a:r>
-          </a:p>
-        </p:txBody>
-      </p:sp>
-      <p:sp>
-        <p:nvSpPr>
-          <p:cNvPr id="7" name="TextBox 6">
-            <a:extLst>
-              <a:ext uri="{FF2B5EF4-FFF2-40B4-BE49-F238E27FC236}">
-                <a16:creationId xmlns:a16="http://schemas.microsoft.com/office/drawing/2014/main" id="{1929FE16-7C99-B439-16B3-BFF03E964C7A}"/>
-              </a:ext>
-            </a:extLst>
-          </p:cNvPr>
-          <p:cNvSpPr txBox="1"/>
-          <p:nvPr/>
-        </p:nvSpPr>
-        <p:spPr>
-          <a:xfrm>
-            <a:off x="353961" y="70972"/>
-            <a:ext cx="9753600" cy="1508105"/>
-          </a:xfrm>
-          <a:prstGeom prst="rect">
-            <a:avLst/>
-          </a:prstGeom>
-          <a:noFill/>
-        </p:spPr>
-        <p:txBody>
-          <a:bodyPr wrap="square">
-            <a:spAutoFit/>
-          </a:bodyPr>
-          <a:lstStyle/>
-          <a:p>
-            <a:r>
-              <a:rPr lang="en-US" sz="3600" b="1" dirty="0" err="1"/>
-              <a:t>ul</a:t>
-            </a:r>
-            <a:r>
-              <a:rPr lang="en-US" sz="3600" b="1" dirty="0"/>
-              <a:t> and li</a:t>
-            </a:r>
-          </a:p>
-          <a:p>
-            <a:r>
-              <a:rPr lang="en-US" sz="2800" dirty="0"/>
-              <a:t>The &lt;</a:t>
-            </a:r>
-            <a:r>
-              <a:rPr lang="en-US" sz="2800" dirty="0" err="1"/>
-              <a:t>ul</a:t>
-            </a:r>
-            <a:r>
-              <a:rPr lang="en-US" sz="2800" dirty="0"/>
-              <a:t>&gt; tag defines an unordered (</a:t>
-            </a:r>
-            <a:r>
-              <a:rPr lang="en-US" sz="2800" b="1" dirty="0"/>
-              <a:t>bulleted</a:t>
-            </a:r>
-            <a:r>
-              <a:rPr lang="en-US" sz="2800" dirty="0"/>
-              <a:t>) list</a:t>
-            </a:r>
-            <a:r>
-              <a:rPr lang="en-US" sz="2800" b="1" dirty="0"/>
-              <a:t>.</a:t>
-            </a:r>
-          </a:p>
-          <a:p>
-            <a:endParaRPr lang="en-IN" sz="2800" b="1" dirty="0"/>
-          </a:p>
-        </p:txBody>
-      </p:sp>
-      <p:pic>
-        <p:nvPicPr>
-          <p:cNvPr id="9" name="Picture 8">
-            <a:extLst>
-              <a:ext uri="{FF2B5EF4-FFF2-40B4-BE49-F238E27FC236}">
-                <a16:creationId xmlns:a16="http://schemas.microsoft.com/office/drawing/2014/main" id="{A10DDD58-571A-FC1E-0A90-1C56FF373A47}"/>
-              </a:ext>
-            </a:extLst>
-          </p:cNvPr>
-          <p:cNvPicPr>
-            <a:picLocks noChangeAspect="1"/>
-          </p:cNvPicPr>
-          <p:nvPr/>
-        </p:nvPicPr>
-        <p:blipFill>
-          <a:blip r:embed="rId2"/>
-          <a:stretch>
-            <a:fillRect/>
-          </a:stretch>
-        </p:blipFill>
-        <p:spPr>
-          <a:xfrm>
-            <a:off x="7585973" y="2293681"/>
-            <a:ext cx="3573640" cy="2720771"/>
-          </a:xfrm>
-          <a:prstGeom prst="rect">
-            <a:avLst/>
-          </a:prstGeom>
-        </p:spPr>
-      </p:pic>
-      <p:sp>
-        <p:nvSpPr>
-          <p:cNvPr id="12" name="TextBox 11">
-            <a:extLst>
-              <a:ext uri="{FF2B5EF4-FFF2-40B4-BE49-F238E27FC236}">
-                <a16:creationId xmlns:a16="http://schemas.microsoft.com/office/drawing/2014/main" id="{26437CEA-60C5-784B-CC7D-480811ED3118}"/>
-              </a:ext>
-            </a:extLst>
-          </p:cNvPr>
-          <p:cNvSpPr txBox="1"/>
-          <p:nvPr/>
-        </p:nvSpPr>
-        <p:spPr>
-          <a:xfrm>
-            <a:off x="707923" y="1127940"/>
-            <a:ext cx="6096000" cy="523220"/>
-          </a:xfrm>
-          <a:prstGeom prst="rect">
-            <a:avLst/>
-          </a:prstGeom>
-          <a:noFill/>
-        </p:spPr>
-        <p:txBody>
-          <a:bodyPr wrap="square">
-            <a:spAutoFit/>
-          </a:bodyPr>
-          <a:lstStyle/>
-          <a:p>
-            <a:r>
-              <a:rPr lang="en-IN" sz="2800" dirty="0"/>
-              <a:t>The &lt;li&gt; tag defines a </a:t>
-            </a:r>
-            <a:r>
-              <a:rPr lang="en-IN" sz="2800" b="1" dirty="0"/>
-              <a:t>list item</a:t>
-            </a:r>
-            <a:r>
-              <a:rPr lang="en-IN" sz="2800" dirty="0"/>
-              <a:t>.</a:t>
-            </a:r>
-          </a:p>
-        </p:txBody>
-      </p:sp>
-    </p:spTree>
-    <p:extLst>
-      <p:ext uri="{BB962C8B-B14F-4D97-AF65-F5344CB8AC3E}">
-        <p14:creationId xmlns:p14="http://schemas.microsoft.com/office/powerpoint/2010/main" val="869271285"/>
+        <p14:creationId xmlns:p14="http://schemas.microsoft.com/office/powerpoint/2010/main" val="1151228520"/>
       </p:ext>
     </p:extLst>
   </p:cSld>
@@ -10356,238 +11048,12 @@
           <a:chExt cx="0" cy="0"/>
         </a:xfrm>
       </p:grpSpPr>
-      <p:sp>
-        <p:nvSpPr>
-          <p:cNvPr id="3" name="TextBox 2">
-            <a:extLst>
-              <a:ext uri="{FF2B5EF4-FFF2-40B4-BE49-F238E27FC236}">
-                <a16:creationId xmlns:a16="http://schemas.microsoft.com/office/drawing/2014/main" id="{90DBC945-B9D3-E277-9AB5-7BD71C1C2501}"/>
-              </a:ext>
-            </a:extLst>
-          </p:cNvPr>
-          <p:cNvSpPr txBox="1"/>
-          <p:nvPr/>
-        </p:nvSpPr>
-        <p:spPr>
-          <a:xfrm>
-            <a:off x="757084" y="1398834"/>
-            <a:ext cx="8190271" cy="4893647"/>
-          </a:xfrm>
-          <a:prstGeom prst="rect">
-            <a:avLst/>
-          </a:prstGeom>
-          <a:noFill/>
-        </p:spPr>
-        <p:txBody>
-          <a:bodyPr wrap="square">
-            <a:spAutoFit/>
-          </a:bodyPr>
-          <a:lstStyle/>
-          <a:p>
-            <a:r>
-              <a:rPr lang="en-IN" sz="2400" dirty="0"/>
-              <a:t>&lt;!DOCTYPE html&gt;</a:t>
-            </a:r>
-          </a:p>
-          <a:p>
-            <a:r>
-              <a:rPr lang="en-IN" sz="2400" dirty="0"/>
-              <a:t>&lt;html&gt;</a:t>
-            </a:r>
-          </a:p>
-          <a:p>
-            <a:r>
-              <a:rPr lang="en-IN" sz="2400" dirty="0"/>
-              <a:t>&lt;body&gt;</a:t>
-            </a:r>
-          </a:p>
-          <a:p>
-            <a:endParaRPr lang="en-IN" sz="2400" dirty="0"/>
-          </a:p>
-          <a:p>
-            <a:r>
-              <a:rPr lang="en-IN" sz="2400" dirty="0"/>
-              <a:t>&lt;h1&gt;The </a:t>
-            </a:r>
-            <a:r>
-              <a:rPr lang="en-IN" sz="2400" dirty="0" err="1"/>
-              <a:t>ol</a:t>
-            </a:r>
-            <a:r>
-              <a:rPr lang="en-IN" sz="2400" dirty="0"/>
-              <a:t> and </a:t>
-            </a:r>
-            <a:r>
-              <a:rPr lang="en-IN" sz="2400" dirty="0" err="1"/>
-              <a:t>ul</a:t>
-            </a:r>
-            <a:r>
-              <a:rPr lang="en-IN" sz="2400" dirty="0"/>
-              <a:t> elements&lt;/h1&gt;</a:t>
-            </a:r>
-          </a:p>
-          <a:p>
-            <a:r>
-              <a:rPr lang="en-IN" sz="2400" dirty="0"/>
-              <a:t>&lt;p&gt;The </a:t>
-            </a:r>
-            <a:r>
-              <a:rPr lang="en-IN" sz="2400" dirty="0" err="1"/>
-              <a:t>ol</a:t>
-            </a:r>
-            <a:r>
-              <a:rPr lang="en-IN" sz="2400" dirty="0"/>
-              <a:t> element defines an ordered list:&lt;/p&gt;</a:t>
-            </a:r>
-          </a:p>
-          <a:p>
-            <a:r>
-              <a:rPr lang="en-IN" sz="2400" dirty="0"/>
-              <a:t>&lt;</a:t>
-            </a:r>
-            <a:r>
-              <a:rPr lang="en-IN" sz="2400" dirty="0" err="1"/>
-              <a:t>ol</a:t>
-            </a:r>
-            <a:r>
-              <a:rPr lang="en-IN" sz="2400" dirty="0"/>
-              <a:t>&gt;</a:t>
-            </a:r>
-          </a:p>
-          <a:p>
-            <a:r>
-              <a:rPr lang="en-IN" sz="2400" dirty="0"/>
-              <a:t>  &lt;li&gt;Coffee&lt;/li&gt;</a:t>
-            </a:r>
-          </a:p>
-          <a:p>
-            <a:r>
-              <a:rPr lang="en-IN" sz="2400" dirty="0"/>
-              <a:t>  &lt;li&gt;Tea&lt;/li&gt;</a:t>
-            </a:r>
-          </a:p>
-          <a:p>
-            <a:r>
-              <a:rPr lang="en-IN" sz="2400" dirty="0"/>
-              <a:t>  &lt;li&gt;Milk&lt;/li&gt;</a:t>
-            </a:r>
-          </a:p>
-          <a:p>
-            <a:r>
-              <a:rPr lang="en-IN" sz="2400" dirty="0"/>
-              <a:t>&lt;/</a:t>
-            </a:r>
-            <a:r>
-              <a:rPr lang="en-IN" sz="2400" dirty="0" err="1"/>
-              <a:t>ol</a:t>
-            </a:r>
-            <a:r>
-              <a:rPr lang="en-IN" sz="2400" dirty="0"/>
-              <a:t>&gt;</a:t>
-            </a:r>
-          </a:p>
-          <a:p>
-            <a:r>
-              <a:rPr lang="en-IN" sz="2400" dirty="0"/>
-              <a:t>&lt;/body&gt;</a:t>
-            </a:r>
-          </a:p>
-          <a:p>
-            <a:r>
-              <a:rPr lang="en-IN" sz="2400" dirty="0"/>
-              <a:t>&lt;/html&gt;</a:t>
-            </a:r>
-            <a:endParaRPr lang="en-IN" dirty="0"/>
-          </a:p>
-        </p:txBody>
-      </p:sp>
-      <p:sp>
-        <p:nvSpPr>
-          <p:cNvPr id="5" name="TextBox 4">
-            <a:extLst>
-              <a:ext uri="{FF2B5EF4-FFF2-40B4-BE49-F238E27FC236}">
-                <a16:creationId xmlns:a16="http://schemas.microsoft.com/office/drawing/2014/main" id="{5AB9CCB2-274D-C501-3040-67A134107659}"/>
-              </a:ext>
-            </a:extLst>
-          </p:cNvPr>
-          <p:cNvSpPr txBox="1"/>
-          <p:nvPr/>
-        </p:nvSpPr>
-        <p:spPr>
-          <a:xfrm>
-            <a:off x="580103" y="302610"/>
-            <a:ext cx="11031794" cy="861774"/>
-          </a:xfrm>
-          <a:prstGeom prst="rect">
-            <a:avLst/>
-          </a:prstGeom>
-          <a:noFill/>
-        </p:spPr>
-        <p:txBody>
-          <a:bodyPr wrap="square">
-            <a:spAutoFit/>
-          </a:bodyPr>
-          <a:lstStyle/>
-          <a:p>
-            <a:r>
-              <a:rPr lang="en-US" sz="3200" b="1" i="0" dirty="0" err="1">
-                <a:solidFill>
-                  <a:srgbClr val="000000"/>
-                </a:solidFill>
-                <a:effectLst/>
-                <a:latin typeface="Verdana" panose="020B0604030504040204" pitchFamily="34" charset="0"/>
-              </a:rPr>
-              <a:t>ol</a:t>
-            </a:r>
-            <a:endParaRPr lang="en-US" sz="3200" b="1" i="0" dirty="0">
-              <a:solidFill>
-                <a:srgbClr val="000000"/>
-              </a:solidFill>
-              <a:effectLst/>
-              <a:latin typeface="Verdana" panose="020B0604030504040204" pitchFamily="34" charset="0"/>
-            </a:endParaRPr>
-          </a:p>
-          <a:p>
-            <a:r>
-              <a:rPr lang="en-US" b="0" i="0" dirty="0">
-                <a:solidFill>
-                  <a:srgbClr val="000000"/>
-                </a:solidFill>
-                <a:effectLst/>
-                <a:latin typeface="Verdana" panose="020B0604030504040204" pitchFamily="34" charset="0"/>
-              </a:rPr>
-              <a:t>In &lt;</a:t>
-            </a:r>
-            <a:r>
-              <a:rPr lang="en-US" b="0" i="0" dirty="0" err="1">
-                <a:solidFill>
-                  <a:srgbClr val="000000"/>
-                </a:solidFill>
-                <a:effectLst/>
-                <a:latin typeface="Verdana" panose="020B0604030504040204" pitchFamily="34" charset="0"/>
-              </a:rPr>
-              <a:t>ol</a:t>
-            </a:r>
-            <a:r>
-              <a:rPr lang="en-US" b="0" i="0" dirty="0">
-                <a:solidFill>
-                  <a:srgbClr val="000000"/>
-                </a:solidFill>
-                <a:effectLst/>
-                <a:latin typeface="Verdana" panose="020B0604030504040204" pitchFamily="34" charset="0"/>
-              </a:rPr>
-              <a:t>&gt;, the list items will usually be displayed with numbers or letters.</a:t>
-            </a:r>
-            <a:endParaRPr lang="en-IN" dirty="0"/>
-          </a:p>
-        </p:txBody>
-      </p:sp>
       <p:pic>
         <p:nvPicPr>
-          <p:cNvPr id="7" name="Picture 6">
-            <a:extLst>
-              <a:ext uri="{FF2B5EF4-FFF2-40B4-BE49-F238E27FC236}">
-                <a16:creationId xmlns:a16="http://schemas.microsoft.com/office/drawing/2014/main" id="{ED2771A1-235E-043F-20FB-3771FA1FC893}"/>
+          <p:cNvPr id="3" name="Picture 2">
+            <a:extLst>
+              <a:ext uri="{FF2B5EF4-FFF2-40B4-BE49-F238E27FC236}">
+                <a16:creationId xmlns:a16="http://schemas.microsoft.com/office/drawing/2014/main" id="{A355BE96-967B-B0F7-40C3-39B79547D525}"/>
               </a:ext>
             </a:extLst>
           </p:cNvPr>
@@ -10604,8 +11070,8 @@
         </p:blipFill>
         <p:spPr>
           <a:xfrm>
-            <a:off x="7496366" y="2229172"/>
-            <a:ext cx="4017208" cy="2106854"/>
+            <a:off x="1268361" y="1022554"/>
+            <a:ext cx="9301315" cy="5109355"/>
           </a:xfrm>
           <a:prstGeom prst="rect">
             <a:avLst/>
@@ -10615,7 +11081,7 @@
     </p:spTree>
     <p:extLst>
       <p:ext uri="{BB962C8B-B14F-4D97-AF65-F5344CB8AC3E}">
-        <p14:creationId xmlns:p14="http://schemas.microsoft.com/office/powerpoint/2010/main" val="3310852495"/>
+        <p14:creationId xmlns:p14="http://schemas.microsoft.com/office/powerpoint/2010/main" val="142510837"/>
       </p:ext>
     </p:extLst>
   </p:cSld>
